--- a/Document/Innovation-project/pre-final.pptx
+++ b/Document/Innovation-project/pre-final.pptx
@@ -5,24 +5,28 @@
     <p:sldMasterId id="2147483648" r:id="rId1"/>
   </p:sldMasterIdLst>
   <p:notesMasterIdLst>
-    <p:notesMasterId r:id="rId14"/>
+    <p:notesMasterId r:id="rId18"/>
   </p:notesMasterIdLst>
   <p:handoutMasterIdLst>
-    <p:handoutMasterId r:id="rId15"/>
+    <p:handoutMasterId r:id="rId19"/>
   </p:handoutMasterIdLst>
   <p:sldIdLst>
     <p:sldId id="261" r:id="rId2"/>
     <p:sldId id="271" r:id="rId3"/>
     <p:sldId id="257" r:id="rId4"/>
-    <p:sldId id="262" r:id="rId5"/>
-    <p:sldId id="263" r:id="rId6"/>
-    <p:sldId id="264" r:id="rId7"/>
-    <p:sldId id="265" r:id="rId8"/>
-    <p:sldId id="266" r:id="rId9"/>
-    <p:sldId id="267" r:id="rId10"/>
-    <p:sldId id="268" r:id="rId11"/>
-    <p:sldId id="269" r:id="rId12"/>
-    <p:sldId id="270" r:id="rId13"/>
+    <p:sldId id="272" r:id="rId5"/>
+    <p:sldId id="273" r:id="rId6"/>
+    <p:sldId id="274" r:id="rId7"/>
+    <p:sldId id="275" r:id="rId8"/>
+    <p:sldId id="262" r:id="rId9"/>
+    <p:sldId id="263" r:id="rId10"/>
+    <p:sldId id="264" r:id="rId11"/>
+    <p:sldId id="265" r:id="rId12"/>
+    <p:sldId id="266" r:id="rId13"/>
+    <p:sldId id="267" r:id="rId14"/>
+    <p:sldId id="268" r:id="rId15"/>
+    <p:sldId id="269" r:id="rId16"/>
+    <p:sldId id="270" r:id="rId17"/>
   </p:sldIdLst>
   <p:sldSz cx="12192000" cy="6858000"/>
   <p:notesSz cx="6858000" cy="9144000"/>
@@ -5025,7 +5029,7 @@
             <a:pPr rtl="0"/>
             <a:fld id="{82869989-EB00-4EE7-BCB5-25BDC5BB29F8}" type="slidenum">
               <a:rPr lang="en-US" altLang="zh-CN" smtClean="0"/>
-              <a:t>11</a:t>
+              <a:t>15</a:t>
             </a:fld>
             <a:endParaRPr lang="zh-CN" altLang="en-US" dirty="0"/>
           </a:p>
@@ -5113,7 +5117,7 @@
             <a:pPr rtl="0"/>
             <a:fld id="{82869989-EB00-4EE7-BCB5-25BDC5BB29F8}" type="slidenum">
               <a:rPr lang="en-US" altLang="zh-CN" smtClean="0"/>
-              <a:t>12</a:t>
+              <a:t>16</a:t>
             </a:fld>
             <a:endParaRPr lang="zh-CN" altLang="en-US" dirty="0"/>
           </a:p>
@@ -5290,7 +5294,7 @@
             <a:pPr rtl="0"/>
             <a:fld id="{82869989-EB00-4EE7-BCB5-25BDC5BB29F8}" type="slidenum">
               <a:rPr lang="en-US" altLang="zh-CN" smtClean="0"/>
-              <a:t>4</a:t>
+              <a:t>8</a:t>
             </a:fld>
             <a:endParaRPr lang="zh-CN" altLang="en-US" dirty="0"/>
           </a:p>
@@ -5378,7 +5382,7 @@
             <a:pPr rtl="0"/>
             <a:fld id="{82869989-EB00-4EE7-BCB5-25BDC5BB29F8}" type="slidenum">
               <a:rPr lang="en-US" altLang="zh-CN" smtClean="0"/>
-              <a:t>5</a:t>
+              <a:t>9</a:t>
             </a:fld>
             <a:endParaRPr lang="zh-CN" altLang="en-US" dirty="0"/>
           </a:p>
@@ -5466,7 +5470,7 @@
             <a:pPr rtl="0"/>
             <a:fld id="{82869989-EB00-4EE7-BCB5-25BDC5BB29F8}" type="slidenum">
               <a:rPr lang="en-US" altLang="zh-CN" smtClean="0"/>
-              <a:t>6</a:t>
+              <a:t>10</a:t>
             </a:fld>
             <a:endParaRPr lang="zh-CN" altLang="en-US" dirty="0"/>
           </a:p>
@@ -5554,7 +5558,7 @@
             <a:pPr rtl="0"/>
             <a:fld id="{82869989-EB00-4EE7-BCB5-25BDC5BB29F8}" type="slidenum">
               <a:rPr lang="en-US" altLang="zh-CN" smtClean="0"/>
-              <a:t>7</a:t>
+              <a:t>11</a:t>
             </a:fld>
             <a:endParaRPr lang="zh-CN" altLang="en-US" dirty="0"/>
           </a:p>
@@ -5642,7 +5646,7 @@
             <a:pPr rtl="0"/>
             <a:fld id="{82869989-EB00-4EE7-BCB5-25BDC5BB29F8}" type="slidenum">
               <a:rPr lang="en-US" altLang="zh-CN" smtClean="0"/>
-              <a:t>8</a:t>
+              <a:t>12</a:t>
             </a:fld>
             <a:endParaRPr lang="zh-CN" altLang="en-US" dirty="0"/>
           </a:p>
@@ -5730,7 +5734,7 @@
             <a:pPr rtl="0"/>
             <a:fld id="{82869989-EB00-4EE7-BCB5-25BDC5BB29F8}" type="slidenum">
               <a:rPr lang="en-US" altLang="zh-CN" smtClean="0"/>
-              <a:t>9</a:t>
+              <a:t>13</a:t>
             </a:fld>
             <a:endParaRPr lang="zh-CN" altLang="en-US" dirty="0"/>
           </a:p>
@@ -5818,7 +5822,7 @@
             <a:pPr rtl="0"/>
             <a:fld id="{82869989-EB00-4EE7-BCB5-25BDC5BB29F8}" type="slidenum">
               <a:rPr lang="en-US" altLang="zh-CN" smtClean="0"/>
-              <a:t>10</a:t>
+              <a:t>14</a:t>
             </a:fld>
             <a:endParaRPr lang="zh-CN" altLang="en-US" dirty="0"/>
           </a:p>
@@ -20588,6 +20592,482 @@
           <a:chExt cx="0" cy="0"/>
         </a:xfrm>
       </p:grpSpPr>
+      <p:sp>
+        <p:nvSpPr>
+          <p:cNvPr id="2" name="标题 1"/>
+          <p:cNvSpPr>
+            <a:spLocks noGrp="1"/>
+          </p:cNvSpPr>
+          <p:nvPr>
+            <p:ph type="title"/>
+          </p:nvPr>
+        </p:nvSpPr>
+        <p:spPr/>
+        <p:txBody>
+          <a:bodyPr rtlCol="0"/>
+          <a:lstStyle/>
+          <a:p>
+            <a:pPr rtl="0"/>
+            <a:r>
+              <a:rPr lang="zh-CN" altLang="en-US" dirty="0">
+                <a:latin typeface="微软雅黑" panose="020B0503020204020204" pitchFamily="34" charset="-122"/>
+                <a:ea typeface="微软雅黑" panose="020B0503020204020204" pitchFamily="34" charset="-122"/>
+                <a:sym typeface="Arial" panose="020B0604020202020204" pitchFamily="34" charset="0"/>
+              </a:rPr>
+              <a:t>标题和包含 </a:t>
+            </a:r>
+            <a:r>
+              <a:rPr lang="en-US" altLang="zh-CN" dirty="0">
+                <a:latin typeface="微软雅黑" panose="020B0503020204020204" pitchFamily="34" charset="-122"/>
+                <a:ea typeface="微软雅黑" panose="020B0503020204020204" pitchFamily="34" charset="-122"/>
+                <a:sym typeface="Arial" panose="020B0604020202020204" pitchFamily="34" charset="0"/>
+              </a:rPr>
+              <a:t>SmartArt </a:t>
+            </a:r>
+            <a:r>
+              <a:rPr lang="zh-CN" altLang="en-US" dirty="0">
+                <a:latin typeface="微软雅黑" panose="020B0503020204020204" pitchFamily="34" charset="-122"/>
+                <a:ea typeface="微软雅黑" panose="020B0503020204020204" pitchFamily="34" charset="-122"/>
+                <a:sym typeface="Arial" panose="020B0604020202020204" pitchFamily="34" charset="0"/>
+              </a:rPr>
+              <a:t>的内容布局</a:t>
+            </a:r>
+          </a:p>
+        </p:txBody>
+      </p:sp>
+      <p:graphicFrame>
+        <p:nvGraphicFramePr>
+          <p:cNvPr id="4" name="内容占位符 3" descr="流程箭头图，显示了从左至右排列的 3 个步骤，且每个步骤都有任务说明"/>
+          <p:cNvGraphicFramePr>
+            <a:graphicFrameLocks noGrp="1"/>
+          </p:cNvGraphicFramePr>
+          <p:nvPr>
+            <p:ph idx="1"/>
+            <p:extLst>
+              <p:ext uri="{D42A27DB-BD31-4B8C-83A1-F6EECF244321}">
+                <p14:modId xmlns:p14="http://schemas.microsoft.com/office/powerpoint/2010/main" val="1122284103"/>
+              </p:ext>
+            </p:extLst>
+          </p:nvPr>
+        </p:nvGraphicFramePr>
+        <p:xfrm>
+          <a:off x="1295400" y="1981200"/>
+          <a:ext cx="9601200" cy="3810000"/>
+        </p:xfrm>
+        <a:graphic>
+          <a:graphicData uri="http://schemas.openxmlformats.org/drawingml/2006/diagram">
+            <dgm:relIds xmlns:dgm="http://schemas.openxmlformats.org/drawingml/2006/diagram" xmlns:r="http://schemas.openxmlformats.org/officeDocument/2006/relationships" r:dm="rId3" r:lo="rId4" r:qs="rId5" r:cs="rId6"/>
+          </a:graphicData>
+        </a:graphic>
+      </p:graphicFrame>
+    </p:spTree>
+    <p:extLst>
+      <p:ext uri="{BB962C8B-B14F-4D97-AF65-F5344CB8AC3E}">
+        <p14:creationId xmlns:p14="http://schemas.microsoft.com/office/powerpoint/2010/main" val="2761515851"/>
+      </p:ext>
+    </p:extLst>
+  </p:cSld>
+  <p:clrMapOvr>
+    <a:masterClrMapping/>
+  </p:clrMapOvr>
+  <mc:AlternateContent xmlns:mc="http://schemas.openxmlformats.org/markup-compatibility/2006" xmlns:p14="http://schemas.microsoft.com/office/powerpoint/2010/main">
+    <mc:Choice Requires="p14">
+      <p:transition spd="med" p14:dur="700">
+        <p:fade/>
+      </p:transition>
+    </mc:Choice>
+    <mc:Fallback xmlns="">
+      <p:transition spd="med">
+        <p:fade/>
+      </p:transition>
+    </mc:Fallback>
+  </mc:AlternateContent>
+</p:sld>
+</file>
+
+<file path=ppt/slides/slide11.xml><?xml version="1.0" encoding="utf-8"?>
+<p:sld xmlns:a="http://schemas.openxmlformats.org/drawingml/2006/main" xmlns:r="http://schemas.openxmlformats.org/officeDocument/2006/relationships" xmlns:p="http://schemas.openxmlformats.org/presentationml/2006/main">
+  <p:cSld>
+    <p:spTree>
+      <p:nvGrpSpPr>
+        <p:cNvPr id="1" name=""/>
+        <p:cNvGrpSpPr/>
+        <p:nvPr/>
+      </p:nvGrpSpPr>
+      <p:grpSpPr>
+        <a:xfrm>
+          <a:off x="0" y="0"/>
+          <a:ext cx="0" cy="0"/>
+          <a:chOff x="0" y="0"/>
+          <a:chExt cx="0" cy="0"/>
+        </a:xfrm>
+      </p:grpSpPr>
+      <p:sp>
+        <p:nvSpPr>
+          <p:cNvPr id="2" name="标题 1"/>
+          <p:cNvSpPr>
+            <a:spLocks noGrp="1"/>
+          </p:cNvSpPr>
+          <p:nvPr>
+            <p:ph type="title"/>
+          </p:nvPr>
+        </p:nvSpPr>
+        <p:spPr/>
+        <p:txBody>
+          <a:bodyPr rtlCol="0"/>
+          <a:lstStyle/>
+          <a:p>
+            <a:pPr rtl="0"/>
+            <a:r>
+              <a:rPr lang="zh-CN" altLang="en-US" dirty="0">
+                <a:latin typeface="微软雅黑" panose="020B0503020204020204" pitchFamily="34" charset="-122"/>
+                <a:ea typeface="微软雅黑" panose="020B0503020204020204" pitchFamily="34" charset="-122"/>
+                <a:sym typeface="Arial" panose="020B0604020202020204" pitchFamily="34" charset="0"/>
+              </a:rPr>
+              <a:t>添加幻灯片标题 </a:t>
+            </a:r>
+            <a:r>
+              <a:rPr lang="en-US" altLang="zh-CN" dirty="0">
+                <a:latin typeface="微软雅黑" panose="020B0503020204020204" pitchFamily="34" charset="-122"/>
+                <a:ea typeface="微软雅黑" panose="020B0503020204020204" pitchFamily="34" charset="-122"/>
+                <a:sym typeface="Arial" panose="020B0604020202020204" pitchFamily="34" charset="0"/>
+              </a:rPr>
+              <a:t>- 1</a:t>
+            </a:r>
+            <a:endParaRPr lang="zh-CN" altLang="en-US" dirty="0">
+              <a:latin typeface="微软雅黑" panose="020B0503020204020204" pitchFamily="34" charset="-122"/>
+              <a:ea typeface="微软雅黑" panose="020B0503020204020204" pitchFamily="34" charset="-122"/>
+              <a:sym typeface="Arial" panose="020B0604020202020204" pitchFamily="34" charset="0"/>
+            </a:endParaRPr>
+          </a:p>
+        </p:txBody>
+      </p:sp>
+      <p:sp>
+        <p:nvSpPr>
+          <p:cNvPr id="3" name="文本占位符 2"/>
+          <p:cNvSpPr>
+            <a:spLocks noGrp="1"/>
+          </p:cNvSpPr>
+          <p:nvPr>
+            <p:ph type="body" idx="1"/>
+          </p:nvPr>
+        </p:nvSpPr>
+        <p:spPr/>
+        <p:txBody>
+          <a:bodyPr rtlCol="0"/>
+          <a:lstStyle/>
+          <a:p>
+            <a:pPr rtl="0"/>
+            <a:endParaRPr lang="zh-CN" altLang="en-US" dirty="0">
+              <a:latin typeface="微软雅黑" panose="020B0503020204020204" pitchFamily="34" charset="-122"/>
+              <a:ea typeface="微软雅黑" panose="020B0503020204020204" pitchFamily="34" charset="-122"/>
+              <a:sym typeface="Arial" panose="020B0604020202020204" pitchFamily="34" charset="0"/>
+            </a:endParaRPr>
+          </a:p>
+        </p:txBody>
+      </p:sp>
+    </p:spTree>
+    <p:extLst>
+      <p:ext uri="{BB962C8B-B14F-4D97-AF65-F5344CB8AC3E}">
+        <p14:creationId xmlns:p14="http://schemas.microsoft.com/office/powerpoint/2010/main" val="2362296366"/>
+      </p:ext>
+    </p:extLst>
+  </p:cSld>
+  <p:clrMapOvr>
+    <a:masterClrMapping/>
+  </p:clrMapOvr>
+  <mc:AlternateContent xmlns:mc="http://schemas.openxmlformats.org/markup-compatibility/2006" xmlns:p14="http://schemas.microsoft.com/office/powerpoint/2010/main">
+    <mc:Choice Requires="p14">
+      <p:transition spd="med" p14:dur="700">
+        <p:fade/>
+      </p:transition>
+    </mc:Choice>
+    <mc:Fallback xmlns="">
+      <p:transition spd="med">
+        <p:fade/>
+      </p:transition>
+    </mc:Fallback>
+  </mc:AlternateContent>
+</p:sld>
+</file>
+
+<file path=ppt/slides/slide12.xml><?xml version="1.0" encoding="utf-8"?>
+<p:sld xmlns:a="http://schemas.openxmlformats.org/drawingml/2006/main" xmlns:r="http://schemas.openxmlformats.org/officeDocument/2006/relationships" xmlns:p="http://schemas.openxmlformats.org/presentationml/2006/main">
+  <p:cSld>
+    <p:spTree>
+      <p:nvGrpSpPr>
+        <p:cNvPr id="1" name=""/>
+        <p:cNvGrpSpPr/>
+        <p:nvPr/>
+      </p:nvGrpSpPr>
+      <p:grpSpPr>
+        <a:xfrm>
+          <a:off x="0" y="0"/>
+          <a:ext cx="0" cy="0"/>
+          <a:chOff x="0" y="0"/>
+          <a:chExt cx="0" cy="0"/>
+        </a:xfrm>
+      </p:grpSpPr>
+      <p:sp>
+        <p:nvSpPr>
+          <p:cNvPr id="2" name="标题 1"/>
+          <p:cNvSpPr>
+            <a:spLocks noGrp="1"/>
+          </p:cNvSpPr>
+          <p:nvPr>
+            <p:ph type="title"/>
+          </p:nvPr>
+        </p:nvSpPr>
+        <p:spPr/>
+        <p:txBody>
+          <a:bodyPr rtlCol="0"/>
+          <a:lstStyle/>
+          <a:p>
+            <a:pPr rtl="0"/>
+            <a:r>
+              <a:rPr lang="zh-CN" altLang="en-US" dirty="0">
+                <a:latin typeface="微软雅黑" panose="020B0503020204020204" pitchFamily="34" charset="-122"/>
+                <a:ea typeface="微软雅黑" panose="020B0503020204020204" pitchFamily="34" charset="-122"/>
+                <a:sym typeface="Arial" panose="020B0604020202020204" pitchFamily="34" charset="0"/>
+              </a:rPr>
+              <a:t>添加幻灯片标题 </a:t>
+            </a:r>
+            <a:r>
+              <a:rPr lang="en-US" altLang="zh-CN" dirty="0">
+                <a:latin typeface="微软雅黑" panose="020B0503020204020204" pitchFamily="34" charset="-122"/>
+                <a:ea typeface="微软雅黑" panose="020B0503020204020204" pitchFamily="34" charset="-122"/>
+                <a:sym typeface="Arial" panose="020B0604020202020204" pitchFamily="34" charset="0"/>
+              </a:rPr>
+              <a:t>- 2</a:t>
+            </a:r>
+            <a:endParaRPr lang="zh-CN" altLang="en-US" dirty="0">
+              <a:latin typeface="微软雅黑" panose="020B0503020204020204" pitchFamily="34" charset="-122"/>
+              <a:ea typeface="微软雅黑" panose="020B0503020204020204" pitchFamily="34" charset="-122"/>
+              <a:sym typeface="Arial" panose="020B0604020202020204" pitchFamily="34" charset="0"/>
+            </a:endParaRPr>
+          </a:p>
+        </p:txBody>
+      </p:sp>
+      <p:sp>
+        <p:nvSpPr>
+          <p:cNvPr id="3" name="文本占位符 2"/>
+          <p:cNvSpPr>
+            <a:spLocks noGrp="1"/>
+          </p:cNvSpPr>
+          <p:nvPr>
+            <p:ph type="body" idx="1"/>
+          </p:nvPr>
+        </p:nvSpPr>
+        <p:spPr/>
+        <p:txBody>
+          <a:bodyPr rtlCol="0"/>
+          <a:lstStyle/>
+          <a:p>
+            <a:pPr rtl="0"/>
+            <a:endParaRPr lang="zh-CN" altLang="en-US" dirty="0">
+              <a:latin typeface="微软雅黑" panose="020B0503020204020204" pitchFamily="34" charset="-122"/>
+              <a:ea typeface="微软雅黑" panose="020B0503020204020204" pitchFamily="34" charset="-122"/>
+              <a:sym typeface="Arial" panose="020B0604020202020204" pitchFamily="34" charset="0"/>
+            </a:endParaRPr>
+          </a:p>
+        </p:txBody>
+      </p:sp>
+      <p:sp>
+        <p:nvSpPr>
+          <p:cNvPr id="4" name="内容占位符 3"/>
+          <p:cNvSpPr>
+            <a:spLocks noGrp="1"/>
+          </p:cNvSpPr>
+          <p:nvPr>
+            <p:ph sz="half" idx="2"/>
+          </p:nvPr>
+        </p:nvSpPr>
+        <p:spPr/>
+        <p:txBody>
+          <a:bodyPr rtlCol="0"/>
+          <a:lstStyle/>
+          <a:p>
+            <a:pPr rtl="0"/>
+            <a:endParaRPr lang="zh-CN" altLang="en-US" dirty="0">
+              <a:latin typeface="微软雅黑" panose="020B0503020204020204" pitchFamily="34" charset="-122"/>
+              <a:ea typeface="微软雅黑" panose="020B0503020204020204" pitchFamily="34" charset="-122"/>
+              <a:sym typeface="Arial" panose="020B0604020202020204" pitchFamily="34" charset="0"/>
+            </a:endParaRPr>
+          </a:p>
+        </p:txBody>
+      </p:sp>
+      <p:sp>
+        <p:nvSpPr>
+          <p:cNvPr id="5" name="文本占位符 4"/>
+          <p:cNvSpPr>
+            <a:spLocks noGrp="1"/>
+          </p:cNvSpPr>
+          <p:nvPr>
+            <p:ph type="body" sz="quarter" idx="3"/>
+          </p:nvPr>
+        </p:nvSpPr>
+        <p:spPr/>
+        <p:txBody>
+          <a:bodyPr rtlCol="0"/>
+          <a:lstStyle/>
+          <a:p>
+            <a:pPr rtl="0"/>
+            <a:endParaRPr lang="zh-CN" altLang="en-US" dirty="0">
+              <a:latin typeface="微软雅黑" panose="020B0503020204020204" pitchFamily="34" charset="-122"/>
+              <a:ea typeface="微软雅黑" panose="020B0503020204020204" pitchFamily="34" charset="-122"/>
+              <a:sym typeface="Arial" panose="020B0604020202020204" pitchFamily="34" charset="0"/>
+            </a:endParaRPr>
+          </a:p>
+        </p:txBody>
+      </p:sp>
+      <p:sp>
+        <p:nvSpPr>
+          <p:cNvPr id="6" name="内容占位符 5"/>
+          <p:cNvSpPr>
+            <a:spLocks noGrp="1"/>
+          </p:cNvSpPr>
+          <p:nvPr>
+            <p:ph sz="quarter" idx="4"/>
+          </p:nvPr>
+        </p:nvSpPr>
+        <p:spPr/>
+        <p:txBody>
+          <a:bodyPr rtlCol="0"/>
+          <a:lstStyle/>
+          <a:p>
+            <a:pPr rtl="0"/>
+            <a:endParaRPr lang="zh-CN" altLang="en-US" dirty="0">
+              <a:latin typeface="微软雅黑" panose="020B0503020204020204" pitchFamily="34" charset="-122"/>
+              <a:ea typeface="微软雅黑" panose="020B0503020204020204" pitchFamily="34" charset="-122"/>
+              <a:sym typeface="Arial" panose="020B0604020202020204" pitchFamily="34" charset="0"/>
+            </a:endParaRPr>
+          </a:p>
+        </p:txBody>
+      </p:sp>
+    </p:spTree>
+    <p:extLst>
+      <p:ext uri="{BB962C8B-B14F-4D97-AF65-F5344CB8AC3E}">
+        <p14:creationId xmlns:p14="http://schemas.microsoft.com/office/powerpoint/2010/main" val="3229171051"/>
+      </p:ext>
+    </p:extLst>
+  </p:cSld>
+  <p:clrMapOvr>
+    <a:masterClrMapping/>
+  </p:clrMapOvr>
+  <mc:AlternateContent xmlns:mc="http://schemas.openxmlformats.org/markup-compatibility/2006" xmlns:p14="http://schemas.microsoft.com/office/powerpoint/2010/main">
+    <mc:Choice Requires="p14">
+      <p:transition spd="med" p14:dur="700">
+        <p:fade/>
+      </p:transition>
+    </mc:Choice>
+    <mc:Fallback xmlns="">
+      <p:transition spd="med">
+        <p:fade/>
+      </p:transition>
+    </mc:Fallback>
+  </mc:AlternateContent>
+</p:sld>
+</file>
+
+<file path=ppt/slides/slide13.xml><?xml version="1.0" encoding="utf-8"?>
+<p:sld xmlns:a="http://schemas.openxmlformats.org/drawingml/2006/main" xmlns:r="http://schemas.openxmlformats.org/officeDocument/2006/relationships" xmlns:p="http://schemas.openxmlformats.org/presentationml/2006/main">
+  <p:cSld>
+    <p:spTree>
+      <p:nvGrpSpPr>
+        <p:cNvPr id="1" name=""/>
+        <p:cNvGrpSpPr/>
+        <p:nvPr/>
+      </p:nvGrpSpPr>
+      <p:grpSpPr>
+        <a:xfrm>
+          <a:off x="0" y="0"/>
+          <a:ext cx="0" cy="0"/>
+          <a:chOff x="0" y="0"/>
+          <a:chExt cx="0" cy="0"/>
+        </a:xfrm>
+      </p:grpSpPr>
+      <p:sp>
+        <p:nvSpPr>
+          <p:cNvPr id="2" name="标题 1"/>
+          <p:cNvSpPr>
+            <a:spLocks noGrp="1"/>
+          </p:cNvSpPr>
+          <p:nvPr>
+            <p:ph type="title"/>
+          </p:nvPr>
+        </p:nvSpPr>
+        <p:spPr/>
+        <p:txBody>
+          <a:bodyPr rtlCol="0"/>
+          <a:lstStyle/>
+          <a:p>
+            <a:pPr rtl="0"/>
+            <a:r>
+              <a:rPr lang="zh-CN" altLang="en-US" dirty="0">
+                <a:latin typeface="微软雅黑" panose="020B0503020204020204" pitchFamily="34" charset="-122"/>
+                <a:ea typeface="微软雅黑" panose="020B0503020204020204" pitchFamily="34" charset="-122"/>
+                <a:sym typeface="Arial" panose="020B0604020202020204" pitchFamily="34" charset="0"/>
+              </a:rPr>
+              <a:t>添加幻灯片标题 </a:t>
+            </a:r>
+            <a:r>
+              <a:rPr lang="en-US" altLang="zh-CN" dirty="0">
+                <a:latin typeface="微软雅黑" panose="020B0503020204020204" pitchFamily="34" charset="-122"/>
+                <a:ea typeface="微软雅黑" panose="020B0503020204020204" pitchFamily="34" charset="-122"/>
+                <a:sym typeface="Arial" panose="020B0604020202020204" pitchFamily="34" charset="0"/>
+              </a:rPr>
+              <a:t>- 3</a:t>
+            </a:r>
+            <a:endParaRPr lang="zh-CN" altLang="en-US" dirty="0">
+              <a:latin typeface="微软雅黑" panose="020B0503020204020204" pitchFamily="34" charset="-122"/>
+              <a:ea typeface="微软雅黑" panose="020B0503020204020204" pitchFamily="34" charset="-122"/>
+              <a:sym typeface="Arial" panose="020B0604020202020204" pitchFamily="34" charset="0"/>
+            </a:endParaRPr>
+          </a:p>
+        </p:txBody>
+      </p:sp>
+    </p:spTree>
+    <p:extLst>
+      <p:ext uri="{BB962C8B-B14F-4D97-AF65-F5344CB8AC3E}">
+        <p14:creationId xmlns:p14="http://schemas.microsoft.com/office/powerpoint/2010/main" val="452733939"/>
+      </p:ext>
+    </p:extLst>
+  </p:cSld>
+  <p:clrMapOvr>
+    <a:masterClrMapping/>
+  </p:clrMapOvr>
+  <mc:AlternateContent xmlns:mc="http://schemas.openxmlformats.org/markup-compatibility/2006" xmlns:p14="http://schemas.microsoft.com/office/powerpoint/2010/main">
+    <mc:Choice Requires="p14">
+      <p:transition spd="med" p14:dur="700">
+        <p:fade/>
+      </p:transition>
+    </mc:Choice>
+    <mc:Fallback xmlns="">
+      <p:transition spd="med">
+        <p:fade/>
+      </p:transition>
+    </mc:Fallback>
+  </mc:AlternateContent>
+</p:sld>
+</file>
+
+<file path=ppt/slides/slide14.xml><?xml version="1.0" encoding="utf-8"?>
+<p:sld xmlns:a="http://schemas.openxmlformats.org/drawingml/2006/main" xmlns:r="http://schemas.openxmlformats.org/officeDocument/2006/relationships" xmlns:p="http://schemas.openxmlformats.org/presentationml/2006/main">
+  <p:cSld>
+    <p:spTree>
+      <p:nvGrpSpPr>
+        <p:cNvPr id="1" name=""/>
+        <p:cNvGrpSpPr/>
+        <p:nvPr/>
+      </p:nvGrpSpPr>
+      <p:grpSpPr>
+        <a:xfrm>
+          <a:off x="0" y="0"/>
+          <a:ext cx="0" cy="0"/>
+          <a:chOff x="0" y="0"/>
+          <a:chExt cx="0" cy="0"/>
+        </a:xfrm>
+      </p:grpSpPr>
     </p:spTree>
     <p:extLst>
       <p:ext uri="{BB962C8B-B14F-4D97-AF65-F5344CB8AC3E}">
@@ -20613,7 +21093,7 @@
 </p:sld>
 </file>
 
-<file path=ppt/slides/slide11.xml><?xml version="1.0" encoding="utf-8"?>
+<file path=ppt/slides/slide15.xml><?xml version="1.0" encoding="utf-8"?>
 <p:sld xmlns:a="http://schemas.openxmlformats.org/drawingml/2006/main" xmlns:r="http://schemas.openxmlformats.org/officeDocument/2006/relationships" xmlns:p="http://schemas.openxmlformats.org/presentationml/2006/main">
   <p:cSld>
     <p:spTree>
@@ -20743,7 +21223,7 @@
 </p:sld>
 </file>
 
-<file path=ppt/slides/slide12.xml><?xml version="1.0" encoding="utf-8"?>
+<file path=ppt/slides/slide16.xml><?xml version="1.0" encoding="utf-8"?>
 <p:sld xmlns:a="http://schemas.openxmlformats.org/drawingml/2006/main" xmlns:r="http://schemas.openxmlformats.org/officeDocument/2006/relationships" xmlns:p="http://schemas.openxmlformats.org/presentationml/2006/main">
   <p:cSld>
     <p:spTree>
@@ -20930,19 +21410,20 @@
           <a:p>
             <a:r>
               <a:rPr lang="en-US" altLang="zh-CN" dirty="0"/>
-              <a:t>Abstract of project.</a:t>
+              <a:t>Abstract of project. </a:t>
             </a:r>
           </a:p>
           <a:p>
             <a:r>
               <a:rPr lang="en-US" altLang="zh-CN" dirty="0"/>
-              <a:t>Problem definition.</a:t>
+              <a:t>Architecture improvement.</a:t>
             </a:r>
           </a:p>
           <a:p>
+            <a:pPr lvl="1"/>
             <a:r>
               <a:rPr lang="en-US" altLang="zh-CN" dirty="0"/>
-              <a:t>Architecture design.</a:t>
+              <a:t>Changes in G-Tree.</a:t>
             </a:r>
           </a:p>
           <a:p>
@@ -20955,23 +21436,21 @@
             <a:pPr lvl="1"/>
             <a:r>
               <a:rPr lang="en-US" altLang="zh-CN" dirty="0"/>
-              <a:t>Use directed edges.</a:t>
+              <a:t>Use route to generate time schedule.</a:t>
             </a:r>
           </a:p>
           <a:p>
             <a:pPr lvl="1"/>
             <a:r>
               <a:rPr lang="en-US" altLang="zh-CN" dirty="0"/>
-              <a:t>Use self-circle nodes.</a:t>
+              <a:t>Use directed edges. </a:t>
             </a:r>
           </a:p>
           <a:p>
-            <a:pPr lvl="1"/>
             <a:r>
               <a:rPr lang="en-US" altLang="zh-CN" dirty="0"/>
-              <a:t>Use route to generate time schedule.</a:t>
+              <a:t>Analysis of the result.</a:t>
             </a:r>
-            <a:endParaRPr lang="zh-CN" altLang="en-US" dirty="0"/>
           </a:p>
         </p:txBody>
       </p:sp>
@@ -21034,13 +21513,18 @@
           <a:p>
             <a:pPr rtl="0"/>
             <a:r>
-              <a:rPr lang="zh-CN" altLang="en-US" dirty="0">
+              <a:rPr lang="en-US" altLang="zh-CN" dirty="0">
                 <a:latin typeface="Arial" panose="020B0604020202020204" pitchFamily="34" charset="0"/>
                 <a:ea typeface="微软雅黑" panose="020B0503020204020204" pitchFamily="34" charset="-122"/>
                 <a:sym typeface="Arial" panose="020B0604020202020204" pitchFamily="34" charset="0"/>
               </a:rPr>
-              <a:t>标题和包含列表的内容布局</a:t>
+              <a:t>Abstract of Project</a:t>
             </a:r>
+            <a:endParaRPr lang="zh-CN" altLang="en-US" dirty="0">
+              <a:latin typeface="Arial" panose="020B0604020202020204" pitchFamily="34" charset="0"/>
+              <a:ea typeface="微软雅黑" panose="020B0503020204020204" pitchFamily="34" charset="-122"/>
+              <a:sym typeface="Arial" panose="020B0604020202020204" pitchFamily="34" charset="0"/>
+            </a:endParaRPr>
           </a:p>
         </p:txBody>
       </p:sp>
@@ -21056,43 +21540,104 @@
         </p:nvSpPr>
         <p:spPr/>
         <p:txBody>
-          <a:bodyPr rtlCol="0"/>
+          <a:bodyPr rtlCol="0">
+            <a:normAutofit/>
+          </a:bodyPr>
           <a:lstStyle/>
           <a:p>
             <a:pPr rtl="0"/>
             <a:r>
-              <a:rPr lang="zh-CN" altLang="en-US" dirty="0">
+              <a:rPr lang="en-US" altLang="zh-CN" dirty="0">
                 <a:latin typeface="Arial" panose="020B0604020202020204" pitchFamily="34" charset="0"/>
                 <a:ea typeface="微软雅黑" panose="020B0503020204020204" pitchFamily="34" charset="-122"/>
                 <a:sym typeface="Arial" panose="020B0604020202020204" pitchFamily="34" charset="0"/>
               </a:rPr>
-              <a:t>在此处添加第一个项目要点</a:t>
+              <a:t>Use Cargo to simulate bus line running to generate the bus line timetable schedule.</a:t>
             </a:r>
           </a:p>
           <a:p>
             <a:pPr rtl="0"/>
             <a:r>
-              <a:rPr lang="zh-CN" altLang="en-US" dirty="0">
+              <a:rPr lang="en-US" altLang="zh-CN" dirty="0">
+                <a:latin typeface="Arial" panose="020B0604020202020204" pitchFamily="34" charset="0"/>
+                <a:sym typeface="Arial" panose="020B0604020202020204" pitchFamily="34" charset="0"/>
+              </a:rPr>
+              <a:t>Why use simulator?</a:t>
+            </a:r>
+          </a:p>
+          <a:p>
+            <a:pPr lvl="1"/>
+            <a:r>
+              <a:rPr lang="en-US" altLang="zh-CN" dirty="0">
                 <a:latin typeface="Arial" panose="020B0604020202020204" pitchFamily="34" charset="0"/>
                 <a:ea typeface="微软雅黑" panose="020B0503020204020204" pitchFamily="34" charset="-122"/>
                 <a:sym typeface="Arial" panose="020B0604020202020204" pitchFamily="34" charset="0"/>
               </a:rPr>
-              <a:t>在此处添加第二个项目要点</a:t>
+              <a:t>Test algorithm in simulation environment to save time and money.</a:t>
             </a:r>
           </a:p>
           <a:p>
-            <a:pPr rtl="0"/>
+            <a:pPr lvl="1"/>
             <a:r>
-              <a:rPr lang="zh-CN" altLang="en-US" dirty="0">
+              <a:rPr lang="en-US" altLang="zh-CN" dirty="0">
+                <a:latin typeface="Arial" panose="020B0604020202020204" pitchFamily="34" charset="0"/>
+                <a:sym typeface="Arial" panose="020B0604020202020204" pitchFamily="34" charset="0"/>
+              </a:rPr>
+              <a:t>Students’ behavior may change, in order to design new algorithms.</a:t>
+            </a:r>
+          </a:p>
+          <a:p>
+            <a:pPr lvl="1"/>
+            <a:r>
+              <a:rPr lang="en-US" altLang="zh-CN" dirty="0">
                 <a:latin typeface="Arial" panose="020B0604020202020204" pitchFamily="34" charset="0"/>
                 <a:ea typeface="微软雅黑" panose="020B0503020204020204" pitchFamily="34" charset="-122"/>
                 <a:sym typeface="Arial" panose="020B0604020202020204" pitchFamily="34" charset="0"/>
               </a:rPr>
-              <a:t>在此处添加第三个项目要点</a:t>
+              <a:t>Open to expand. Generate dyna</a:t>
+            </a:r>
+            <a:r>
+              <a:rPr lang="en-US" altLang="zh-CN" dirty="0">
+                <a:latin typeface="Arial" panose="020B0604020202020204" pitchFamily="34" charset="0"/>
+                <a:sym typeface="Arial" panose="020B0604020202020204" pitchFamily="34" charset="0"/>
+              </a:rPr>
+              <a:t>mic time schedule.</a:t>
             </a:r>
           </a:p>
           <a:p>
-            <a:pPr rtl="0"/>
+            <a:pPr lvl="1"/>
+            <a:r>
+              <a:rPr lang="en-US" altLang="zh-CN" dirty="0">
+                <a:latin typeface="Arial" panose="020B0604020202020204" pitchFamily="34" charset="0"/>
+                <a:ea typeface="微软雅黑" panose="020B0503020204020204" pitchFamily="34" charset="-122"/>
+                <a:sym typeface="Arial" panose="020B0604020202020204" pitchFamily="34" charset="0"/>
+              </a:rPr>
+              <a:t>Test human control with algorithm, and measure effects.</a:t>
+            </a:r>
+          </a:p>
+          <a:p>
+            <a:pPr lvl="1"/>
+            <a:r>
+              <a:rPr lang="en-US" altLang="zh-CN" dirty="0">
+                <a:latin typeface="Arial" panose="020B0604020202020204" pitchFamily="34" charset="0"/>
+                <a:sym typeface="Arial" panose="020B0604020202020204" pitchFamily="34" charset="0"/>
+              </a:rPr>
+              <a:t>Compare different algorithms, find the better one.</a:t>
+            </a:r>
+          </a:p>
+          <a:p>
+            <a:pPr lvl="1"/>
+            <a:r>
+              <a:rPr lang="en-US" altLang="zh-CN" dirty="0">
+                <a:latin typeface="Arial" panose="020B0604020202020204" pitchFamily="34" charset="0"/>
+                <a:ea typeface="微软雅黑" panose="020B0503020204020204" pitchFamily="34" charset="-122"/>
+                <a:sym typeface="Arial" panose="020B0604020202020204" pitchFamily="34" charset="0"/>
+              </a:rPr>
+              <a:t>Train an heuristic algorithm, use simulator to adjust parameters.</a:t>
+            </a:r>
+          </a:p>
+          <a:p>
+            <a:pPr lvl="1"/>
             <a:endParaRPr lang="zh-CN" altLang="en-US" dirty="0">
               <a:latin typeface="Arial" panose="020B0604020202020204" pitchFamily="34" charset="0"/>
               <a:ea typeface="微软雅黑" panose="020B0503020204020204" pitchFamily="34" charset="-122"/>
@@ -21127,6 +21672,611 @@
 </file>
 
 <file path=ppt/slides/slide4.xml><?xml version="1.0" encoding="utf-8"?>
+<p:sld xmlns:a="http://schemas.openxmlformats.org/drawingml/2006/main" xmlns:r="http://schemas.openxmlformats.org/officeDocument/2006/relationships" xmlns:p="http://schemas.openxmlformats.org/presentationml/2006/main">
+  <p:cSld>
+    <p:spTree>
+      <p:nvGrpSpPr>
+        <p:cNvPr id="1" name=""/>
+        <p:cNvGrpSpPr/>
+        <p:nvPr/>
+      </p:nvGrpSpPr>
+      <p:grpSpPr>
+        <a:xfrm>
+          <a:off x="0" y="0"/>
+          <a:ext cx="0" cy="0"/>
+          <a:chOff x="0" y="0"/>
+          <a:chExt cx="0" cy="0"/>
+        </a:xfrm>
+      </p:grpSpPr>
+      <p:sp>
+        <p:nvSpPr>
+          <p:cNvPr id="2" name="标题 1">
+            <a:extLst>
+              <a:ext uri="{FF2B5EF4-FFF2-40B4-BE49-F238E27FC236}">
+                <a16:creationId xmlns:a16="http://schemas.microsoft.com/office/drawing/2014/main" id="{2BD8F946-BE31-4C05-8970-EF91A77E5667}"/>
+              </a:ext>
+            </a:extLst>
+          </p:cNvPr>
+          <p:cNvSpPr>
+            <a:spLocks noGrp="1"/>
+          </p:cNvSpPr>
+          <p:nvPr>
+            <p:ph type="title"/>
+          </p:nvPr>
+        </p:nvSpPr>
+        <p:spPr/>
+        <p:txBody>
+          <a:bodyPr/>
+          <a:lstStyle/>
+          <a:p>
+            <a:r>
+              <a:rPr lang="en-US" altLang="zh-CN" dirty="0"/>
+              <a:t>Architecture Improvement</a:t>
+            </a:r>
+            <a:endParaRPr lang="zh-CN" altLang="en-US" dirty="0"/>
+          </a:p>
+        </p:txBody>
+      </p:sp>
+      <p:sp>
+        <p:nvSpPr>
+          <p:cNvPr id="3" name="内容占位符 2">
+            <a:extLst>
+              <a:ext uri="{FF2B5EF4-FFF2-40B4-BE49-F238E27FC236}">
+                <a16:creationId xmlns:a16="http://schemas.microsoft.com/office/drawing/2014/main" id="{18CCB56C-FBC4-4662-8F41-1AF1F057CC03}"/>
+              </a:ext>
+            </a:extLst>
+          </p:cNvPr>
+          <p:cNvSpPr>
+            <a:spLocks noGrp="1"/>
+          </p:cNvSpPr>
+          <p:nvPr>
+            <p:ph idx="1"/>
+          </p:nvPr>
+        </p:nvSpPr>
+        <p:spPr/>
+        <p:txBody>
+          <a:bodyPr/>
+          <a:lstStyle/>
+          <a:p>
+            <a:r>
+              <a:rPr lang="en-US" altLang="zh-CN" dirty="0"/>
+              <a:t>The issue: how to make the route static?</a:t>
+            </a:r>
+          </a:p>
+          <a:p>
+            <a:r>
+              <a:rPr lang="en-US" altLang="zh-CN" dirty="0"/>
+              <a:t>The G-Tree builder in Cargo doesn’t support directed graph.</a:t>
+            </a:r>
+          </a:p>
+          <a:p>
+            <a:r>
+              <a:rPr lang="en-US" altLang="zh-CN" dirty="0"/>
+              <a:t>Modify G-Tree builder and .edges .</a:t>
+            </a:r>
+            <a:r>
+              <a:rPr lang="en-US" altLang="zh-CN" dirty="0" err="1"/>
+              <a:t>rnet</a:t>
+            </a:r>
+            <a:r>
+              <a:rPr lang="en-US" altLang="zh-CN" dirty="0"/>
+              <a:t> files to add penalty.</a:t>
+            </a:r>
+          </a:p>
+          <a:p>
+            <a:endParaRPr lang="en-US" altLang="zh-CN" dirty="0"/>
+          </a:p>
+        </p:txBody>
+      </p:sp>
+      <p:pic>
+        <p:nvPicPr>
+          <p:cNvPr id="4" name="图片 3">
+            <a:extLst>
+              <a:ext uri="{FF2B5EF4-FFF2-40B4-BE49-F238E27FC236}">
+                <a16:creationId xmlns:a16="http://schemas.microsoft.com/office/drawing/2014/main" id="{1BE1246E-A229-47C7-BB91-862B80C6AB07}"/>
+              </a:ext>
+            </a:extLst>
+          </p:cNvPr>
+          <p:cNvPicPr>
+            <a:picLocks noChangeAspect="1"/>
+          </p:cNvPicPr>
+          <p:nvPr/>
+        </p:nvPicPr>
+        <p:blipFill>
+          <a:blip r:embed="rId2"/>
+          <a:stretch>
+            <a:fillRect/>
+          </a:stretch>
+        </p:blipFill>
+        <p:spPr>
+          <a:xfrm>
+            <a:off x="1761781" y="3653605"/>
+            <a:ext cx="708721" cy="1828958"/>
+          </a:xfrm>
+          <a:prstGeom prst="rect">
+            <a:avLst/>
+          </a:prstGeom>
+        </p:spPr>
+      </p:pic>
+      <p:pic>
+        <p:nvPicPr>
+          <p:cNvPr id="5" name="图片 4">
+            <a:extLst>
+              <a:ext uri="{FF2B5EF4-FFF2-40B4-BE49-F238E27FC236}">
+                <a16:creationId xmlns:a16="http://schemas.microsoft.com/office/drawing/2014/main" id="{D0385A54-89F1-4EEA-8FE1-405BB17C9417}"/>
+              </a:ext>
+            </a:extLst>
+          </p:cNvPr>
+          <p:cNvPicPr>
+            <a:picLocks noChangeAspect="1"/>
+          </p:cNvPicPr>
+          <p:nvPr/>
+        </p:nvPicPr>
+        <p:blipFill>
+          <a:blip r:embed="rId3"/>
+          <a:stretch>
+            <a:fillRect/>
+          </a:stretch>
+        </p:blipFill>
+        <p:spPr>
+          <a:xfrm>
+            <a:off x="2936883" y="3344968"/>
+            <a:ext cx="3353091" cy="2446232"/>
+          </a:xfrm>
+          <a:prstGeom prst="rect">
+            <a:avLst/>
+          </a:prstGeom>
+        </p:spPr>
+      </p:pic>
+      <p:pic>
+        <p:nvPicPr>
+          <p:cNvPr id="6" name="图片 5">
+            <a:extLst>
+              <a:ext uri="{FF2B5EF4-FFF2-40B4-BE49-F238E27FC236}">
+                <a16:creationId xmlns:a16="http://schemas.microsoft.com/office/drawing/2014/main" id="{C6109B3C-9E32-44FF-A180-54E5084A8EFD}"/>
+              </a:ext>
+            </a:extLst>
+          </p:cNvPr>
+          <p:cNvPicPr>
+            <a:picLocks noChangeAspect="1"/>
+          </p:cNvPicPr>
+          <p:nvPr/>
+        </p:nvPicPr>
+        <p:blipFill>
+          <a:blip r:embed="rId4"/>
+          <a:stretch>
+            <a:fillRect/>
+          </a:stretch>
+        </p:blipFill>
+        <p:spPr>
+          <a:xfrm>
+            <a:off x="6756355" y="3581208"/>
+            <a:ext cx="2331922" cy="1973751"/>
+          </a:xfrm>
+          <a:prstGeom prst="rect">
+            <a:avLst/>
+          </a:prstGeom>
+        </p:spPr>
+      </p:pic>
+    </p:spTree>
+    <p:extLst>
+      <p:ext uri="{BB962C8B-B14F-4D97-AF65-F5344CB8AC3E}">
+        <p14:creationId xmlns:p14="http://schemas.microsoft.com/office/powerpoint/2010/main" val="152230785"/>
+      </p:ext>
+    </p:extLst>
+  </p:cSld>
+  <p:clrMapOvr>
+    <a:masterClrMapping/>
+  </p:clrMapOvr>
+  <mc:AlternateContent xmlns:mc="http://schemas.openxmlformats.org/markup-compatibility/2006" xmlns:p14="http://schemas.microsoft.com/office/powerpoint/2010/main">
+    <mc:Choice Requires="p14">
+      <p:transition spd="med" p14:dur="700">
+        <p:fade/>
+      </p:transition>
+    </mc:Choice>
+    <mc:Fallback xmlns="">
+      <p:transition spd="med">
+        <p:fade/>
+      </p:transition>
+    </mc:Fallback>
+  </mc:AlternateContent>
+</p:sld>
+</file>
+
+<file path=ppt/slides/slide5.xml><?xml version="1.0" encoding="utf-8"?>
+<p:sld xmlns:a="http://schemas.openxmlformats.org/drawingml/2006/main" xmlns:r="http://schemas.openxmlformats.org/officeDocument/2006/relationships" xmlns:p="http://schemas.openxmlformats.org/presentationml/2006/main">
+  <p:cSld>
+    <p:spTree>
+      <p:nvGrpSpPr>
+        <p:cNvPr id="1" name=""/>
+        <p:cNvGrpSpPr/>
+        <p:nvPr/>
+      </p:nvGrpSpPr>
+      <p:grpSpPr>
+        <a:xfrm>
+          <a:off x="0" y="0"/>
+          <a:ext cx="0" cy="0"/>
+          <a:chOff x="0" y="0"/>
+          <a:chExt cx="0" cy="0"/>
+        </a:xfrm>
+      </p:grpSpPr>
+      <p:sp>
+        <p:nvSpPr>
+          <p:cNvPr id="2" name="标题 1">
+            <a:extLst>
+              <a:ext uri="{FF2B5EF4-FFF2-40B4-BE49-F238E27FC236}">
+                <a16:creationId xmlns:a16="http://schemas.microsoft.com/office/drawing/2014/main" id="{28E07F5E-1FAB-4B2B-81B4-EDD944E51DD0}"/>
+              </a:ext>
+            </a:extLst>
+          </p:cNvPr>
+          <p:cNvSpPr>
+            <a:spLocks noGrp="1"/>
+          </p:cNvSpPr>
+          <p:nvPr>
+            <p:ph type="title"/>
+          </p:nvPr>
+        </p:nvSpPr>
+        <p:spPr/>
+        <p:txBody>
+          <a:bodyPr/>
+          <a:lstStyle/>
+          <a:p>
+            <a:r>
+              <a:rPr lang="en-US" altLang="zh-CN" dirty="0"/>
+              <a:t>Issue and Solutions</a:t>
+            </a:r>
+            <a:endParaRPr lang="zh-CN" altLang="en-US" dirty="0"/>
+          </a:p>
+        </p:txBody>
+      </p:sp>
+      <p:sp>
+        <p:nvSpPr>
+          <p:cNvPr id="3" name="内容占位符 2">
+            <a:extLst>
+              <a:ext uri="{FF2B5EF4-FFF2-40B4-BE49-F238E27FC236}">
+                <a16:creationId xmlns:a16="http://schemas.microsoft.com/office/drawing/2014/main" id="{77EBACC6-E22B-4D02-AA82-DF0993B24AF9}"/>
+              </a:ext>
+            </a:extLst>
+          </p:cNvPr>
+          <p:cNvSpPr>
+            <a:spLocks noGrp="1"/>
+          </p:cNvSpPr>
+          <p:nvPr>
+            <p:ph idx="1"/>
+          </p:nvPr>
+        </p:nvSpPr>
+        <p:spPr/>
+        <p:txBody>
+          <a:bodyPr/>
+          <a:lstStyle/>
+          <a:p>
+            <a:r>
+              <a:rPr lang="en-US" altLang="zh-CN" dirty="0"/>
+              <a:t>Big issue: RSP isn’t equal to BSP!</a:t>
+            </a:r>
+          </a:p>
+          <a:p>
+            <a:pPr lvl="1"/>
+            <a:r>
+              <a:rPr lang="en-US" altLang="zh-CN" dirty="0"/>
+              <a:t>RSP uses algorithm to generate route, instead of arranging time.</a:t>
+            </a:r>
+          </a:p>
+          <a:p>
+            <a:pPr lvl="1"/>
+            <a:r>
+              <a:rPr lang="en-US" altLang="zh-CN" dirty="0"/>
+              <a:t>BSP’s route is static, the problem is to arrange time.</a:t>
+            </a:r>
+          </a:p>
+          <a:p>
+            <a:r>
+              <a:rPr lang="en-US" altLang="zh-CN" dirty="0"/>
+              <a:t>Two solutions:</a:t>
+            </a:r>
+          </a:p>
+          <a:p>
+            <a:pPr lvl="1"/>
+            <a:r>
+              <a:rPr lang="en-US" altLang="zh-CN" dirty="0"/>
+              <a:t>Use route to generate time schedule.</a:t>
+            </a:r>
+          </a:p>
+          <a:p>
+            <a:pPr lvl="1"/>
+            <a:r>
+              <a:rPr lang="en-US" altLang="zh-CN" dirty="0"/>
+              <a:t>Use directed edges to make the route static.</a:t>
+            </a:r>
+            <a:endParaRPr lang="zh-CN" altLang="en-US" dirty="0"/>
+          </a:p>
+        </p:txBody>
+      </p:sp>
+    </p:spTree>
+    <p:extLst>
+      <p:ext uri="{BB962C8B-B14F-4D97-AF65-F5344CB8AC3E}">
+        <p14:creationId xmlns:p14="http://schemas.microsoft.com/office/powerpoint/2010/main" val="1275077986"/>
+      </p:ext>
+    </p:extLst>
+  </p:cSld>
+  <p:clrMapOvr>
+    <a:masterClrMapping/>
+  </p:clrMapOvr>
+  <mc:AlternateContent xmlns:mc="http://schemas.openxmlformats.org/markup-compatibility/2006" xmlns:p14="http://schemas.microsoft.com/office/powerpoint/2010/main">
+    <mc:Choice Requires="p14">
+      <p:transition spd="med" p14:dur="700">
+        <p:fade/>
+      </p:transition>
+    </mc:Choice>
+    <mc:Fallback xmlns="">
+      <p:transition spd="med">
+        <p:fade/>
+      </p:transition>
+    </mc:Fallback>
+  </mc:AlternateContent>
+</p:sld>
+</file>
+
+<file path=ppt/slides/slide6.xml><?xml version="1.0" encoding="utf-8"?>
+<p:sld xmlns:a="http://schemas.openxmlformats.org/drawingml/2006/main" xmlns:r="http://schemas.openxmlformats.org/officeDocument/2006/relationships" xmlns:p="http://schemas.openxmlformats.org/presentationml/2006/main">
+  <p:cSld>
+    <p:spTree>
+      <p:nvGrpSpPr>
+        <p:cNvPr id="1" name=""/>
+        <p:cNvGrpSpPr/>
+        <p:nvPr/>
+      </p:nvGrpSpPr>
+      <p:grpSpPr>
+        <a:xfrm>
+          <a:off x="0" y="0"/>
+          <a:ext cx="0" cy="0"/>
+          <a:chOff x="0" y="0"/>
+          <a:chExt cx="0" cy="0"/>
+        </a:xfrm>
+      </p:grpSpPr>
+      <p:sp>
+        <p:nvSpPr>
+          <p:cNvPr id="2" name="标题 1">
+            <a:extLst>
+              <a:ext uri="{FF2B5EF4-FFF2-40B4-BE49-F238E27FC236}">
+                <a16:creationId xmlns:a16="http://schemas.microsoft.com/office/drawing/2014/main" id="{D2639EBF-8909-4F39-93DB-D9AC940E6C40}"/>
+              </a:ext>
+            </a:extLst>
+          </p:cNvPr>
+          <p:cNvSpPr>
+            <a:spLocks noGrp="1"/>
+          </p:cNvSpPr>
+          <p:nvPr>
+            <p:ph type="title"/>
+          </p:nvPr>
+        </p:nvSpPr>
+        <p:spPr/>
+        <p:txBody>
+          <a:bodyPr/>
+          <a:lstStyle/>
+          <a:p>
+            <a:r>
+              <a:rPr lang="en-US" altLang="zh-CN" dirty="0"/>
+              <a:t>Solution – Use Route to Generate Schedule</a:t>
+            </a:r>
+            <a:endParaRPr lang="zh-CN" altLang="en-US" dirty="0"/>
+          </a:p>
+        </p:txBody>
+      </p:sp>
+      <p:sp>
+        <p:nvSpPr>
+          <p:cNvPr id="3" name="内容占位符 2">
+            <a:extLst>
+              <a:ext uri="{FF2B5EF4-FFF2-40B4-BE49-F238E27FC236}">
+                <a16:creationId xmlns:a16="http://schemas.microsoft.com/office/drawing/2014/main" id="{88E0CFF3-0EAC-409D-8EB8-14005AD754A6}"/>
+              </a:ext>
+            </a:extLst>
+          </p:cNvPr>
+          <p:cNvSpPr>
+            <a:spLocks noGrp="1"/>
+          </p:cNvSpPr>
+          <p:nvPr>
+            <p:ph idx="1"/>
+          </p:nvPr>
+        </p:nvSpPr>
+        <p:spPr/>
+        <p:txBody>
+          <a:bodyPr/>
+          <a:lstStyle/>
+          <a:p>
+            <a:r>
+              <a:rPr lang="en-US" altLang="zh-CN" dirty="0"/>
+              <a:t>From the result, we can know where the bus is at specific time.</a:t>
+            </a:r>
+          </a:p>
+          <a:p>
+            <a:r>
+              <a:rPr lang="en-US" altLang="zh-CN" dirty="0"/>
+              <a:t>Inversely, for a specific time and station, we can know whether there needs a bus!</a:t>
+            </a:r>
+          </a:p>
+          <a:p>
+            <a:r>
+              <a:rPr lang="en-US" altLang="zh-CN" dirty="0"/>
+              <a:t>If we can design algorithm to arrange time schedule, make the station s at time t has n buses, we can solve this issue.</a:t>
+            </a:r>
+          </a:p>
+        </p:txBody>
+      </p:sp>
+    </p:spTree>
+    <p:extLst>
+      <p:ext uri="{BB962C8B-B14F-4D97-AF65-F5344CB8AC3E}">
+        <p14:creationId xmlns:p14="http://schemas.microsoft.com/office/powerpoint/2010/main" val="85722501"/>
+      </p:ext>
+    </p:extLst>
+  </p:cSld>
+  <p:clrMapOvr>
+    <a:masterClrMapping/>
+  </p:clrMapOvr>
+  <mc:AlternateContent xmlns:mc="http://schemas.openxmlformats.org/markup-compatibility/2006" xmlns:p14="http://schemas.microsoft.com/office/powerpoint/2010/main">
+    <mc:Choice Requires="p14">
+      <p:transition spd="med" p14:dur="700">
+        <p:fade/>
+      </p:transition>
+    </mc:Choice>
+    <mc:Fallback xmlns="">
+      <p:transition spd="med">
+        <p:fade/>
+      </p:transition>
+    </mc:Fallback>
+  </mc:AlternateContent>
+</p:sld>
+</file>
+
+<file path=ppt/slides/slide7.xml><?xml version="1.0" encoding="utf-8"?>
+<p:sld xmlns:a="http://schemas.openxmlformats.org/drawingml/2006/main" xmlns:r="http://schemas.openxmlformats.org/officeDocument/2006/relationships" xmlns:p="http://schemas.openxmlformats.org/presentationml/2006/main">
+  <p:cSld>
+    <p:spTree>
+      <p:nvGrpSpPr>
+        <p:cNvPr id="1" name=""/>
+        <p:cNvGrpSpPr/>
+        <p:nvPr/>
+      </p:nvGrpSpPr>
+      <p:grpSpPr>
+        <a:xfrm>
+          <a:off x="0" y="0"/>
+          <a:ext cx="0" cy="0"/>
+          <a:chOff x="0" y="0"/>
+          <a:chExt cx="0" cy="0"/>
+        </a:xfrm>
+      </p:grpSpPr>
+      <p:sp>
+        <p:nvSpPr>
+          <p:cNvPr id="2" name="标题 1">
+            <a:extLst>
+              <a:ext uri="{FF2B5EF4-FFF2-40B4-BE49-F238E27FC236}">
+                <a16:creationId xmlns:a16="http://schemas.microsoft.com/office/drawing/2014/main" id="{6355F457-0DB1-4709-ACF7-12790DF747FF}"/>
+              </a:ext>
+            </a:extLst>
+          </p:cNvPr>
+          <p:cNvSpPr>
+            <a:spLocks noGrp="1"/>
+          </p:cNvSpPr>
+          <p:nvPr>
+            <p:ph type="title"/>
+          </p:nvPr>
+        </p:nvSpPr>
+        <p:spPr/>
+        <p:txBody>
+          <a:bodyPr/>
+          <a:lstStyle/>
+          <a:p>
+            <a:r>
+              <a:rPr lang="en-US" altLang="zh-CN" dirty="0"/>
+              <a:t>Solution – Use Route to Generate Schedule</a:t>
+            </a:r>
+            <a:endParaRPr lang="zh-CN" altLang="en-US" dirty="0"/>
+          </a:p>
+        </p:txBody>
+      </p:sp>
+      <p:sp>
+        <p:nvSpPr>
+          <p:cNvPr id="3" name="内容占位符 2">
+            <a:extLst>
+              <a:ext uri="{FF2B5EF4-FFF2-40B4-BE49-F238E27FC236}">
+                <a16:creationId xmlns:a16="http://schemas.microsoft.com/office/drawing/2014/main" id="{F01DF469-CB5C-434D-AA62-8D0746CB0EB2}"/>
+              </a:ext>
+            </a:extLst>
+          </p:cNvPr>
+          <p:cNvSpPr>
+            <a:spLocks noGrp="1"/>
+          </p:cNvSpPr>
+          <p:nvPr>
+            <p:ph idx="1"/>
+          </p:nvPr>
+        </p:nvSpPr>
+        <p:spPr/>
+        <p:txBody>
+          <a:bodyPr/>
+          <a:lstStyle/>
+          <a:p>
+            <a:r>
+              <a:rPr lang="en-US" altLang="zh-CN" dirty="0"/>
+              <a:t>But this solution is difficult:</a:t>
+            </a:r>
+          </a:p>
+          <a:p>
+            <a:r>
+              <a:rPr lang="en-US" altLang="zh-CN" dirty="0"/>
+              <a:t>The algorithm should make sure the route is static, and make sure the arrangement should be correct.</a:t>
+            </a:r>
+          </a:p>
+          <a:p>
+            <a:r>
+              <a:rPr lang="en-US" altLang="zh-CN" dirty="0"/>
+              <a:t>The solution adds bias to the simulation.</a:t>
+            </a:r>
+          </a:p>
+          <a:p>
+            <a:r>
+              <a:rPr lang="en-US" altLang="zh-CN" dirty="0"/>
+              <a:t>We don’t know the direction of bus.</a:t>
+            </a:r>
+            <a:endParaRPr lang="zh-CN" altLang="en-US" dirty="0"/>
+          </a:p>
+        </p:txBody>
+      </p:sp>
+      <p:pic>
+        <p:nvPicPr>
+          <p:cNvPr id="4" name="图片 3">
+            <a:extLst>
+              <a:ext uri="{FF2B5EF4-FFF2-40B4-BE49-F238E27FC236}">
+                <a16:creationId xmlns:a16="http://schemas.microsoft.com/office/drawing/2014/main" id="{176DC9FE-D6F4-455A-8E97-BFA256C12AD7}"/>
+              </a:ext>
+            </a:extLst>
+          </p:cNvPr>
+          <p:cNvPicPr>
+            <a:picLocks noChangeAspect="1"/>
+          </p:cNvPicPr>
+          <p:nvPr/>
+        </p:nvPicPr>
+        <p:blipFill>
+          <a:blip r:embed="rId2"/>
+          <a:stretch>
+            <a:fillRect/>
+          </a:stretch>
+        </p:blipFill>
+        <p:spPr>
+          <a:xfrm>
+            <a:off x="6788142" y="3034061"/>
+            <a:ext cx="3871295" cy="2423370"/>
+          </a:xfrm>
+          <a:prstGeom prst="rect">
+            <a:avLst/>
+          </a:prstGeom>
+        </p:spPr>
+      </p:pic>
+    </p:spTree>
+    <p:extLst>
+      <p:ext uri="{BB962C8B-B14F-4D97-AF65-F5344CB8AC3E}">
+        <p14:creationId xmlns:p14="http://schemas.microsoft.com/office/powerpoint/2010/main" val="1812054468"/>
+      </p:ext>
+    </p:extLst>
+  </p:cSld>
+  <p:clrMapOvr>
+    <a:masterClrMapping/>
+  </p:clrMapOvr>
+  <mc:AlternateContent xmlns:mc="http://schemas.openxmlformats.org/markup-compatibility/2006" xmlns:p14="http://schemas.microsoft.com/office/powerpoint/2010/main">
+    <mc:Choice Requires="p14">
+      <p:transition spd="med" p14:dur="700">
+        <p:fade/>
+      </p:transition>
+    </mc:Choice>
+    <mc:Fallback xmlns="">
+      <p:transition spd="med">
+        <p:fade/>
+      </p:transition>
+    </mc:Fallback>
+  </mc:AlternateContent>
+</p:sld>
+</file>
+
+<file path=ppt/slides/slide8.xml><?xml version="1.0" encoding="utf-8"?>
 <p:sld xmlns:a="http://schemas.openxmlformats.org/drawingml/2006/main" xmlns:r="http://schemas.openxmlformats.org/officeDocument/2006/relationships" xmlns:p="http://schemas.openxmlformats.org/presentationml/2006/main">
   <p:cSld>
     <p:spTree>
@@ -21220,7 +22370,7 @@
 </p:sld>
 </file>
 
-<file path=ppt/slides/slide5.xml><?xml version="1.0" encoding="utf-8"?>
+<file path=ppt/slides/slide9.xml><?xml version="1.0" encoding="utf-8"?>
 <p:sld xmlns:a="http://schemas.openxmlformats.org/drawingml/2006/main" xmlns:r="http://schemas.openxmlformats.org/officeDocument/2006/relationships" xmlns:p="http://schemas.openxmlformats.org/presentationml/2006/main">
   <p:cSld>
     <p:spTree>
@@ -21708,482 +22858,6 @@
     <p:extLst>
       <p:ext uri="{BB962C8B-B14F-4D97-AF65-F5344CB8AC3E}">
         <p14:creationId xmlns:p14="http://schemas.microsoft.com/office/powerpoint/2010/main" val="2475092730"/>
-      </p:ext>
-    </p:extLst>
-  </p:cSld>
-  <p:clrMapOvr>
-    <a:masterClrMapping/>
-  </p:clrMapOvr>
-  <mc:AlternateContent xmlns:mc="http://schemas.openxmlformats.org/markup-compatibility/2006" xmlns:p14="http://schemas.microsoft.com/office/powerpoint/2010/main">
-    <mc:Choice Requires="p14">
-      <p:transition spd="med" p14:dur="700">
-        <p:fade/>
-      </p:transition>
-    </mc:Choice>
-    <mc:Fallback xmlns="">
-      <p:transition spd="med">
-        <p:fade/>
-      </p:transition>
-    </mc:Fallback>
-  </mc:AlternateContent>
-</p:sld>
-</file>
-
-<file path=ppt/slides/slide6.xml><?xml version="1.0" encoding="utf-8"?>
-<p:sld xmlns:a="http://schemas.openxmlformats.org/drawingml/2006/main" xmlns:r="http://schemas.openxmlformats.org/officeDocument/2006/relationships" xmlns:p="http://schemas.openxmlformats.org/presentationml/2006/main">
-  <p:cSld>
-    <p:spTree>
-      <p:nvGrpSpPr>
-        <p:cNvPr id="1" name=""/>
-        <p:cNvGrpSpPr/>
-        <p:nvPr/>
-      </p:nvGrpSpPr>
-      <p:grpSpPr>
-        <a:xfrm>
-          <a:off x="0" y="0"/>
-          <a:ext cx="0" cy="0"/>
-          <a:chOff x="0" y="0"/>
-          <a:chExt cx="0" cy="0"/>
-        </a:xfrm>
-      </p:grpSpPr>
-      <p:sp>
-        <p:nvSpPr>
-          <p:cNvPr id="2" name="标题 1"/>
-          <p:cNvSpPr>
-            <a:spLocks noGrp="1"/>
-          </p:cNvSpPr>
-          <p:nvPr>
-            <p:ph type="title"/>
-          </p:nvPr>
-        </p:nvSpPr>
-        <p:spPr/>
-        <p:txBody>
-          <a:bodyPr rtlCol="0"/>
-          <a:lstStyle/>
-          <a:p>
-            <a:pPr rtl="0"/>
-            <a:r>
-              <a:rPr lang="zh-CN" altLang="en-US" dirty="0">
-                <a:latin typeface="微软雅黑" panose="020B0503020204020204" pitchFamily="34" charset="-122"/>
-                <a:ea typeface="微软雅黑" panose="020B0503020204020204" pitchFamily="34" charset="-122"/>
-                <a:sym typeface="Arial" panose="020B0604020202020204" pitchFamily="34" charset="0"/>
-              </a:rPr>
-              <a:t>标题和包含 </a:t>
-            </a:r>
-            <a:r>
-              <a:rPr lang="en-US" altLang="zh-CN" dirty="0">
-                <a:latin typeface="微软雅黑" panose="020B0503020204020204" pitchFamily="34" charset="-122"/>
-                <a:ea typeface="微软雅黑" panose="020B0503020204020204" pitchFamily="34" charset="-122"/>
-                <a:sym typeface="Arial" panose="020B0604020202020204" pitchFamily="34" charset="0"/>
-              </a:rPr>
-              <a:t>SmartArt </a:t>
-            </a:r>
-            <a:r>
-              <a:rPr lang="zh-CN" altLang="en-US" dirty="0">
-                <a:latin typeface="微软雅黑" panose="020B0503020204020204" pitchFamily="34" charset="-122"/>
-                <a:ea typeface="微软雅黑" panose="020B0503020204020204" pitchFamily="34" charset="-122"/>
-                <a:sym typeface="Arial" panose="020B0604020202020204" pitchFamily="34" charset="0"/>
-              </a:rPr>
-              <a:t>的内容布局</a:t>
-            </a:r>
-          </a:p>
-        </p:txBody>
-      </p:sp>
-      <p:graphicFrame>
-        <p:nvGraphicFramePr>
-          <p:cNvPr id="4" name="内容占位符 3" descr="流程箭头图，显示了从左至右排列的 3 个步骤，且每个步骤都有任务说明"/>
-          <p:cNvGraphicFramePr>
-            <a:graphicFrameLocks noGrp="1"/>
-          </p:cNvGraphicFramePr>
-          <p:nvPr>
-            <p:ph idx="1"/>
-            <p:extLst>
-              <p:ext uri="{D42A27DB-BD31-4B8C-83A1-F6EECF244321}">
-                <p14:modId xmlns:p14="http://schemas.microsoft.com/office/powerpoint/2010/main" val="1122284103"/>
-              </p:ext>
-            </p:extLst>
-          </p:nvPr>
-        </p:nvGraphicFramePr>
-        <p:xfrm>
-          <a:off x="1295400" y="1981200"/>
-          <a:ext cx="9601200" cy="3810000"/>
-        </p:xfrm>
-        <a:graphic>
-          <a:graphicData uri="http://schemas.openxmlformats.org/drawingml/2006/diagram">
-            <dgm:relIds xmlns:dgm="http://schemas.openxmlformats.org/drawingml/2006/diagram" xmlns:r="http://schemas.openxmlformats.org/officeDocument/2006/relationships" r:dm="rId3" r:lo="rId4" r:qs="rId5" r:cs="rId6"/>
-          </a:graphicData>
-        </a:graphic>
-      </p:graphicFrame>
-    </p:spTree>
-    <p:extLst>
-      <p:ext uri="{BB962C8B-B14F-4D97-AF65-F5344CB8AC3E}">
-        <p14:creationId xmlns:p14="http://schemas.microsoft.com/office/powerpoint/2010/main" val="2761515851"/>
-      </p:ext>
-    </p:extLst>
-  </p:cSld>
-  <p:clrMapOvr>
-    <a:masterClrMapping/>
-  </p:clrMapOvr>
-  <mc:AlternateContent xmlns:mc="http://schemas.openxmlformats.org/markup-compatibility/2006" xmlns:p14="http://schemas.microsoft.com/office/powerpoint/2010/main">
-    <mc:Choice Requires="p14">
-      <p:transition spd="med" p14:dur="700">
-        <p:fade/>
-      </p:transition>
-    </mc:Choice>
-    <mc:Fallback xmlns="">
-      <p:transition spd="med">
-        <p:fade/>
-      </p:transition>
-    </mc:Fallback>
-  </mc:AlternateContent>
-</p:sld>
-</file>
-
-<file path=ppt/slides/slide7.xml><?xml version="1.0" encoding="utf-8"?>
-<p:sld xmlns:a="http://schemas.openxmlformats.org/drawingml/2006/main" xmlns:r="http://schemas.openxmlformats.org/officeDocument/2006/relationships" xmlns:p="http://schemas.openxmlformats.org/presentationml/2006/main">
-  <p:cSld>
-    <p:spTree>
-      <p:nvGrpSpPr>
-        <p:cNvPr id="1" name=""/>
-        <p:cNvGrpSpPr/>
-        <p:nvPr/>
-      </p:nvGrpSpPr>
-      <p:grpSpPr>
-        <a:xfrm>
-          <a:off x="0" y="0"/>
-          <a:ext cx="0" cy="0"/>
-          <a:chOff x="0" y="0"/>
-          <a:chExt cx="0" cy="0"/>
-        </a:xfrm>
-      </p:grpSpPr>
-      <p:sp>
-        <p:nvSpPr>
-          <p:cNvPr id="2" name="标题 1"/>
-          <p:cNvSpPr>
-            <a:spLocks noGrp="1"/>
-          </p:cNvSpPr>
-          <p:nvPr>
-            <p:ph type="title"/>
-          </p:nvPr>
-        </p:nvSpPr>
-        <p:spPr/>
-        <p:txBody>
-          <a:bodyPr rtlCol="0"/>
-          <a:lstStyle/>
-          <a:p>
-            <a:pPr rtl="0"/>
-            <a:r>
-              <a:rPr lang="zh-CN" altLang="en-US" dirty="0">
-                <a:latin typeface="微软雅黑" panose="020B0503020204020204" pitchFamily="34" charset="-122"/>
-                <a:ea typeface="微软雅黑" panose="020B0503020204020204" pitchFamily="34" charset="-122"/>
-                <a:sym typeface="Arial" panose="020B0604020202020204" pitchFamily="34" charset="0"/>
-              </a:rPr>
-              <a:t>添加幻灯片标题 </a:t>
-            </a:r>
-            <a:r>
-              <a:rPr lang="en-US" altLang="zh-CN" dirty="0">
-                <a:latin typeface="微软雅黑" panose="020B0503020204020204" pitchFamily="34" charset="-122"/>
-                <a:ea typeface="微软雅黑" panose="020B0503020204020204" pitchFamily="34" charset="-122"/>
-                <a:sym typeface="Arial" panose="020B0604020202020204" pitchFamily="34" charset="0"/>
-              </a:rPr>
-              <a:t>- 1</a:t>
-            </a:r>
-            <a:endParaRPr lang="zh-CN" altLang="en-US" dirty="0">
-              <a:latin typeface="微软雅黑" panose="020B0503020204020204" pitchFamily="34" charset="-122"/>
-              <a:ea typeface="微软雅黑" panose="020B0503020204020204" pitchFamily="34" charset="-122"/>
-              <a:sym typeface="Arial" panose="020B0604020202020204" pitchFamily="34" charset="0"/>
-            </a:endParaRPr>
-          </a:p>
-        </p:txBody>
-      </p:sp>
-      <p:sp>
-        <p:nvSpPr>
-          <p:cNvPr id="3" name="文本占位符 2"/>
-          <p:cNvSpPr>
-            <a:spLocks noGrp="1"/>
-          </p:cNvSpPr>
-          <p:nvPr>
-            <p:ph type="body" idx="1"/>
-          </p:nvPr>
-        </p:nvSpPr>
-        <p:spPr/>
-        <p:txBody>
-          <a:bodyPr rtlCol="0"/>
-          <a:lstStyle/>
-          <a:p>
-            <a:pPr rtl="0"/>
-            <a:endParaRPr lang="zh-CN" altLang="en-US" dirty="0">
-              <a:latin typeface="微软雅黑" panose="020B0503020204020204" pitchFamily="34" charset="-122"/>
-              <a:ea typeface="微软雅黑" panose="020B0503020204020204" pitchFamily="34" charset="-122"/>
-              <a:sym typeface="Arial" panose="020B0604020202020204" pitchFamily="34" charset="0"/>
-            </a:endParaRPr>
-          </a:p>
-        </p:txBody>
-      </p:sp>
-    </p:spTree>
-    <p:extLst>
-      <p:ext uri="{BB962C8B-B14F-4D97-AF65-F5344CB8AC3E}">
-        <p14:creationId xmlns:p14="http://schemas.microsoft.com/office/powerpoint/2010/main" val="2362296366"/>
-      </p:ext>
-    </p:extLst>
-  </p:cSld>
-  <p:clrMapOvr>
-    <a:masterClrMapping/>
-  </p:clrMapOvr>
-  <mc:AlternateContent xmlns:mc="http://schemas.openxmlformats.org/markup-compatibility/2006" xmlns:p14="http://schemas.microsoft.com/office/powerpoint/2010/main">
-    <mc:Choice Requires="p14">
-      <p:transition spd="med" p14:dur="700">
-        <p:fade/>
-      </p:transition>
-    </mc:Choice>
-    <mc:Fallback xmlns="">
-      <p:transition spd="med">
-        <p:fade/>
-      </p:transition>
-    </mc:Fallback>
-  </mc:AlternateContent>
-</p:sld>
-</file>
-
-<file path=ppt/slides/slide8.xml><?xml version="1.0" encoding="utf-8"?>
-<p:sld xmlns:a="http://schemas.openxmlformats.org/drawingml/2006/main" xmlns:r="http://schemas.openxmlformats.org/officeDocument/2006/relationships" xmlns:p="http://schemas.openxmlformats.org/presentationml/2006/main">
-  <p:cSld>
-    <p:spTree>
-      <p:nvGrpSpPr>
-        <p:cNvPr id="1" name=""/>
-        <p:cNvGrpSpPr/>
-        <p:nvPr/>
-      </p:nvGrpSpPr>
-      <p:grpSpPr>
-        <a:xfrm>
-          <a:off x="0" y="0"/>
-          <a:ext cx="0" cy="0"/>
-          <a:chOff x="0" y="0"/>
-          <a:chExt cx="0" cy="0"/>
-        </a:xfrm>
-      </p:grpSpPr>
-      <p:sp>
-        <p:nvSpPr>
-          <p:cNvPr id="2" name="标题 1"/>
-          <p:cNvSpPr>
-            <a:spLocks noGrp="1"/>
-          </p:cNvSpPr>
-          <p:nvPr>
-            <p:ph type="title"/>
-          </p:nvPr>
-        </p:nvSpPr>
-        <p:spPr/>
-        <p:txBody>
-          <a:bodyPr rtlCol="0"/>
-          <a:lstStyle/>
-          <a:p>
-            <a:pPr rtl="0"/>
-            <a:r>
-              <a:rPr lang="zh-CN" altLang="en-US" dirty="0">
-                <a:latin typeface="微软雅黑" panose="020B0503020204020204" pitchFamily="34" charset="-122"/>
-                <a:ea typeface="微软雅黑" panose="020B0503020204020204" pitchFamily="34" charset="-122"/>
-                <a:sym typeface="Arial" panose="020B0604020202020204" pitchFamily="34" charset="0"/>
-              </a:rPr>
-              <a:t>添加幻灯片标题 </a:t>
-            </a:r>
-            <a:r>
-              <a:rPr lang="en-US" altLang="zh-CN" dirty="0">
-                <a:latin typeface="微软雅黑" panose="020B0503020204020204" pitchFamily="34" charset="-122"/>
-                <a:ea typeface="微软雅黑" panose="020B0503020204020204" pitchFamily="34" charset="-122"/>
-                <a:sym typeface="Arial" panose="020B0604020202020204" pitchFamily="34" charset="0"/>
-              </a:rPr>
-              <a:t>- 2</a:t>
-            </a:r>
-            <a:endParaRPr lang="zh-CN" altLang="en-US" dirty="0">
-              <a:latin typeface="微软雅黑" panose="020B0503020204020204" pitchFamily="34" charset="-122"/>
-              <a:ea typeface="微软雅黑" panose="020B0503020204020204" pitchFamily="34" charset="-122"/>
-              <a:sym typeface="Arial" panose="020B0604020202020204" pitchFamily="34" charset="0"/>
-            </a:endParaRPr>
-          </a:p>
-        </p:txBody>
-      </p:sp>
-      <p:sp>
-        <p:nvSpPr>
-          <p:cNvPr id="3" name="文本占位符 2"/>
-          <p:cNvSpPr>
-            <a:spLocks noGrp="1"/>
-          </p:cNvSpPr>
-          <p:nvPr>
-            <p:ph type="body" idx="1"/>
-          </p:nvPr>
-        </p:nvSpPr>
-        <p:spPr/>
-        <p:txBody>
-          <a:bodyPr rtlCol="0"/>
-          <a:lstStyle/>
-          <a:p>
-            <a:pPr rtl="0"/>
-            <a:endParaRPr lang="zh-CN" altLang="en-US" dirty="0">
-              <a:latin typeface="微软雅黑" panose="020B0503020204020204" pitchFamily="34" charset="-122"/>
-              <a:ea typeface="微软雅黑" panose="020B0503020204020204" pitchFamily="34" charset="-122"/>
-              <a:sym typeface="Arial" panose="020B0604020202020204" pitchFamily="34" charset="0"/>
-            </a:endParaRPr>
-          </a:p>
-        </p:txBody>
-      </p:sp>
-      <p:sp>
-        <p:nvSpPr>
-          <p:cNvPr id="4" name="内容占位符 3"/>
-          <p:cNvSpPr>
-            <a:spLocks noGrp="1"/>
-          </p:cNvSpPr>
-          <p:nvPr>
-            <p:ph sz="half" idx="2"/>
-          </p:nvPr>
-        </p:nvSpPr>
-        <p:spPr/>
-        <p:txBody>
-          <a:bodyPr rtlCol="0"/>
-          <a:lstStyle/>
-          <a:p>
-            <a:pPr rtl="0"/>
-            <a:endParaRPr lang="zh-CN" altLang="en-US" dirty="0">
-              <a:latin typeface="微软雅黑" panose="020B0503020204020204" pitchFamily="34" charset="-122"/>
-              <a:ea typeface="微软雅黑" panose="020B0503020204020204" pitchFamily="34" charset="-122"/>
-              <a:sym typeface="Arial" panose="020B0604020202020204" pitchFamily="34" charset="0"/>
-            </a:endParaRPr>
-          </a:p>
-        </p:txBody>
-      </p:sp>
-      <p:sp>
-        <p:nvSpPr>
-          <p:cNvPr id="5" name="文本占位符 4"/>
-          <p:cNvSpPr>
-            <a:spLocks noGrp="1"/>
-          </p:cNvSpPr>
-          <p:nvPr>
-            <p:ph type="body" sz="quarter" idx="3"/>
-          </p:nvPr>
-        </p:nvSpPr>
-        <p:spPr/>
-        <p:txBody>
-          <a:bodyPr rtlCol="0"/>
-          <a:lstStyle/>
-          <a:p>
-            <a:pPr rtl="0"/>
-            <a:endParaRPr lang="zh-CN" altLang="en-US" dirty="0">
-              <a:latin typeface="微软雅黑" panose="020B0503020204020204" pitchFamily="34" charset="-122"/>
-              <a:ea typeface="微软雅黑" panose="020B0503020204020204" pitchFamily="34" charset="-122"/>
-              <a:sym typeface="Arial" panose="020B0604020202020204" pitchFamily="34" charset="0"/>
-            </a:endParaRPr>
-          </a:p>
-        </p:txBody>
-      </p:sp>
-      <p:sp>
-        <p:nvSpPr>
-          <p:cNvPr id="6" name="内容占位符 5"/>
-          <p:cNvSpPr>
-            <a:spLocks noGrp="1"/>
-          </p:cNvSpPr>
-          <p:nvPr>
-            <p:ph sz="quarter" idx="4"/>
-          </p:nvPr>
-        </p:nvSpPr>
-        <p:spPr/>
-        <p:txBody>
-          <a:bodyPr rtlCol="0"/>
-          <a:lstStyle/>
-          <a:p>
-            <a:pPr rtl="0"/>
-            <a:endParaRPr lang="zh-CN" altLang="en-US" dirty="0">
-              <a:latin typeface="微软雅黑" panose="020B0503020204020204" pitchFamily="34" charset="-122"/>
-              <a:ea typeface="微软雅黑" panose="020B0503020204020204" pitchFamily="34" charset="-122"/>
-              <a:sym typeface="Arial" panose="020B0604020202020204" pitchFamily="34" charset="0"/>
-            </a:endParaRPr>
-          </a:p>
-        </p:txBody>
-      </p:sp>
-    </p:spTree>
-    <p:extLst>
-      <p:ext uri="{BB962C8B-B14F-4D97-AF65-F5344CB8AC3E}">
-        <p14:creationId xmlns:p14="http://schemas.microsoft.com/office/powerpoint/2010/main" val="3229171051"/>
-      </p:ext>
-    </p:extLst>
-  </p:cSld>
-  <p:clrMapOvr>
-    <a:masterClrMapping/>
-  </p:clrMapOvr>
-  <mc:AlternateContent xmlns:mc="http://schemas.openxmlformats.org/markup-compatibility/2006" xmlns:p14="http://schemas.microsoft.com/office/powerpoint/2010/main">
-    <mc:Choice Requires="p14">
-      <p:transition spd="med" p14:dur="700">
-        <p:fade/>
-      </p:transition>
-    </mc:Choice>
-    <mc:Fallback xmlns="">
-      <p:transition spd="med">
-        <p:fade/>
-      </p:transition>
-    </mc:Fallback>
-  </mc:AlternateContent>
-</p:sld>
-</file>
-
-<file path=ppt/slides/slide9.xml><?xml version="1.0" encoding="utf-8"?>
-<p:sld xmlns:a="http://schemas.openxmlformats.org/drawingml/2006/main" xmlns:r="http://schemas.openxmlformats.org/officeDocument/2006/relationships" xmlns:p="http://schemas.openxmlformats.org/presentationml/2006/main">
-  <p:cSld>
-    <p:spTree>
-      <p:nvGrpSpPr>
-        <p:cNvPr id="1" name=""/>
-        <p:cNvGrpSpPr/>
-        <p:nvPr/>
-      </p:nvGrpSpPr>
-      <p:grpSpPr>
-        <a:xfrm>
-          <a:off x="0" y="0"/>
-          <a:ext cx="0" cy="0"/>
-          <a:chOff x="0" y="0"/>
-          <a:chExt cx="0" cy="0"/>
-        </a:xfrm>
-      </p:grpSpPr>
-      <p:sp>
-        <p:nvSpPr>
-          <p:cNvPr id="2" name="标题 1"/>
-          <p:cNvSpPr>
-            <a:spLocks noGrp="1"/>
-          </p:cNvSpPr>
-          <p:nvPr>
-            <p:ph type="title"/>
-          </p:nvPr>
-        </p:nvSpPr>
-        <p:spPr/>
-        <p:txBody>
-          <a:bodyPr rtlCol="0"/>
-          <a:lstStyle/>
-          <a:p>
-            <a:pPr rtl="0"/>
-            <a:r>
-              <a:rPr lang="zh-CN" altLang="en-US" dirty="0">
-                <a:latin typeface="微软雅黑" panose="020B0503020204020204" pitchFamily="34" charset="-122"/>
-                <a:ea typeface="微软雅黑" panose="020B0503020204020204" pitchFamily="34" charset="-122"/>
-                <a:sym typeface="Arial" panose="020B0604020202020204" pitchFamily="34" charset="0"/>
-              </a:rPr>
-              <a:t>添加幻灯片标题 </a:t>
-            </a:r>
-            <a:r>
-              <a:rPr lang="en-US" altLang="zh-CN" dirty="0">
-                <a:latin typeface="微软雅黑" panose="020B0503020204020204" pitchFamily="34" charset="-122"/>
-                <a:ea typeface="微软雅黑" panose="020B0503020204020204" pitchFamily="34" charset="-122"/>
-                <a:sym typeface="Arial" panose="020B0604020202020204" pitchFamily="34" charset="0"/>
-              </a:rPr>
-              <a:t>- 3</a:t>
-            </a:r>
-            <a:endParaRPr lang="zh-CN" altLang="en-US" dirty="0">
-              <a:latin typeface="微软雅黑" panose="020B0503020204020204" pitchFamily="34" charset="-122"/>
-              <a:ea typeface="微软雅黑" panose="020B0503020204020204" pitchFamily="34" charset="-122"/>
-              <a:sym typeface="Arial" panose="020B0604020202020204" pitchFamily="34" charset="0"/>
-            </a:endParaRPr>
-          </a:p>
-        </p:txBody>
-      </p:sp>
-    </p:spTree>
-    <p:extLst>
-      <p:ext uri="{BB962C8B-B14F-4D97-AF65-F5344CB8AC3E}">
-        <p14:creationId xmlns:p14="http://schemas.microsoft.com/office/powerpoint/2010/main" val="452733939"/>
       </p:ext>
     </p:extLst>
   </p:cSld>

--- a/Document/Innovation-project/pre-final.pptx
+++ b/Document/Innovation-project/pre-final.pptx
@@ -5,10 +5,10 @@
     <p:sldMasterId id="2147483648" r:id="rId1"/>
   </p:sldMasterIdLst>
   <p:notesMasterIdLst>
-    <p:notesMasterId r:id="rId18"/>
+    <p:notesMasterId r:id="rId13"/>
   </p:notesMasterIdLst>
   <p:handoutMasterIdLst>
-    <p:handoutMasterId r:id="rId19"/>
+    <p:handoutMasterId r:id="rId14"/>
   </p:handoutMasterIdLst>
   <p:sldIdLst>
     <p:sldId id="261" r:id="rId2"/>
@@ -18,15 +18,10 @@
     <p:sldId id="273" r:id="rId6"/>
     <p:sldId id="274" r:id="rId7"/>
     <p:sldId id="275" r:id="rId8"/>
-    <p:sldId id="262" r:id="rId9"/>
-    <p:sldId id="263" r:id="rId10"/>
-    <p:sldId id="264" r:id="rId11"/>
-    <p:sldId id="265" r:id="rId12"/>
-    <p:sldId id="266" r:id="rId13"/>
-    <p:sldId id="267" r:id="rId14"/>
-    <p:sldId id="268" r:id="rId15"/>
-    <p:sldId id="269" r:id="rId16"/>
-    <p:sldId id="270" r:id="rId17"/>
+    <p:sldId id="276" r:id="rId9"/>
+    <p:sldId id="277" r:id="rId10"/>
+    <p:sldId id="278" r:id="rId11"/>
+    <p:sldId id="279" r:id="rId12"/>
   </p:sldIdLst>
   <p:sldSz cx="12192000" cy="6858000"/>
   <p:notesSz cx="6858000" cy="9144000"/>
@@ -145,4183 +140,6 @@
     </p:ext>
   </p:extLst>
 </p:presentation>
-</file>
-
-<file path=ppt/charts/chart1.xml><?xml version="1.0" encoding="utf-8"?>
-<c:chartSpace xmlns:c="http://schemas.openxmlformats.org/drawingml/2006/chart" xmlns:a="http://schemas.openxmlformats.org/drawingml/2006/main" xmlns:r="http://schemas.openxmlformats.org/officeDocument/2006/relationships" xmlns:c16r2="http://schemas.microsoft.com/office/drawing/2015/06/chart">
-  <c:date1904 val="0"/>
-  <c:lang val="zh-CN"/>
-  <c:roundedCorners val="0"/>
-  <mc:AlternateContent xmlns:mc="http://schemas.openxmlformats.org/markup-compatibility/2006">
-    <mc:Choice xmlns:c14="http://schemas.microsoft.com/office/drawing/2007/8/2/chart" Requires="c14">
-      <c14:style val="103"/>
-    </mc:Choice>
-    <mc:Fallback>
-      <c:style val="3"/>
-    </mc:Fallback>
-  </mc:AlternateContent>
-  <c:chart>
-    <c:autoTitleDeleted val="1"/>
-    <c:plotArea>
-      <c:layout/>
-      <c:barChart>
-        <c:barDir val="col"/>
-        <c:grouping val="clustered"/>
-        <c:varyColors val="0"/>
-        <c:ser>
-          <c:idx val="0"/>
-          <c:order val="0"/>
-          <c:tx>
-            <c:strRef>
-              <c:f>Sheet1!$B$1</c:f>
-              <c:strCache>
-                <c:ptCount val="1"/>
-                <c:pt idx="0">
-                  <c:v>系列 1</c:v>
-                </c:pt>
-              </c:strCache>
-            </c:strRef>
-          </c:tx>
-          <c:spPr>
-            <a:gradFill rotWithShape="1">
-              <a:gsLst>
-                <a:gs pos="0">
-                  <a:schemeClr val="accent1">
-                    <a:shade val="65000"/>
-                    <a:satMod val="103000"/>
-                    <a:lumMod val="102000"/>
-                    <a:tint val="94000"/>
-                  </a:schemeClr>
-                </a:gs>
-                <a:gs pos="50000">
-                  <a:schemeClr val="accent1">
-                    <a:shade val="65000"/>
-                    <a:satMod val="110000"/>
-                    <a:lumMod val="100000"/>
-                    <a:shade val="100000"/>
-                  </a:schemeClr>
-                </a:gs>
-                <a:gs pos="100000">
-                  <a:schemeClr val="accent1">
-                    <a:shade val="65000"/>
-                    <a:lumMod val="99000"/>
-                    <a:satMod val="120000"/>
-                    <a:shade val="78000"/>
-                  </a:schemeClr>
-                </a:gs>
-              </a:gsLst>
-              <a:lin ang="5400000" scaled="0"/>
-            </a:gradFill>
-            <a:ln>
-              <a:noFill/>
-            </a:ln>
-            <a:effectLst/>
-          </c:spPr>
-          <c:invertIfNegative val="0"/>
-          <c:cat>
-            <c:strRef>
-              <c:f>Sheet1!$A$2:$A$5</c:f>
-              <c:strCache>
-                <c:ptCount val="4"/>
-                <c:pt idx="0">
-                  <c:v>类别 1</c:v>
-                </c:pt>
-                <c:pt idx="1">
-                  <c:v>类别 2</c:v>
-                </c:pt>
-                <c:pt idx="2">
-                  <c:v>类别 3</c:v>
-                </c:pt>
-                <c:pt idx="3">
-                  <c:v>类别 4</c:v>
-                </c:pt>
-              </c:strCache>
-            </c:strRef>
-          </c:cat>
-          <c:val>
-            <c:numRef>
-              <c:f>Sheet1!$B$2:$B$5</c:f>
-              <c:numCache>
-                <c:formatCode>General</c:formatCode>
-                <c:ptCount val="4"/>
-                <c:pt idx="0">
-                  <c:v>4.3</c:v>
-                </c:pt>
-                <c:pt idx="1">
-                  <c:v>2.5</c:v>
-                </c:pt>
-                <c:pt idx="2">
-                  <c:v>3.5</c:v>
-                </c:pt>
-                <c:pt idx="3">
-                  <c:v>4.5</c:v>
-                </c:pt>
-              </c:numCache>
-            </c:numRef>
-          </c:val>
-          <c:extLst>
-            <c:ext xmlns:c16="http://schemas.microsoft.com/office/drawing/2014/chart" uri="{C3380CC4-5D6E-409C-BE32-E72D297353CC}">
-              <c16:uniqueId val="{00000000-B15F-4CC6-AB46-0F5752DC9A2C}"/>
-            </c:ext>
-          </c:extLst>
-        </c:ser>
-        <c:ser>
-          <c:idx val="1"/>
-          <c:order val="1"/>
-          <c:tx>
-            <c:strRef>
-              <c:f>Sheet1!$C$1</c:f>
-              <c:strCache>
-                <c:ptCount val="1"/>
-                <c:pt idx="0">
-                  <c:v>系列 2</c:v>
-                </c:pt>
-              </c:strCache>
-            </c:strRef>
-          </c:tx>
-          <c:spPr>
-            <a:gradFill rotWithShape="1">
-              <a:gsLst>
-                <a:gs pos="0">
-                  <a:schemeClr val="accent1">
-                    <a:satMod val="103000"/>
-                    <a:lumMod val="102000"/>
-                    <a:tint val="94000"/>
-                  </a:schemeClr>
-                </a:gs>
-                <a:gs pos="50000">
-                  <a:schemeClr val="accent1">
-                    <a:satMod val="110000"/>
-                    <a:lumMod val="100000"/>
-                    <a:shade val="100000"/>
-                  </a:schemeClr>
-                </a:gs>
-                <a:gs pos="100000">
-                  <a:schemeClr val="accent1">
-                    <a:lumMod val="99000"/>
-                    <a:satMod val="120000"/>
-                    <a:shade val="78000"/>
-                  </a:schemeClr>
-                </a:gs>
-              </a:gsLst>
-              <a:lin ang="5400000" scaled="0"/>
-            </a:gradFill>
-            <a:ln>
-              <a:noFill/>
-            </a:ln>
-            <a:effectLst/>
-          </c:spPr>
-          <c:invertIfNegative val="0"/>
-          <c:cat>
-            <c:strRef>
-              <c:f>Sheet1!$A$2:$A$5</c:f>
-              <c:strCache>
-                <c:ptCount val="4"/>
-                <c:pt idx="0">
-                  <c:v>类别 1</c:v>
-                </c:pt>
-                <c:pt idx="1">
-                  <c:v>类别 2</c:v>
-                </c:pt>
-                <c:pt idx="2">
-                  <c:v>类别 3</c:v>
-                </c:pt>
-                <c:pt idx="3">
-                  <c:v>类别 4</c:v>
-                </c:pt>
-              </c:strCache>
-            </c:strRef>
-          </c:cat>
-          <c:val>
-            <c:numRef>
-              <c:f>Sheet1!$C$2:$C$5</c:f>
-              <c:numCache>
-                <c:formatCode>General</c:formatCode>
-                <c:ptCount val="4"/>
-                <c:pt idx="0">
-                  <c:v>2.4</c:v>
-                </c:pt>
-                <c:pt idx="1">
-                  <c:v>4.4000000000000004</c:v>
-                </c:pt>
-                <c:pt idx="2">
-                  <c:v>1.8</c:v>
-                </c:pt>
-                <c:pt idx="3">
-                  <c:v>2.8</c:v>
-                </c:pt>
-              </c:numCache>
-            </c:numRef>
-          </c:val>
-          <c:extLst>
-            <c:ext xmlns:c16="http://schemas.microsoft.com/office/drawing/2014/chart" uri="{C3380CC4-5D6E-409C-BE32-E72D297353CC}">
-              <c16:uniqueId val="{00000001-B15F-4CC6-AB46-0F5752DC9A2C}"/>
-            </c:ext>
-          </c:extLst>
-        </c:ser>
-        <c:ser>
-          <c:idx val="2"/>
-          <c:order val="2"/>
-          <c:tx>
-            <c:strRef>
-              <c:f>Sheet1!$D$1</c:f>
-              <c:strCache>
-                <c:ptCount val="1"/>
-                <c:pt idx="0">
-                  <c:v>系列 3</c:v>
-                </c:pt>
-              </c:strCache>
-            </c:strRef>
-          </c:tx>
-          <c:spPr>
-            <a:gradFill rotWithShape="1">
-              <a:gsLst>
-                <a:gs pos="0">
-                  <a:schemeClr val="accent1">
-                    <a:tint val="65000"/>
-                    <a:satMod val="103000"/>
-                    <a:lumMod val="102000"/>
-                    <a:tint val="94000"/>
-                  </a:schemeClr>
-                </a:gs>
-                <a:gs pos="50000">
-                  <a:schemeClr val="accent1">
-                    <a:tint val="65000"/>
-                    <a:satMod val="110000"/>
-                    <a:lumMod val="100000"/>
-                    <a:shade val="100000"/>
-                  </a:schemeClr>
-                </a:gs>
-                <a:gs pos="100000">
-                  <a:schemeClr val="accent1">
-                    <a:tint val="65000"/>
-                    <a:lumMod val="99000"/>
-                    <a:satMod val="120000"/>
-                    <a:shade val="78000"/>
-                  </a:schemeClr>
-                </a:gs>
-              </a:gsLst>
-              <a:lin ang="5400000" scaled="0"/>
-            </a:gradFill>
-            <a:ln>
-              <a:noFill/>
-            </a:ln>
-            <a:effectLst/>
-          </c:spPr>
-          <c:invertIfNegative val="0"/>
-          <c:cat>
-            <c:strRef>
-              <c:f>Sheet1!$A$2:$A$5</c:f>
-              <c:strCache>
-                <c:ptCount val="4"/>
-                <c:pt idx="0">
-                  <c:v>类别 1</c:v>
-                </c:pt>
-                <c:pt idx="1">
-                  <c:v>类别 2</c:v>
-                </c:pt>
-                <c:pt idx="2">
-                  <c:v>类别 3</c:v>
-                </c:pt>
-                <c:pt idx="3">
-                  <c:v>类别 4</c:v>
-                </c:pt>
-              </c:strCache>
-            </c:strRef>
-          </c:cat>
-          <c:val>
-            <c:numRef>
-              <c:f>Sheet1!$D$2:$D$5</c:f>
-              <c:numCache>
-                <c:formatCode>General</c:formatCode>
-                <c:ptCount val="4"/>
-                <c:pt idx="0">
-                  <c:v>2</c:v>
-                </c:pt>
-                <c:pt idx="1">
-                  <c:v>2</c:v>
-                </c:pt>
-                <c:pt idx="2">
-                  <c:v>3</c:v>
-                </c:pt>
-                <c:pt idx="3">
-                  <c:v>5</c:v>
-                </c:pt>
-              </c:numCache>
-            </c:numRef>
-          </c:val>
-          <c:extLst>
-            <c:ext xmlns:c16="http://schemas.microsoft.com/office/drawing/2014/chart" uri="{C3380CC4-5D6E-409C-BE32-E72D297353CC}">
-              <c16:uniqueId val="{00000002-B15F-4CC6-AB46-0F5752DC9A2C}"/>
-            </c:ext>
-          </c:extLst>
-        </c:ser>
-        <c:dLbls>
-          <c:showLegendKey val="0"/>
-          <c:showVal val="0"/>
-          <c:showCatName val="0"/>
-          <c:showSerName val="0"/>
-          <c:showPercent val="0"/>
-          <c:showBubbleSize val="0"/>
-        </c:dLbls>
-        <c:gapWidth val="100"/>
-        <c:overlap val="-24"/>
-        <c:axId val="96190280"/>
-        <c:axId val="96186752"/>
-      </c:barChart>
-      <c:catAx>
-        <c:axId val="96190280"/>
-        <c:scaling>
-          <c:orientation val="minMax"/>
-        </c:scaling>
-        <c:delete val="0"/>
-        <c:axPos val="b"/>
-        <c:numFmt formatCode="General" sourceLinked="1"/>
-        <c:majorTickMark val="none"/>
-        <c:minorTickMark val="none"/>
-        <c:tickLblPos val="nextTo"/>
-        <c:spPr>
-          <a:noFill/>
-          <a:ln w="9525" cap="flat" cmpd="sng" algn="ctr">
-            <a:solidFill>
-              <a:schemeClr val="tx2">
-                <a:lumMod val="15000"/>
-                <a:lumOff val="85000"/>
-              </a:schemeClr>
-            </a:solidFill>
-            <a:round/>
-          </a:ln>
-          <a:effectLst/>
-        </c:spPr>
-        <c:txPr>
-          <a:bodyPr rot="-60000000" spcFirstLastPara="1" vertOverflow="ellipsis" vert="horz" wrap="square" anchor="ctr" anchorCtr="1"/>
-          <a:lstStyle/>
-          <a:p>
-            <a:pPr>
-              <a:defRPr sz="1197" b="0" i="0" u="none" strike="noStrike" kern="1200" baseline="0">
-                <a:solidFill>
-                  <a:schemeClr val="tx2"/>
-                </a:solidFill>
-                <a:latin typeface="微软雅黑" panose="020B0503020204020204" pitchFamily="34" charset="-122"/>
-                <a:ea typeface="微软雅黑" panose="020B0503020204020204" pitchFamily="34" charset="-122"/>
-                <a:cs typeface="+mn-cs"/>
-              </a:defRPr>
-            </a:pPr>
-            <a:endParaRPr lang="zh-CN"/>
-          </a:p>
-        </c:txPr>
-        <c:crossAx val="96186752"/>
-        <c:crosses val="autoZero"/>
-        <c:auto val="1"/>
-        <c:lblAlgn val="ctr"/>
-        <c:lblOffset val="100"/>
-        <c:noMultiLvlLbl val="0"/>
-      </c:catAx>
-      <c:valAx>
-        <c:axId val="96186752"/>
-        <c:scaling>
-          <c:orientation val="minMax"/>
-        </c:scaling>
-        <c:delete val="0"/>
-        <c:axPos val="l"/>
-        <c:majorGridlines>
-          <c:spPr>
-            <a:ln w="9525" cap="flat" cmpd="sng" algn="ctr">
-              <a:solidFill>
-                <a:schemeClr val="tx2">
-                  <a:lumMod val="15000"/>
-                  <a:lumOff val="85000"/>
-                </a:schemeClr>
-              </a:solidFill>
-              <a:round/>
-            </a:ln>
-            <a:effectLst/>
-          </c:spPr>
-        </c:majorGridlines>
-        <c:numFmt formatCode="General" sourceLinked="1"/>
-        <c:majorTickMark val="none"/>
-        <c:minorTickMark val="none"/>
-        <c:tickLblPos val="nextTo"/>
-        <c:spPr>
-          <a:noFill/>
-          <a:ln>
-            <a:noFill/>
-          </a:ln>
-          <a:effectLst/>
-        </c:spPr>
-        <c:txPr>
-          <a:bodyPr rot="-60000000" spcFirstLastPara="1" vertOverflow="ellipsis" vert="horz" wrap="square" anchor="ctr" anchorCtr="1"/>
-          <a:lstStyle/>
-          <a:p>
-            <a:pPr>
-              <a:defRPr lang="zh-CN" sz="1197" b="0" i="0" u="none" strike="noStrike" kern="1200" baseline="0" noProof="0">
-                <a:solidFill>
-                  <a:schemeClr val="tx2"/>
-                </a:solidFill>
-                <a:latin typeface="微软雅黑" panose="020B0503020204020204" pitchFamily="34" charset="-122"/>
-                <a:ea typeface="微软雅黑" panose="020B0503020204020204" pitchFamily="34" charset="-122"/>
-                <a:cs typeface="+mn-cs"/>
-              </a:defRPr>
-            </a:pPr>
-            <a:endParaRPr lang="zh-CN"/>
-          </a:p>
-        </c:txPr>
-        <c:crossAx val="96190280"/>
-        <c:crosses val="autoZero"/>
-        <c:crossBetween val="between"/>
-      </c:valAx>
-      <c:spPr>
-        <a:noFill/>
-        <a:ln>
-          <a:noFill/>
-        </a:ln>
-        <a:effectLst/>
-      </c:spPr>
-    </c:plotArea>
-    <c:legend>
-      <c:legendPos val="b"/>
-      <c:overlay val="0"/>
-      <c:spPr>
-        <a:noFill/>
-        <a:ln>
-          <a:noFill/>
-        </a:ln>
-        <a:effectLst/>
-      </c:spPr>
-      <c:txPr>
-        <a:bodyPr rot="0" spcFirstLastPara="1" vertOverflow="ellipsis" vert="horz" wrap="square" anchor="ctr" anchorCtr="1"/>
-        <a:lstStyle/>
-        <a:p>
-          <a:pPr>
-            <a:defRPr lang="zh-CN" sz="1197" b="0" i="0" u="none" strike="noStrike" kern="1200" baseline="0" noProof="0">
-              <a:solidFill>
-                <a:schemeClr val="tx2"/>
-              </a:solidFill>
-              <a:latin typeface="微软雅黑" panose="020B0503020204020204" pitchFamily="34" charset="-122"/>
-              <a:ea typeface="微软雅黑" panose="020B0503020204020204" pitchFamily="34" charset="-122"/>
-              <a:cs typeface="+mn-cs"/>
-            </a:defRPr>
-          </a:pPr>
-          <a:endParaRPr lang="zh-CN"/>
-        </a:p>
-      </c:txPr>
-    </c:legend>
-    <c:plotVisOnly val="1"/>
-    <c:dispBlanksAs val="gap"/>
-    <c:showDLblsOverMax val="0"/>
-  </c:chart>
-  <c:spPr>
-    <a:noFill/>
-    <a:ln>
-      <a:noFill/>
-    </a:ln>
-    <a:effectLst/>
-  </c:spPr>
-  <c:txPr>
-    <a:bodyPr/>
-    <a:lstStyle/>
-    <a:p>
-      <a:pPr>
-        <a:defRPr/>
-      </a:pPr>
-      <a:endParaRPr lang="zh-CN"/>
-    </a:p>
-  </c:txPr>
-  <c:externalData r:id="rId3">
-    <c:autoUpdate val="0"/>
-  </c:externalData>
-</c:chartSpace>
-</file>
-
-<file path=ppt/charts/colors1.xml><?xml version="1.0" encoding="utf-8"?>
-<cs:colorStyle xmlns:cs="http://schemas.microsoft.com/office/drawing/2012/chartStyle" xmlns:a="http://schemas.openxmlformats.org/drawingml/2006/main" meth="withinLinear" id="14">
-  <a:schemeClr val="accent1"/>
-</cs:colorStyle>
-</file>
-
-<file path=ppt/charts/style1.xml><?xml version="1.0" encoding="utf-8"?>
-<cs:chartStyle xmlns:cs="http://schemas.microsoft.com/office/drawing/2012/chartStyle" xmlns:a="http://schemas.openxmlformats.org/drawingml/2006/main" id="207">
-  <cs:axisTitle>
-    <cs:lnRef idx="0"/>
-    <cs:fillRef idx="0"/>
-    <cs:effectRef idx="0"/>
-    <cs:fontRef idx="minor">
-      <a:schemeClr val="tx2"/>
-    </cs:fontRef>
-    <cs:defRPr sz="1197" b="1" kern="1200"/>
-  </cs:axisTitle>
-  <cs:categoryAxis>
-    <cs:lnRef idx="0"/>
-    <cs:fillRef idx="0"/>
-    <cs:effectRef idx="0"/>
-    <cs:fontRef idx="minor">
-      <a:schemeClr val="tx2"/>
-    </cs:fontRef>
-    <cs:spPr>
-      <a:ln w="9525" cap="flat" cmpd="sng" algn="ctr">
-        <a:solidFill>
-          <a:schemeClr val="tx2">
-            <a:lumMod val="15000"/>
-            <a:lumOff val="85000"/>
-          </a:schemeClr>
-        </a:solidFill>
-        <a:round/>
-      </a:ln>
-    </cs:spPr>
-    <cs:defRPr sz="1197" kern="1200"/>
-  </cs:categoryAxis>
-  <cs:chartArea mods="allowNoFillOverride allowNoLineOverride">
-    <cs:lnRef idx="0"/>
-    <cs:fillRef idx="0"/>
-    <cs:effectRef idx="0"/>
-    <cs:fontRef idx="minor">
-      <a:schemeClr val="tx2"/>
-    </cs:fontRef>
-    <cs:spPr>
-      <a:solidFill>
-        <a:schemeClr val="bg1"/>
-      </a:solidFill>
-      <a:ln w="9525" cap="flat" cmpd="sng" algn="ctr">
-        <a:solidFill>
-          <a:schemeClr val="tx2">
-            <a:lumMod val="15000"/>
-            <a:lumOff val="85000"/>
-          </a:schemeClr>
-        </a:solidFill>
-        <a:round/>
-      </a:ln>
-    </cs:spPr>
-    <cs:defRPr sz="1197" kern="1200"/>
-  </cs:chartArea>
-  <cs:dataLabel>
-    <cs:lnRef idx="0"/>
-    <cs:fillRef idx="0"/>
-    <cs:effectRef idx="0"/>
-    <cs:fontRef idx="minor">
-      <a:schemeClr val="tx2"/>
-    </cs:fontRef>
-    <cs:defRPr sz="1197" kern="1200"/>
-  </cs:dataLabel>
-  <cs:dataLabelCallout>
-    <cs:lnRef idx="0"/>
-    <cs:fillRef idx="0"/>
-    <cs:effectRef idx="0"/>
-    <cs:fontRef idx="minor">
-      <a:schemeClr val="dk2">
-        <a:lumMod val="75000"/>
-      </a:schemeClr>
-    </cs:fontRef>
-    <cs:spPr>
-      <a:solidFill>
-        <a:schemeClr val="lt1"/>
-      </a:solidFill>
-      <a:ln>
-        <a:solidFill>
-          <a:schemeClr val="dk1">
-            <a:lumMod val="25000"/>
-            <a:lumOff val="75000"/>
-          </a:schemeClr>
-        </a:solidFill>
-      </a:ln>
-    </cs:spPr>
-    <cs:defRPr sz="1197" kern="1200"/>
-    <cs:bodyPr rot="0" spcFirstLastPara="1" vertOverflow="clip" horzOverflow="clip" vert="horz" wrap="square" lIns="36576" tIns="18288" rIns="36576" bIns="18288" anchor="ctr" anchorCtr="1">
-      <a:spAutoFit/>
-    </cs:bodyPr>
-  </cs:dataLabelCallout>
-  <cs:dataPoint>
-    <cs:lnRef idx="0"/>
-    <cs:fillRef idx="3">
-      <cs:styleClr val="auto"/>
-    </cs:fillRef>
-    <cs:effectRef idx="2"/>
-    <cs:fontRef idx="minor">
-      <a:schemeClr val="tx2"/>
-    </cs:fontRef>
-  </cs:dataPoint>
-  <cs:dataPoint3D>
-    <cs:lnRef idx="0"/>
-    <cs:fillRef idx="3">
-      <cs:styleClr val="auto"/>
-    </cs:fillRef>
-    <cs:effectRef idx="2"/>
-    <cs:fontRef idx="minor">
-      <a:schemeClr val="tx2"/>
-    </cs:fontRef>
-  </cs:dataPoint3D>
-  <cs:dataPointLine>
-    <cs:lnRef idx="0">
-      <cs:styleClr val="auto"/>
-    </cs:lnRef>
-    <cs:fillRef idx="3"/>
-    <cs:effectRef idx="2"/>
-    <cs:fontRef idx="minor">
-      <a:schemeClr val="tx2"/>
-    </cs:fontRef>
-    <cs:spPr>
-      <a:ln w="31750" cap="rnd">
-        <a:solidFill>
-          <a:schemeClr val="phClr"/>
-        </a:solidFill>
-        <a:round/>
-      </a:ln>
-    </cs:spPr>
-  </cs:dataPointLine>
-  <cs:dataPointMarker>
-    <cs:lnRef idx="0"/>
-    <cs:fillRef idx="3">
-      <cs:styleClr val="auto"/>
-    </cs:fillRef>
-    <cs:effectRef idx="2"/>
-    <cs:fontRef idx="minor">
-      <a:schemeClr val="tx2"/>
-    </cs:fontRef>
-    <cs:spPr>
-      <a:ln w="12700">
-        <a:solidFill>
-          <a:schemeClr val="lt2"/>
-        </a:solidFill>
-        <a:round/>
-      </a:ln>
-    </cs:spPr>
-  </cs:dataPointMarker>
-  <cs:dataPointMarkerLayout symbol="circle" size="6"/>
-  <cs:dataPointWireframe>
-    <cs:lnRef idx="0">
-      <cs:styleClr val="auto"/>
-    </cs:lnRef>
-    <cs:fillRef idx="3"/>
-    <cs:effectRef idx="2"/>
-    <cs:fontRef idx="minor">
-      <a:schemeClr val="tx2"/>
-    </cs:fontRef>
-    <cs:spPr>
-      <a:ln w="9525" cap="rnd">
-        <a:solidFill>
-          <a:schemeClr val="phClr"/>
-        </a:solidFill>
-        <a:round/>
-      </a:ln>
-    </cs:spPr>
-  </cs:dataPointWireframe>
-  <cs:dataTable>
-    <cs:lnRef idx="0"/>
-    <cs:fillRef idx="0"/>
-    <cs:effectRef idx="0"/>
-    <cs:fontRef idx="minor">
-      <a:schemeClr val="tx2"/>
-    </cs:fontRef>
-    <cs:spPr>
-      <a:ln w="9525">
-        <a:solidFill>
-          <a:schemeClr val="tx2">
-            <a:lumMod val="15000"/>
-            <a:lumOff val="85000"/>
-          </a:schemeClr>
-        </a:solidFill>
-      </a:ln>
-    </cs:spPr>
-    <cs:defRPr sz="1197" kern="1200"/>
-  </cs:dataTable>
-  <cs:downBar>
-    <cs:lnRef idx="0"/>
-    <cs:fillRef idx="0"/>
-    <cs:effectRef idx="0"/>
-    <cs:fontRef idx="minor">
-      <a:schemeClr val="dk1"/>
-    </cs:fontRef>
-    <cs:spPr>
-      <a:solidFill>
-        <a:schemeClr val="dk1">
-          <a:lumMod val="65000"/>
-          <a:lumOff val="35000"/>
-        </a:schemeClr>
-      </a:solidFill>
-      <a:ln w="9525">
-        <a:solidFill>
-          <a:schemeClr val="tx1">
-            <a:lumMod val="65000"/>
-            <a:lumOff val="35000"/>
-          </a:schemeClr>
-        </a:solidFill>
-      </a:ln>
-    </cs:spPr>
-  </cs:downBar>
-  <cs:dropLine>
-    <cs:lnRef idx="0"/>
-    <cs:fillRef idx="0"/>
-    <cs:effectRef idx="0"/>
-    <cs:fontRef idx="minor">
-      <a:schemeClr val="tx2"/>
-    </cs:fontRef>
-    <cs:spPr>
-      <a:ln w="9525">
-        <a:solidFill>
-          <a:schemeClr val="tx2">
-            <a:lumMod val="60000"/>
-            <a:lumOff val="40000"/>
-          </a:schemeClr>
-        </a:solidFill>
-        <a:prstDash val="dash"/>
-      </a:ln>
-    </cs:spPr>
-  </cs:dropLine>
-  <cs:errorBar>
-    <cs:lnRef idx="0"/>
-    <cs:fillRef idx="0"/>
-    <cs:effectRef idx="0"/>
-    <cs:fontRef idx="minor">
-      <a:schemeClr val="tx2"/>
-    </cs:fontRef>
-    <cs:spPr>
-      <a:ln w="9525">
-        <a:solidFill>
-          <a:schemeClr val="tx2">
-            <a:lumMod val="75000"/>
-            <a:lumOff val="25000"/>
-          </a:schemeClr>
-        </a:solidFill>
-        <a:round/>
-      </a:ln>
-    </cs:spPr>
-  </cs:errorBar>
-  <cs:floor>
-    <cs:lnRef idx="0"/>
-    <cs:fillRef idx="0"/>
-    <cs:effectRef idx="0"/>
-    <cs:fontRef idx="minor">
-      <a:schemeClr val="tx2"/>
-    </cs:fontRef>
-  </cs:floor>
-  <cs:gridlineMajor>
-    <cs:lnRef idx="0"/>
-    <cs:fillRef idx="0"/>
-    <cs:effectRef idx="0"/>
-    <cs:fontRef idx="minor">
-      <a:schemeClr val="tx2"/>
-    </cs:fontRef>
-    <cs:spPr>
-      <a:ln w="9525" cap="flat" cmpd="sng" algn="ctr">
-        <a:solidFill>
-          <a:schemeClr val="tx2">
-            <a:lumMod val="15000"/>
-            <a:lumOff val="85000"/>
-          </a:schemeClr>
-        </a:solidFill>
-        <a:round/>
-      </a:ln>
-    </cs:spPr>
-  </cs:gridlineMajor>
-  <cs:gridlineMinor>
-    <cs:lnRef idx="0"/>
-    <cs:fillRef idx="0"/>
-    <cs:effectRef idx="0"/>
-    <cs:fontRef idx="minor">
-      <a:schemeClr val="tx2"/>
-    </cs:fontRef>
-    <cs:spPr>
-      <a:ln>
-        <a:solidFill>
-          <a:schemeClr val="tx2">
-            <a:lumMod val="5000"/>
-            <a:lumOff val="95000"/>
-          </a:schemeClr>
-        </a:solidFill>
-      </a:ln>
-    </cs:spPr>
-  </cs:gridlineMinor>
-  <cs:hiLoLine>
-    <cs:lnRef idx="0"/>
-    <cs:fillRef idx="0"/>
-    <cs:effectRef idx="0"/>
-    <cs:fontRef idx="minor">
-      <a:schemeClr val="tx2"/>
-    </cs:fontRef>
-    <cs:spPr>
-      <a:ln w="9525">
-        <a:solidFill>
-          <a:schemeClr val="tx2">
-            <a:lumMod val="60000"/>
-            <a:lumOff val="40000"/>
-          </a:schemeClr>
-        </a:solidFill>
-        <a:prstDash val="dash"/>
-      </a:ln>
-    </cs:spPr>
-  </cs:hiLoLine>
-  <cs:leaderLine>
-    <cs:lnRef idx="0"/>
-    <cs:fillRef idx="0"/>
-    <cs:effectRef idx="0"/>
-    <cs:fontRef idx="minor">
-      <a:schemeClr val="tx2"/>
-    </cs:fontRef>
-    <cs:spPr>
-      <a:ln w="9525">
-        <a:solidFill>
-          <a:schemeClr val="tx2">
-            <a:lumMod val="35000"/>
-            <a:lumOff val="65000"/>
-          </a:schemeClr>
-        </a:solidFill>
-      </a:ln>
-    </cs:spPr>
-  </cs:leaderLine>
-  <cs:legend>
-    <cs:lnRef idx="0"/>
-    <cs:fillRef idx="0"/>
-    <cs:effectRef idx="0"/>
-    <cs:fontRef idx="minor">
-      <a:schemeClr val="tx2"/>
-    </cs:fontRef>
-    <cs:defRPr sz="1197" kern="1200"/>
-  </cs:legend>
-  <cs:plotArea>
-    <cs:lnRef idx="0"/>
-    <cs:fillRef idx="0"/>
-    <cs:effectRef idx="0"/>
-    <cs:fontRef idx="minor">
-      <a:schemeClr val="tx2"/>
-    </cs:fontRef>
-  </cs:plotArea>
-  <cs:plotArea3D>
-    <cs:lnRef idx="0"/>
-    <cs:fillRef idx="0"/>
-    <cs:effectRef idx="0"/>
-    <cs:fontRef idx="minor">
-      <a:schemeClr val="tx2"/>
-    </cs:fontRef>
-  </cs:plotArea3D>
-  <cs:seriesAxis>
-    <cs:lnRef idx="0"/>
-    <cs:fillRef idx="0"/>
-    <cs:effectRef idx="0"/>
-    <cs:fontRef idx="minor">
-      <a:schemeClr val="tx2"/>
-    </cs:fontRef>
-    <cs:spPr>
-      <a:ln w="9525" cap="flat" cmpd="sng" algn="ctr">
-        <a:solidFill>
-          <a:schemeClr val="tx2">
-            <a:lumMod val="15000"/>
-            <a:lumOff val="85000"/>
-          </a:schemeClr>
-        </a:solidFill>
-        <a:round/>
-      </a:ln>
-    </cs:spPr>
-    <cs:defRPr sz="1197" kern="1200"/>
-  </cs:seriesAxis>
-  <cs:seriesLine>
-    <cs:lnRef idx="0"/>
-    <cs:fillRef idx="0"/>
-    <cs:effectRef idx="0"/>
-    <cs:fontRef idx="minor">
-      <a:schemeClr val="tx2"/>
-    </cs:fontRef>
-    <cs:spPr>
-      <a:ln w="9525">
-        <a:solidFill>
-          <a:schemeClr val="tx2">
-            <a:lumMod val="60000"/>
-            <a:lumOff val="40000"/>
-          </a:schemeClr>
-        </a:solidFill>
-        <a:prstDash val="dash"/>
-      </a:ln>
-    </cs:spPr>
-  </cs:seriesLine>
-  <cs:title>
-    <cs:lnRef idx="0"/>
-    <cs:fillRef idx="0"/>
-    <cs:effectRef idx="0"/>
-    <cs:fontRef idx="minor">
-      <a:schemeClr val="tx2"/>
-    </cs:fontRef>
-    <cs:defRPr sz="2128" b="1" kern="1200"/>
-  </cs:title>
-  <cs:trendline>
-    <cs:lnRef idx="0">
-      <cs:styleClr val="auto"/>
-    </cs:lnRef>
-    <cs:fillRef idx="0"/>
-    <cs:effectRef idx="0"/>
-    <cs:fontRef idx="minor">
-      <a:schemeClr val="tx2"/>
-    </cs:fontRef>
-    <cs:spPr>
-      <a:ln w="19050" cap="rnd">
-        <a:solidFill>
-          <a:schemeClr val="phClr"/>
-        </a:solidFill>
-        <a:prstDash val="sysDash"/>
-      </a:ln>
-    </cs:spPr>
-  </cs:trendline>
-  <cs:trendlineLabel>
-    <cs:lnRef idx="0"/>
-    <cs:fillRef idx="0"/>
-    <cs:effectRef idx="0"/>
-    <cs:fontRef idx="minor">
-      <a:schemeClr val="tx2"/>
-    </cs:fontRef>
-    <cs:defRPr sz="1197" kern="1200"/>
-  </cs:trendlineLabel>
-  <cs:upBar>
-    <cs:lnRef idx="0"/>
-    <cs:fillRef idx="0"/>
-    <cs:effectRef idx="0"/>
-    <cs:fontRef idx="minor">
-      <a:schemeClr val="tx2"/>
-    </cs:fontRef>
-    <cs:spPr>
-      <a:solidFill>
-        <a:schemeClr val="lt1"/>
-      </a:solidFill>
-      <a:ln w="9525">
-        <a:solidFill>
-          <a:schemeClr val="tx1">
-            <a:lumMod val="15000"/>
-            <a:lumOff val="85000"/>
-          </a:schemeClr>
-        </a:solidFill>
-      </a:ln>
-    </cs:spPr>
-  </cs:upBar>
-  <cs:valueAxis>
-    <cs:lnRef idx="0"/>
-    <cs:fillRef idx="0"/>
-    <cs:effectRef idx="0"/>
-    <cs:fontRef idx="minor">
-      <a:schemeClr val="tx2"/>
-    </cs:fontRef>
-    <cs:defRPr sz="1197" kern="1200"/>
-  </cs:valueAxis>
-  <cs:wall>
-    <cs:lnRef idx="0"/>
-    <cs:fillRef idx="0"/>
-    <cs:effectRef idx="0"/>
-    <cs:fontRef idx="minor">
-      <a:schemeClr val="tx2"/>
-    </cs:fontRef>
-  </cs:wall>
-</cs:chartStyle>
-</file>
-
-<file path=ppt/diagrams/colors1.xml><?xml version="1.0" encoding="utf-8"?>
-<dgm:colorsDef xmlns:dgm="http://schemas.openxmlformats.org/drawingml/2006/diagram" xmlns:a="http://schemas.openxmlformats.org/drawingml/2006/main" uniqueId="urn:microsoft.com/office/officeart/2005/8/colors/accent1_1">
-  <dgm:title val=""/>
-  <dgm:desc val=""/>
-  <dgm:catLst>
-    <dgm:cat type="accent1" pri="11100"/>
-  </dgm:catLst>
-  <dgm:styleLbl name="node0">
-    <dgm:fillClrLst meth="repeat">
-      <a:schemeClr val="lt1"/>
-    </dgm:fillClrLst>
-    <dgm:linClrLst meth="repeat">
-      <a:schemeClr val="accent1">
-        <a:shade val="80000"/>
-      </a:schemeClr>
-    </dgm:linClrLst>
-    <dgm:effectClrLst/>
-    <dgm:txLinClrLst/>
-    <dgm:txFillClrLst meth="repeat">
-      <a:schemeClr val="dk1"/>
-    </dgm:txFillClrLst>
-    <dgm:txEffectClrLst/>
-  </dgm:styleLbl>
-  <dgm:styleLbl name="alignNode1">
-    <dgm:fillClrLst meth="repeat">
-      <a:schemeClr val="lt1"/>
-    </dgm:fillClrLst>
-    <dgm:linClrLst meth="repeat">
-      <a:schemeClr val="accent1">
-        <a:shade val="80000"/>
-      </a:schemeClr>
-    </dgm:linClrLst>
-    <dgm:effectClrLst/>
-    <dgm:txLinClrLst/>
-    <dgm:txFillClrLst meth="repeat">
-      <a:schemeClr val="dk1"/>
-    </dgm:txFillClrLst>
-    <dgm:txEffectClrLst/>
-  </dgm:styleLbl>
-  <dgm:styleLbl name="node1">
-    <dgm:fillClrLst meth="repeat">
-      <a:schemeClr val="lt1"/>
-    </dgm:fillClrLst>
-    <dgm:linClrLst meth="repeat">
-      <a:schemeClr val="accent1">
-        <a:shade val="80000"/>
-      </a:schemeClr>
-    </dgm:linClrLst>
-    <dgm:effectClrLst/>
-    <dgm:txLinClrLst/>
-    <dgm:txFillClrLst meth="repeat">
-      <a:schemeClr val="dk1"/>
-    </dgm:txFillClrLst>
-    <dgm:txEffectClrLst/>
-  </dgm:styleLbl>
-  <dgm:styleLbl name="lnNode1">
-    <dgm:fillClrLst meth="repeat">
-      <a:schemeClr val="lt1"/>
-    </dgm:fillClrLst>
-    <dgm:linClrLst meth="repeat">
-      <a:schemeClr val="accent1">
-        <a:shade val="80000"/>
-      </a:schemeClr>
-    </dgm:linClrLst>
-    <dgm:effectClrLst/>
-    <dgm:txLinClrLst/>
-    <dgm:txFillClrLst meth="repeat">
-      <a:schemeClr val="dk1"/>
-    </dgm:txFillClrLst>
-    <dgm:txEffectClrLst/>
-  </dgm:styleLbl>
-  <dgm:styleLbl name="vennNode1">
-    <dgm:fillClrLst meth="repeat">
-      <a:schemeClr val="lt1">
-        <a:alpha val="50000"/>
-      </a:schemeClr>
-    </dgm:fillClrLst>
-    <dgm:linClrLst meth="repeat">
-      <a:schemeClr val="accent1">
-        <a:shade val="80000"/>
-      </a:schemeClr>
-    </dgm:linClrLst>
-    <dgm:effectClrLst/>
-    <dgm:txLinClrLst/>
-    <dgm:txFillClrLst/>
-    <dgm:txEffectClrLst/>
-  </dgm:styleLbl>
-  <dgm:styleLbl name="node2">
-    <dgm:fillClrLst meth="repeat">
-      <a:schemeClr val="lt1"/>
-    </dgm:fillClrLst>
-    <dgm:linClrLst meth="repeat">
-      <a:schemeClr val="accent1">
-        <a:shade val="80000"/>
-      </a:schemeClr>
-    </dgm:linClrLst>
-    <dgm:effectClrLst/>
-    <dgm:txLinClrLst/>
-    <dgm:txFillClrLst meth="repeat">
-      <a:schemeClr val="dk1"/>
-    </dgm:txFillClrLst>
-    <dgm:txEffectClrLst/>
-  </dgm:styleLbl>
-  <dgm:styleLbl name="node3">
-    <dgm:fillClrLst meth="repeat">
-      <a:schemeClr val="lt1"/>
-    </dgm:fillClrLst>
-    <dgm:linClrLst meth="repeat">
-      <a:schemeClr val="accent1">
-        <a:shade val="80000"/>
-      </a:schemeClr>
-    </dgm:linClrLst>
-    <dgm:effectClrLst/>
-    <dgm:txLinClrLst/>
-    <dgm:txFillClrLst meth="repeat">
-      <a:schemeClr val="dk1"/>
-    </dgm:txFillClrLst>
-    <dgm:txEffectClrLst/>
-  </dgm:styleLbl>
-  <dgm:styleLbl name="node4">
-    <dgm:fillClrLst meth="repeat">
-      <a:schemeClr val="lt1"/>
-    </dgm:fillClrLst>
-    <dgm:linClrLst meth="repeat">
-      <a:schemeClr val="accent1">
-        <a:shade val="80000"/>
-      </a:schemeClr>
-    </dgm:linClrLst>
-    <dgm:effectClrLst/>
-    <dgm:txLinClrLst/>
-    <dgm:txFillClrLst meth="repeat">
-      <a:schemeClr val="dk1"/>
-    </dgm:txFillClrLst>
-    <dgm:txEffectClrLst/>
-  </dgm:styleLbl>
-  <dgm:styleLbl name="fgImgPlace1">
-    <dgm:fillClrLst meth="repeat">
-      <a:schemeClr val="accent1">
-        <a:tint val="40000"/>
-      </a:schemeClr>
-    </dgm:fillClrLst>
-    <dgm:linClrLst meth="repeat">
-      <a:schemeClr val="accent1">
-        <a:shade val="80000"/>
-      </a:schemeClr>
-    </dgm:linClrLst>
-    <dgm:effectClrLst/>
-    <dgm:txLinClrLst/>
-    <dgm:txFillClrLst meth="repeat">
-      <a:schemeClr val="lt1"/>
-    </dgm:txFillClrLst>
-    <dgm:txEffectClrLst/>
-  </dgm:styleLbl>
-  <dgm:styleLbl name="alignImgPlace1">
-    <dgm:fillClrLst meth="repeat">
-      <a:schemeClr val="accent1">
-        <a:tint val="40000"/>
-      </a:schemeClr>
-    </dgm:fillClrLst>
-    <dgm:linClrLst meth="repeat">
-      <a:schemeClr val="accent1">
-        <a:shade val="80000"/>
-      </a:schemeClr>
-    </dgm:linClrLst>
-    <dgm:effectClrLst/>
-    <dgm:txLinClrLst/>
-    <dgm:txFillClrLst meth="repeat">
-      <a:schemeClr val="lt1"/>
-    </dgm:txFillClrLst>
-    <dgm:txEffectClrLst/>
-  </dgm:styleLbl>
-  <dgm:styleLbl name="bgImgPlace1">
-    <dgm:fillClrLst meth="repeat">
-      <a:schemeClr val="accent1">
-        <a:tint val="40000"/>
-      </a:schemeClr>
-    </dgm:fillClrLst>
-    <dgm:linClrLst meth="repeat">
-      <a:schemeClr val="accent1">
-        <a:shade val="80000"/>
-      </a:schemeClr>
-    </dgm:linClrLst>
-    <dgm:effectClrLst/>
-    <dgm:txLinClrLst/>
-    <dgm:txFillClrLst meth="repeat">
-      <a:schemeClr val="lt1"/>
-    </dgm:txFillClrLst>
-    <dgm:txEffectClrLst/>
-  </dgm:styleLbl>
-  <dgm:styleLbl name="sibTrans2D1">
-    <dgm:fillClrLst meth="repeat">
-      <a:schemeClr val="accent1">
-        <a:tint val="60000"/>
-      </a:schemeClr>
-    </dgm:fillClrLst>
-    <dgm:linClrLst meth="repeat">
-      <a:schemeClr val="accent1">
-        <a:tint val="60000"/>
-      </a:schemeClr>
-    </dgm:linClrLst>
-    <dgm:effectClrLst/>
-    <dgm:txLinClrLst/>
-    <dgm:txFillClrLst meth="repeat">
-      <a:schemeClr val="dk1"/>
-    </dgm:txFillClrLst>
-    <dgm:txEffectClrLst/>
-  </dgm:styleLbl>
-  <dgm:styleLbl name="fgSibTrans2D1">
-    <dgm:fillClrLst meth="repeat">
-      <a:schemeClr val="accent1">
-        <a:tint val="60000"/>
-      </a:schemeClr>
-    </dgm:fillClrLst>
-    <dgm:linClrLst meth="repeat">
-      <a:schemeClr val="accent1">
-        <a:tint val="60000"/>
-      </a:schemeClr>
-    </dgm:linClrLst>
-    <dgm:effectClrLst/>
-    <dgm:txLinClrLst/>
-    <dgm:txFillClrLst meth="repeat">
-      <a:schemeClr val="dk1"/>
-    </dgm:txFillClrLst>
-    <dgm:txEffectClrLst/>
-  </dgm:styleLbl>
-  <dgm:styleLbl name="bgSibTrans2D1">
-    <dgm:fillClrLst meth="repeat">
-      <a:schemeClr val="accent1">
-        <a:tint val="60000"/>
-      </a:schemeClr>
-    </dgm:fillClrLst>
-    <dgm:linClrLst meth="repeat">
-      <a:schemeClr val="accent1">
-        <a:tint val="60000"/>
-      </a:schemeClr>
-    </dgm:linClrLst>
-    <dgm:effectClrLst/>
-    <dgm:txLinClrLst/>
-    <dgm:txFillClrLst meth="repeat">
-      <a:schemeClr val="dk1"/>
-    </dgm:txFillClrLst>
-    <dgm:txEffectClrLst/>
-  </dgm:styleLbl>
-  <dgm:styleLbl name="sibTrans1D1">
-    <dgm:fillClrLst meth="repeat">
-      <a:schemeClr val="accent1"/>
-    </dgm:fillClrLst>
-    <dgm:linClrLst meth="repeat">
-      <a:schemeClr val="accent1"/>
-    </dgm:linClrLst>
-    <dgm:effectClrLst/>
-    <dgm:txLinClrLst/>
-    <dgm:txFillClrLst meth="repeat">
-      <a:schemeClr val="tx1"/>
-    </dgm:txFillClrLst>
-    <dgm:txEffectClrLst/>
-  </dgm:styleLbl>
-  <dgm:styleLbl name="callout">
-    <dgm:fillClrLst meth="repeat">
-      <a:schemeClr val="accent1"/>
-    </dgm:fillClrLst>
-    <dgm:linClrLst meth="repeat">
-      <a:schemeClr val="accent1"/>
-    </dgm:linClrLst>
-    <dgm:effectClrLst/>
-    <dgm:txLinClrLst/>
-    <dgm:txFillClrLst meth="repeat">
-      <a:schemeClr val="tx1"/>
-    </dgm:txFillClrLst>
-    <dgm:txEffectClrLst/>
-  </dgm:styleLbl>
-  <dgm:styleLbl name="asst0">
-    <dgm:fillClrLst meth="repeat">
-      <a:schemeClr val="lt1"/>
-    </dgm:fillClrLst>
-    <dgm:linClrLst meth="repeat">
-      <a:schemeClr val="accent1">
-        <a:shade val="80000"/>
-      </a:schemeClr>
-    </dgm:linClrLst>
-    <dgm:effectClrLst/>
-    <dgm:txLinClrLst/>
-    <dgm:txFillClrLst meth="repeat">
-      <a:schemeClr val="dk1"/>
-    </dgm:txFillClrLst>
-    <dgm:txEffectClrLst/>
-  </dgm:styleLbl>
-  <dgm:styleLbl name="asst1">
-    <dgm:fillClrLst meth="repeat">
-      <a:schemeClr val="lt1"/>
-    </dgm:fillClrLst>
-    <dgm:linClrLst meth="repeat">
-      <a:schemeClr val="accent1">
-        <a:shade val="80000"/>
-      </a:schemeClr>
-    </dgm:linClrLst>
-    <dgm:effectClrLst/>
-    <dgm:txLinClrLst/>
-    <dgm:txFillClrLst meth="repeat">
-      <a:schemeClr val="dk1"/>
-    </dgm:txFillClrLst>
-    <dgm:txEffectClrLst/>
-  </dgm:styleLbl>
-  <dgm:styleLbl name="asst2">
-    <dgm:fillClrLst meth="repeat">
-      <a:schemeClr val="lt1"/>
-    </dgm:fillClrLst>
-    <dgm:linClrLst meth="repeat">
-      <a:schemeClr val="accent1">
-        <a:shade val="80000"/>
-      </a:schemeClr>
-    </dgm:linClrLst>
-    <dgm:effectClrLst/>
-    <dgm:txLinClrLst/>
-    <dgm:txFillClrLst meth="repeat">
-      <a:schemeClr val="dk1"/>
-    </dgm:txFillClrLst>
-    <dgm:txEffectClrLst/>
-  </dgm:styleLbl>
-  <dgm:styleLbl name="asst3">
-    <dgm:fillClrLst meth="repeat">
-      <a:schemeClr val="lt1"/>
-    </dgm:fillClrLst>
-    <dgm:linClrLst meth="repeat">
-      <a:schemeClr val="accent1">
-        <a:shade val="80000"/>
-      </a:schemeClr>
-    </dgm:linClrLst>
-    <dgm:effectClrLst/>
-    <dgm:txLinClrLst/>
-    <dgm:txFillClrLst meth="repeat">
-      <a:schemeClr val="dk1"/>
-    </dgm:txFillClrLst>
-    <dgm:txEffectClrLst/>
-  </dgm:styleLbl>
-  <dgm:styleLbl name="asst4">
-    <dgm:fillClrLst meth="repeat">
-      <a:schemeClr val="lt1"/>
-    </dgm:fillClrLst>
-    <dgm:linClrLst meth="repeat">
-      <a:schemeClr val="accent1">
-        <a:shade val="80000"/>
-      </a:schemeClr>
-    </dgm:linClrLst>
-    <dgm:effectClrLst/>
-    <dgm:txLinClrLst/>
-    <dgm:txFillClrLst meth="repeat">
-      <a:schemeClr val="dk1"/>
-    </dgm:txFillClrLst>
-    <dgm:txEffectClrLst/>
-  </dgm:styleLbl>
-  <dgm:styleLbl name="parChTrans2D1">
-    <dgm:fillClrLst meth="repeat">
-      <a:schemeClr val="accent1">
-        <a:tint val="60000"/>
-      </a:schemeClr>
-    </dgm:fillClrLst>
-    <dgm:linClrLst meth="repeat">
-      <a:schemeClr val="accent1">
-        <a:tint val="60000"/>
-      </a:schemeClr>
-    </dgm:linClrLst>
-    <dgm:effectClrLst/>
-    <dgm:txLinClrLst/>
-    <dgm:txFillClrLst/>
-    <dgm:txEffectClrLst/>
-  </dgm:styleLbl>
-  <dgm:styleLbl name="parChTrans2D2">
-    <dgm:fillClrLst meth="repeat">
-      <a:schemeClr val="accent1"/>
-    </dgm:fillClrLst>
-    <dgm:linClrLst meth="repeat">
-      <a:schemeClr val="accent1"/>
-    </dgm:linClrLst>
-    <dgm:effectClrLst/>
-    <dgm:txLinClrLst/>
-    <dgm:txFillClrLst/>
-    <dgm:txEffectClrLst/>
-  </dgm:styleLbl>
-  <dgm:styleLbl name="parChTrans2D3">
-    <dgm:fillClrLst meth="repeat">
-      <a:schemeClr val="accent1"/>
-    </dgm:fillClrLst>
-    <dgm:linClrLst meth="repeat">
-      <a:schemeClr val="accent1"/>
-    </dgm:linClrLst>
-    <dgm:effectClrLst/>
-    <dgm:txLinClrLst/>
-    <dgm:txFillClrLst/>
-    <dgm:txEffectClrLst/>
-  </dgm:styleLbl>
-  <dgm:styleLbl name="parChTrans2D4">
-    <dgm:fillClrLst meth="repeat">
-      <a:schemeClr val="accent1"/>
-    </dgm:fillClrLst>
-    <dgm:linClrLst meth="repeat">
-      <a:schemeClr val="accent1"/>
-    </dgm:linClrLst>
-    <dgm:effectClrLst/>
-    <dgm:txLinClrLst/>
-    <dgm:txFillClrLst meth="repeat">
-      <a:schemeClr val="lt1"/>
-    </dgm:txFillClrLst>
-    <dgm:txEffectClrLst/>
-  </dgm:styleLbl>
-  <dgm:styleLbl name="parChTrans1D1">
-    <dgm:fillClrLst meth="repeat">
-      <a:schemeClr val="accent1"/>
-    </dgm:fillClrLst>
-    <dgm:linClrLst meth="repeat">
-      <a:schemeClr val="accent1">
-        <a:shade val="60000"/>
-      </a:schemeClr>
-    </dgm:linClrLst>
-    <dgm:effectClrLst/>
-    <dgm:txLinClrLst/>
-    <dgm:txFillClrLst meth="repeat">
-      <a:schemeClr val="tx1"/>
-    </dgm:txFillClrLst>
-    <dgm:txEffectClrLst/>
-  </dgm:styleLbl>
-  <dgm:styleLbl name="parChTrans1D2">
-    <dgm:fillClrLst meth="repeat">
-      <a:schemeClr val="accent1"/>
-    </dgm:fillClrLst>
-    <dgm:linClrLst meth="repeat">
-      <a:schemeClr val="accent1">
-        <a:shade val="60000"/>
-      </a:schemeClr>
-    </dgm:linClrLst>
-    <dgm:effectClrLst/>
-    <dgm:txLinClrLst/>
-    <dgm:txFillClrLst meth="repeat">
-      <a:schemeClr val="tx1"/>
-    </dgm:txFillClrLst>
-    <dgm:txEffectClrLst/>
-  </dgm:styleLbl>
-  <dgm:styleLbl name="parChTrans1D3">
-    <dgm:fillClrLst meth="repeat">
-      <a:schemeClr val="accent1"/>
-    </dgm:fillClrLst>
-    <dgm:linClrLst meth="repeat">
-      <a:schemeClr val="accent1">
-        <a:shade val="80000"/>
-      </a:schemeClr>
-    </dgm:linClrLst>
-    <dgm:effectClrLst/>
-    <dgm:txLinClrLst/>
-    <dgm:txFillClrLst meth="repeat">
-      <a:schemeClr val="tx1"/>
-    </dgm:txFillClrLst>
-    <dgm:txEffectClrLst/>
-  </dgm:styleLbl>
-  <dgm:styleLbl name="parChTrans1D4">
-    <dgm:fillClrLst meth="repeat">
-      <a:schemeClr val="accent1"/>
-    </dgm:fillClrLst>
-    <dgm:linClrLst meth="repeat">
-      <a:schemeClr val="accent1">
-        <a:shade val="80000"/>
-      </a:schemeClr>
-    </dgm:linClrLst>
-    <dgm:effectClrLst/>
-    <dgm:txLinClrLst/>
-    <dgm:txFillClrLst meth="repeat">
-      <a:schemeClr val="tx1"/>
-    </dgm:txFillClrLst>
-    <dgm:txEffectClrLst/>
-  </dgm:styleLbl>
-  <dgm:styleLbl name="fgAcc1">
-    <dgm:fillClrLst meth="repeat">
-      <a:schemeClr val="accent1">
-        <a:alpha val="90000"/>
-        <a:tint val="40000"/>
-      </a:schemeClr>
-    </dgm:fillClrLst>
-    <dgm:linClrLst meth="repeat">
-      <a:schemeClr val="accent1"/>
-    </dgm:linClrLst>
-    <dgm:effectClrLst/>
-    <dgm:txLinClrLst/>
-    <dgm:txFillClrLst meth="repeat">
-      <a:schemeClr val="dk1"/>
-    </dgm:txFillClrLst>
-    <dgm:txEffectClrLst/>
-  </dgm:styleLbl>
-  <dgm:styleLbl name="conFgAcc1">
-    <dgm:fillClrLst meth="repeat">
-      <a:schemeClr val="accent1">
-        <a:alpha val="90000"/>
-        <a:tint val="40000"/>
-      </a:schemeClr>
-    </dgm:fillClrLst>
-    <dgm:linClrLst meth="repeat">
-      <a:schemeClr val="accent1"/>
-    </dgm:linClrLst>
-    <dgm:effectClrLst/>
-    <dgm:txLinClrLst/>
-    <dgm:txFillClrLst meth="repeat">
-      <a:schemeClr val="dk1"/>
-    </dgm:txFillClrLst>
-    <dgm:txEffectClrLst/>
-  </dgm:styleLbl>
-  <dgm:styleLbl name="alignAcc1">
-    <dgm:fillClrLst meth="repeat">
-      <a:schemeClr val="accent1">
-        <a:alpha val="90000"/>
-        <a:tint val="40000"/>
-      </a:schemeClr>
-    </dgm:fillClrLst>
-    <dgm:linClrLst meth="repeat">
-      <a:schemeClr val="accent1"/>
-    </dgm:linClrLst>
-    <dgm:effectClrLst/>
-    <dgm:txLinClrLst/>
-    <dgm:txFillClrLst meth="repeat">
-      <a:schemeClr val="dk1"/>
-    </dgm:txFillClrLst>
-    <dgm:txEffectClrLst/>
-  </dgm:styleLbl>
-  <dgm:styleLbl name="trAlignAcc1">
-    <dgm:fillClrLst meth="repeat">
-      <a:schemeClr val="accent1">
-        <a:alpha val="40000"/>
-        <a:tint val="40000"/>
-      </a:schemeClr>
-    </dgm:fillClrLst>
-    <dgm:linClrLst meth="repeat">
-      <a:schemeClr val="accent1"/>
-    </dgm:linClrLst>
-    <dgm:effectClrLst/>
-    <dgm:txLinClrLst/>
-    <dgm:txFillClrLst meth="repeat">
-      <a:schemeClr val="dk1"/>
-    </dgm:txFillClrLst>
-    <dgm:txEffectClrLst/>
-  </dgm:styleLbl>
-  <dgm:styleLbl name="bgAcc1">
-    <dgm:fillClrLst meth="repeat">
-      <a:schemeClr val="accent1">
-        <a:alpha val="90000"/>
-        <a:tint val="40000"/>
-      </a:schemeClr>
-    </dgm:fillClrLst>
-    <dgm:linClrLst meth="repeat">
-      <a:schemeClr val="accent1"/>
-    </dgm:linClrLst>
-    <dgm:effectClrLst/>
-    <dgm:txLinClrLst/>
-    <dgm:txFillClrLst meth="repeat">
-      <a:schemeClr val="dk1"/>
-    </dgm:txFillClrLst>
-    <dgm:txEffectClrLst/>
-  </dgm:styleLbl>
-  <dgm:styleLbl name="solidFgAcc1">
-    <dgm:fillClrLst meth="repeat">
-      <a:schemeClr val="lt1"/>
-    </dgm:fillClrLst>
-    <dgm:linClrLst meth="repeat">
-      <a:schemeClr val="accent1"/>
-    </dgm:linClrLst>
-    <dgm:effectClrLst/>
-    <dgm:txLinClrLst/>
-    <dgm:txFillClrLst meth="repeat">
-      <a:schemeClr val="dk1"/>
-    </dgm:txFillClrLst>
-    <dgm:txEffectClrLst/>
-  </dgm:styleLbl>
-  <dgm:styleLbl name="solidAlignAcc1">
-    <dgm:fillClrLst meth="repeat">
-      <a:schemeClr val="lt1"/>
-    </dgm:fillClrLst>
-    <dgm:linClrLst meth="repeat">
-      <a:schemeClr val="accent1"/>
-    </dgm:linClrLst>
-    <dgm:effectClrLst/>
-    <dgm:txLinClrLst/>
-    <dgm:txFillClrLst meth="repeat">
-      <a:schemeClr val="dk1"/>
-    </dgm:txFillClrLst>
-    <dgm:txEffectClrLst/>
-  </dgm:styleLbl>
-  <dgm:styleLbl name="solidBgAcc1">
-    <dgm:fillClrLst meth="repeat">
-      <a:schemeClr val="lt1"/>
-    </dgm:fillClrLst>
-    <dgm:linClrLst meth="repeat">
-      <a:schemeClr val="accent1"/>
-    </dgm:linClrLst>
-    <dgm:effectClrLst/>
-    <dgm:txLinClrLst/>
-    <dgm:txFillClrLst meth="repeat">
-      <a:schemeClr val="dk1"/>
-    </dgm:txFillClrLst>
-    <dgm:txEffectClrLst/>
-  </dgm:styleLbl>
-  <dgm:styleLbl name="fgAccFollowNode1">
-    <dgm:fillClrLst meth="repeat">
-      <a:schemeClr val="lt1">
-        <a:alpha val="90000"/>
-        <a:tint val="40000"/>
-      </a:schemeClr>
-    </dgm:fillClrLst>
-    <dgm:linClrLst meth="repeat">
-      <a:schemeClr val="accent1">
-        <a:alpha val="90000"/>
-      </a:schemeClr>
-    </dgm:linClrLst>
-    <dgm:effectClrLst/>
-    <dgm:txLinClrLst/>
-    <dgm:txFillClrLst meth="repeat">
-      <a:schemeClr val="dk1"/>
-    </dgm:txFillClrLst>
-    <dgm:txEffectClrLst/>
-  </dgm:styleLbl>
-  <dgm:styleLbl name="alignAccFollowNode1">
-    <dgm:fillClrLst meth="repeat">
-      <a:schemeClr val="lt1">
-        <a:alpha val="90000"/>
-        <a:tint val="40000"/>
-      </a:schemeClr>
-    </dgm:fillClrLst>
-    <dgm:linClrLst meth="repeat">
-      <a:schemeClr val="accent1">
-        <a:alpha val="90000"/>
-      </a:schemeClr>
-    </dgm:linClrLst>
-    <dgm:effectClrLst/>
-    <dgm:txLinClrLst/>
-    <dgm:txFillClrLst meth="repeat">
-      <a:schemeClr val="dk1"/>
-    </dgm:txFillClrLst>
-    <dgm:txEffectClrLst/>
-  </dgm:styleLbl>
-  <dgm:styleLbl name="bgAccFollowNode1">
-    <dgm:fillClrLst meth="repeat">
-      <a:schemeClr val="lt1">
-        <a:alpha val="90000"/>
-        <a:tint val="40000"/>
-      </a:schemeClr>
-    </dgm:fillClrLst>
-    <dgm:linClrLst meth="repeat">
-      <a:schemeClr val="accent1">
-        <a:alpha val="90000"/>
-      </a:schemeClr>
-    </dgm:linClrLst>
-    <dgm:effectClrLst/>
-    <dgm:txLinClrLst/>
-    <dgm:txFillClrLst meth="repeat">
-      <a:schemeClr val="dk1"/>
-    </dgm:txFillClrLst>
-    <dgm:txEffectClrLst/>
-  </dgm:styleLbl>
-  <dgm:styleLbl name="fgAcc0">
-    <dgm:fillClrLst meth="repeat">
-      <a:schemeClr val="accent1">
-        <a:alpha val="90000"/>
-        <a:tint val="40000"/>
-      </a:schemeClr>
-    </dgm:fillClrLst>
-    <dgm:linClrLst meth="repeat">
-      <a:schemeClr val="accent1"/>
-    </dgm:linClrLst>
-    <dgm:effectClrLst/>
-    <dgm:txLinClrLst/>
-    <dgm:txFillClrLst meth="repeat">
-      <a:schemeClr val="dk1"/>
-    </dgm:txFillClrLst>
-    <dgm:txEffectClrLst/>
-  </dgm:styleLbl>
-  <dgm:styleLbl name="fgAcc2">
-    <dgm:fillClrLst meth="repeat">
-      <a:schemeClr val="accent1">
-        <a:alpha val="90000"/>
-        <a:tint val="40000"/>
-      </a:schemeClr>
-    </dgm:fillClrLst>
-    <dgm:linClrLst meth="repeat">
-      <a:schemeClr val="accent1"/>
-    </dgm:linClrLst>
-    <dgm:effectClrLst/>
-    <dgm:txLinClrLst/>
-    <dgm:txFillClrLst meth="repeat">
-      <a:schemeClr val="dk1"/>
-    </dgm:txFillClrLst>
-    <dgm:txEffectClrLst/>
-  </dgm:styleLbl>
-  <dgm:styleLbl name="fgAcc3">
-    <dgm:fillClrLst meth="repeat">
-      <a:schemeClr val="accent1">
-        <a:alpha val="90000"/>
-        <a:tint val="40000"/>
-      </a:schemeClr>
-    </dgm:fillClrLst>
-    <dgm:linClrLst meth="repeat">
-      <a:schemeClr val="accent1"/>
-    </dgm:linClrLst>
-    <dgm:effectClrLst/>
-    <dgm:txLinClrLst/>
-    <dgm:txFillClrLst meth="repeat">
-      <a:schemeClr val="dk1"/>
-    </dgm:txFillClrLst>
-    <dgm:txEffectClrLst/>
-  </dgm:styleLbl>
-  <dgm:styleLbl name="fgAcc4">
-    <dgm:fillClrLst meth="repeat">
-      <a:schemeClr val="accent1">
-        <a:alpha val="90000"/>
-        <a:tint val="40000"/>
-      </a:schemeClr>
-    </dgm:fillClrLst>
-    <dgm:linClrLst meth="repeat">
-      <a:schemeClr val="accent1"/>
-    </dgm:linClrLst>
-    <dgm:effectClrLst/>
-    <dgm:txLinClrLst/>
-    <dgm:txFillClrLst meth="repeat">
-      <a:schemeClr val="dk1"/>
-    </dgm:txFillClrLst>
-    <dgm:txEffectClrLst/>
-  </dgm:styleLbl>
-  <dgm:styleLbl name="bgShp">
-    <dgm:fillClrLst meth="repeat">
-      <a:schemeClr val="accent1">
-        <a:tint val="40000"/>
-      </a:schemeClr>
-    </dgm:fillClrLst>
-    <dgm:linClrLst meth="repeat">
-      <a:schemeClr val="accent1"/>
-    </dgm:linClrLst>
-    <dgm:effectClrLst/>
-    <dgm:txLinClrLst/>
-    <dgm:txFillClrLst meth="repeat">
-      <a:schemeClr val="dk1"/>
-    </dgm:txFillClrLst>
-    <dgm:txEffectClrLst/>
-  </dgm:styleLbl>
-  <dgm:styleLbl name="dkBgShp">
-    <dgm:fillClrLst meth="repeat">
-      <a:schemeClr val="accent1">
-        <a:shade val="80000"/>
-      </a:schemeClr>
-    </dgm:fillClrLst>
-    <dgm:linClrLst meth="repeat">
-      <a:schemeClr val="accent1"/>
-    </dgm:linClrLst>
-    <dgm:effectClrLst/>
-    <dgm:txLinClrLst/>
-    <dgm:txFillClrLst meth="repeat">
-      <a:schemeClr val="lt1"/>
-    </dgm:txFillClrLst>
-    <dgm:txEffectClrLst/>
-  </dgm:styleLbl>
-  <dgm:styleLbl name="trBgShp">
-    <dgm:fillClrLst meth="repeat">
-      <a:schemeClr val="accent1">
-        <a:tint val="50000"/>
-        <a:alpha val="40000"/>
-      </a:schemeClr>
-    </dgm:fillClrLst>
-    <dgm:linClrLst meth="repeat">
-      <a:schemeClr val="accent1"/>
-    </dgm:linClrLst>
-    <dgm:effectClrLst/>
-    <dgm:txLinClrLst/>
-    <dgm:txFillClrLst meth="repeat">
-      <a:schemeClr val="lt1"/>
-    </dgm:txFillClrLst>
-    <dgm:txEffectClrLst/>
-  </dgm:styleLbl>
-  <dgm:styleLbl name="fgShp">
-    <dgm:fillClrLst meth="repeat">
-      <a:schemeClr val="accent1">
-        <a:tint val="60000"/>
-      </a:schemeClr>
-    </dgm:fillClrLst>
-    <dgm:linClrLst meth="repeat">
-      <a:schemeClr val="lt1"/>
-    </dgm:linClrLst>
-    <dgm:effectClrLst/>
-    <dgm:txLinClrLst/>
-    <dgm:txFillClrLst meth="repeat">
-      <a:schemeClr val="dk1"/>
-    </dgm:txFillClrLst>
-    <dgm:txEffectClrLst/>
-  </dgm:styleLbl>
-  <dgm:styleLbl name="revTx">
-    <dgm:fillClrLst meth="repeat">
-      <a:schemeClr val="lt1">
-        <a:alpha val="0"/>
-      </a:schemeClr>
-    </dgm:fillClrLst>
-    <dgm:linClrLst meth="repeat">
-      <a:schemeClr val="dk1">
-        <a:alpha val="0"/>
-      </a:schemeClr>
-    </dgm:linClrLst>
-    <dgm:effectClrLst/>
-    <dgm:txLinClrLst/>
-    <dgm:txFillClrLst meth="repeat">
-      <a:schemeClr val="tx1"/>
-    </dgm:txFillClrLst>
-    <dgm:txEffectClrLst/>
-  </dgm:styleLbl>
-</dgm:colorsDef>
-</file>
-
-<file path=ppt/diagrams/data1.xml><?xml version="1.0" encoding="utf-8"?>
-<dgm:dataModel xmlns:dgm="http://schemas.openxmlformats.org/drawingml/2006/diagram" xmlns:a="http://schemas.openxmlformats.org/drawingml/2006/main">
-  <dgm:ptLst>
-    <dgm:pt modelId="{FBA29113-7A70-4E0E-B036-871C49B835F1}" type="doc">
-      <dgm:prSet loTypeId="urn:microsoft.com/office/officeart/2005/8/layout/hProcess6" loCatId="process" qsTypeId="urn:microsoft.com/office/officeart/2005/8/quickstyle/simple1" qsCatId="simple" csTypeId="urn:microsoft.com/office/officeart/2005/8/colors/accent1_1" csCatId="accent1" phldr="1"/>
-      <dgm:spPr/>
-      <dgm:t>
-        <a:bodyPr rtlCol="0"/>
-        <a:lstStyle/>
-        <a:p>
-          <a:pPr rtl="0"/>
-          <a:endParaRPr lang="en-US"/>
-        </a:p>
-      </dgm:t>
-    </dgm:pt>
-    <dgm:pt modelId="{A6406C01-7E83-4650-8EF5-394419DCB348}">
-      <dgm:prSet phldrT="[Text]"/>
-      <dgm:spPr/>
-      <dgm:t>
-        <a:bodyPr rtlCol="0"/>
-        <a:lstStyle/>
-        <a:p>
-          <a:pPr rtl="0"/>
-          <a:r>
-            <a:rPr lang="zh-CN" altLang="en-US" noProof="0" dirty="0">
-              <a:latin typeface="微软雅黑" panose="020B0503020204020204" pitchFamily="34" charset="-122"/>
-              <a:ea typeface="微软雅黑" panose="020B0503020204020204" pitchFamily="34" charset="-122"/>
-            </a:rPr>
-            <a:t>步骤 </a:t>
-          </a:r>
-          <a:r>
-            <a:rPr lang="en-US" altLang="zh-CN" noProof="0" dirty="0">
-              <a:latin typeface="微软雅黑" panose="020B0503020204020204" pitchFamily="34" charset="-122"/>
-              <a:ea typeface="微软雅黑" panose="020B0503020204020204" pitchFamily="34" charset="-122"/>
-            </a:rPr>
-            <a:t>1 </a:t>
-          </a:r>
-          <a:r>
-            <a:rPr lang="zh-CN" altLang="en-US" noProof="0" dirty="0">
-              <a:latin typeface="微软雅黑" panose="020B0503020204020204" pitchFamily="34" charset="-122"/>
-              <a:ea typeface="微软雅黑" panose="020B0503020204020204" pitchFamily="34" charset="-122"/>
-            </a:rPr>
-            <a:t>标题</a:t>
-          </a:r>
-        </a:p>
-      </dgm:t>
-      <dgm:extLst>
-        <a:ext uri="{E40237B7-FDA0-4F09-8148-C483321AD2D9}">
-          <dgm14:cNvPr xmlns:dgm14="http://schemas.microsoft.com/office/drawing/2010/diagram" id="0" name="" title="Step 1 title"/>
-        </a:ext>
-      </dgm:extLst>
-    </dgm:pt>
-    <dgm:pt modelId="{2586B3BB-DA8B-42DF-AC9A-77CE21607FD0}" type="parTrans" cxnId="{4D956F8D-5727-488A-93AF-F33602655A44}">
-      <dgm:prSet/>
-      <dgm:spPr/>
-      <dgm:t>
-        <a:bodyPr rtlCol="0"/>
-        <a:lstStyle/>
-        <a:p>
-          <a:pPr rtl="0"/>
-          <a:endParaRPr lang="en-US">
-            <a:latin typeface="微软雅黑" panose="020B0503020204020204" pitchFamily="34" charset="-122"/>
-            <a:ea typeface="微软雅黑" panose="020B0503020204020204" pitchFamily="34" charset="-122"/>
-          </a:endParaRPr>
-        </a:p>
-      </dgm:t>
-    </dgm:pt>
-    <dgm:pt modelId="{7C5B61F0-A4F6-4FCA-B552-36151F31051E}" type="sibTrans" cxnId="{4D956F8D-5727-488A-93AF-F33602655A44}">
-      <dgm:prSet/>
-      <dgm:spPr/>
-      <dgm:t>
-        <a:bodyPr rtlCol="0"/>
-        <a:lstStyle/>
-        <a:p>
-          <a:pPr rtl="0"/>
-          <a:endParaRPr lang="en-US">
-            <a:latin typeface="微软雅黑" panose="020B0503020204020204" pitchFamily="34" charset="-122"/>
-            <a:ea typeface="微软雅黑" panose="020B0503020204020204" pitchFamily="34" charset="-122"/>
-          </a:endParaRPr>
-        </a:p>
-      </dgm:t>
-    </dgm:pt>
-    <dgm:pt modelId="{E4E9F0D0-FF23-4B59-9B97-973BCBE5DC65}">
-      <dgm:prSet phldrT="[Text]"/>
-      <dgm:spPr/>
-      <dgm:t>
-        <a:bodyPr rtlCol="0"/>
-        <a:lstStyle/>
-        <a:p>
-          <a:pPr rtl="0"/>
-          <a:r>
-            <a:rPr lang="zh-CN" altLang="en-US" noProof="0" dirty="0">
-              <a:latin typeface="微软雅黑" panose="020B0503020204020204" pitchFamily="34" charset="-122"/>
-              <a:ea typeface="微软雅黑" panose="020B0503020204020204" pitchFamily="34" charset="-122"/>
-            </a:rPr>
-            <a:t>任务描述</a:t>
-          </a:r>
-        </a:p>
-      </dgm:t>
-      <dgm:extLst>
-        <a:ext uri="{E40237B7-FDA0-4F09-8148-C483321AD2D9}">
-          <dgm14:cNvPr xmlns:dgm14="http://schemas.microsoft.com/office/drawing/2010/diagram" id="0" name="" title="Step 1 - task description"/>
-        </a:ext>
-      </dgm:extLst>
-    </dgm:pt>
-    <dgm:pt modelId="{E9237435-F938-45D4-8BF4-6D5D4DFF850F}" type="parTrans" cxnId="{37A3A996-9723-4BDB-8959-9D9B7799BD9A}">
-      <dgm:prSet/>
-      <dgm:spPr/>
-      <dgm:t>
-        <a:bodyPr rtlCol="0"/>
-        <a:lstStyle/>
-        <a:p>
-          <a:pPr rtl="0"/>
-          <a:endParaRPr lang="en-US">
-            <a:latin typeface="微软雅黑" panose="020B0503020204020204" pitchFamily="34" charset="-122"/>
-            <a:ea typeface="微软雅黑" panose="020B0503020204020204" pitchFamily="34" charset="-122"/>
-          </a:endParaRPr>
-        </a:p>
-      </dgm:t>
-    </dgm:pt>
-    <dgm:pt modelId="{D32B195A-7CAD-474B-B79C-BE4BB171E742}" type="sibTrans" cxnId="{37A3A996-9723-4BDB-8959-9D9B7799BD9A}">
-      <dgm:prSet/>
-      <dgm:spPr/>
-      <dgm:t>
-        <a:bodyPr rtlCol="0"/>
-        <a:lstStyle/>
-        <a:p>
-          <a:pPr rtl="0"/>
-          <a:endParaRPr lang="en-US">
-            <a:latin typeface="微软雅黑" panose="020B0503020204020204" pitchFamily="34" charset="-122"/>
-            <a:ea typeface="微软雅黑" panose="020B0503020204020204" pitchFamily="34" charset="-122"/>
-          </a:endParaRPr>
-        </a:p>
-      </dgm:t>
-    </dgm:pt>
-    <dgm:pt modelId="{5D952622-A79E-41E4-BBC2-6212DEFFA91C}">
-      <dgm:prSet phldrT="[Text]"/>
-      <dgm:spPr/>
-      <dgm:t>
-        <a:bodyPr rtlCol="0"/>
-        <a:lstStyle/>
-        <a:p>
-          <a:pPr rtl="0"/>
-          <a:r>
-            <a:rPr lang="zh-CN" altLang="en-US" noProof="0" dirty="0">
-              <a:latin typeface="微软雅黑" panose="020B0503020204020204" pitchFamily="34" charset="-122"/>
-              <a:ea typeface="微软雅黑" panose="020B0503020204020204" pitchFamily="34" charset="-122"/>
-            </a:rPr>
-            <a:t>步骤 </a:t>
-          </a:r>
-          <a:r>
-            <a:rPr lang="en-US" altLang="zh-CN" noProof="0" dirty="0">
-              <a:latin typeface="微软雅黑" panose="020B0503020204020204" pitchFamily="34" charset="-122"/>
-              <a:ea typeface="微软雅黑" panose="020B0503020204020204" pitchFamily="34" charset="-122"/>
-            </a:rPr>
-            <a:t>2 </a:t>
-          </a:r>
-          <a:r>
-            <a:rPr lang="zh-CN" altLang="en-US" noProof="0" dirty="0">
-              <a:latin typeface="微软雅黑" panose="020B0503020204020204" pitchFamily="34" charset="-122"/>
-              <a:ea typeface="微软雅黑" panose="020B0503020204020204" pitchFamily="34" charset="-122"/>
-            </a:rPr>
-            <a:t>标题</a:t>
-          </a:r>
-        </a:p>
-      </dgm:t>
-      <dgm:extLst>
-        <a:ext uri="{E40237B7-FDA0-4F09-8148-C483321AD2D9}">
-          <dgm14:cNvPr xmlns:dgm14="http://schemas.microsoft.com/office/drawing/2010/diagram" id="0" name="" title="Step 2 title"/>
-        </a:ext>
-      </dgm:extLst>
-    </dgm:pt>
-    <dgm:pt modelId="{10627A68-BE4B-4A4A-9EC9-4CFEF1E4DF39}" type="parTrans" cxnId="{A22BDB9A-90BB-4DA2-8850-00D4F1D3B898}">
-      <dgm:prSet/>
-      <dgm:spPr/>
-      <dgm:t>
-        <a:bodyPr rtlCol="0"/>
-        <a:lstStyle/>
-        <a:p>
-          <a:pPr rtl="0"/>
-          <a:endParaRPr lang="en-US">
-            <a:latin typeface="微软雅黑" panose="020B0503020204020204" pitchFamily="34" charset="-122"/>
-            <a:ea typeface="微软雅黑" panose="020B0503020204020204" pitchFamily="34" charset="-122"/>
-          </a:endParaRPr>
-        </a:p>
-      </dgm:t>
-    </dgm:pt>
-    <dgm:pt modelId="{092BAEF3-D9F2-476B-9A0B-6F14CC814529}" type="sibTrans" cxnId="{A22BDB9A-90BB-4DA2-8850-00D4F1D3B898}">
-      <dgm:prSet/>
-      <dgm:spPr/>
-      <dgm:t>
-        <a:bodyPr rtlCol="0"/>
-        <a:lstStyle/>
-        <a:p>
-          <a:pPr rtl="0"/>
-          <a:endParaRPr lang="en-US">
-            <a:latin typeface="微软雅黑" panose="020B0503020204020204" pitchFamily="34" charset="-122"/>
-            <a:ea typeface="微软雅黑" panose="020B0503020204020204" pitchFamily="34" charset="-122"/>
-          </a:endParaRPr>
-        </a:p>
-      </dgm:t>
-    </dgm:pt>
-    <dgm:pt modelId="{5248D9DA-6444-46F6-8D28-C8BB2253AAD1}">
-      <dgm:prSet phldrT="[Text]"/>
-      <dgm:spPr/>
-      <dgm:t>
-        <a:bodyPr rtlCol="0"/>
-        <a:lstStyle/>
-        <a:p>
-          <a:pPr rtl="0"/>
-          <a:r>
-            <a:rPr lang="zh-CN" altLang="en-US" noProof="0" dirty="0">
-              <a:latin typeface="微软雅黑" panose="020B0503020204020204" pitchFamily="34" charset="-122"/>
-              <a:ea typeface="微软雅黑" panose="020B0503020204020204" pitchFamily="34" charset="-122"/>
-            </a:rPr>
-            <a:t>任务描述</a:t>
-          </a:r>
-        </a:p>
-      </dgm:t>
-      <dgm:extLst>
-        <a:ext uri="{E40237B7-FDA0-4F09-8148-C483321AD2D9}">
-          <dgm14:cNvPr xmlns:dgm14="http://schemas.microsoft.com/office/drawing/2010/diagram" id="0" name="" title="Step 2 - task description"/>
-        </a:ext>
-      </dgm:extLst>
-    </dgm:pt>
-    <dgm:pt modelId="{A8533F77-F094-4EDB-BCC7-35E0D6A46B71}" type="parTrans" cxnId="{35AF286C-A401-4C08-B8A3-F38B03322BD8}">
-      <dgm:prSet/>
-      <dgm:spPr/>
-      <dgm:t>
-        <a:bodyPr rtlCol="0"/>
-        <a:lstStyle/>
-        <a:p>
-          <a:pPr rtl="0"/>
-          <a:endParaRPr lang="en-US">
-            <a:latin typeface="微软雅黑" panose="020B0503020204020204" pitchFamily="34" charset="-122"/>
-            <a:ea typeface="微软雅黑" panose="020B0503020204020204" pitchFamily="34" charset="-122"/>
-          </a:endParaRPr>
-        </a:p>
-      </dgm:t>
-    </dgm:pt>
-    <dgm:pt modelId="{011B552E-515A-4C41-B810-0D2552861422}" type="sibTrans" cxnId="{35AF286C-A401-4C08-B8A3-F38B03322BD8}">
-      <dgm:prSet/>
-      <dgm:spPr/>
-      <dgm:t>
-        <a:bodyPr rtlCol="0"/>
-        <a:lstStyle/>
-        <a:p>
-          <a:pPr rtl="0"/>
-          <a:endParaRPr lang="en-US">
-            <a:latin typeface="微软雅黑" panose="020B0503020204020204" pitchFamily="34" charset="-122"/>
-            <a:ea typeface="微软雅黑" panose="020B0503020204020204" pitchFamily="34" charset="-122"/>
-          </a:endParaRPr>
-        </a:p>
-      </dgm:t>
-    </dgm:pt>
-    <dgm:pt modelId="{50706FFE-8A00-485D-9FF7-8D310692C602}">
-      <dgm:prSet phldrT="[Text]"/>
-      <dgm:spPr/>
-      <dgm:t>
-        <a:bodyPr rtlCol="0"/>
-        <a:lstStyle/>
-        <a:p>
-          <a:pPr rtl="0"/>
-          <a:r>
-            <a:rPr lang="zh-CN" altLang="en-US" noProof="0" dirty="0">
-              <a:latin typeface="微软雅黑" panose="020B0503020204020204" pitchFamily="34" charset="-122"/>
-              <a:ea typeface="微软雅黑" panose="020B0503020204020204" pitchFamily="34" charset="-122"/>
-            </a:rPr>
-            <a:t>步骤 </a:t>
-          </a:r>
-          <a:r>
-            <a:rPr lang="en-US" altLang="zh-CN" noProof="0" dirty="0">
-              <a:latin typeface="微软雅黑" panose="020B0503020204020204" pitchFamily="34" charset="-122"/>
-              <a:ea typeface="微软雅黑" panose="020B0503020204020204" pitchFamily="34" charset="-122"/>
-            </a:rPr>
-            <a:t>3 </a:t>
-          </a:r>
-          <a:r>
-            <a:rPr lang="zh-CN" altLang="en-US" noProof="0" dirty="0">
-              <a:latin typeface="微软雅黑" panose="020B0503020204020204" pitchFamily="34" charset="-122"/>
-              <a:ea typeface="微软雅黑" panose="020B0503020204020204" pitchFamily="34" charset="-122"/>
-            </a:rPr>
-            <a:t>标题</a:t>
-          </a:r>
-        </a:p>
-      </dgm:t>
-      <dgm:extLst>
-        <a:ext uri="{E40237B7-FDA0-4F09-8148-C483321AD2D9}">
-          <dgm14:cNvPr xmlns:dgm14="http://schemas.microsoft.com/office/drawing/2010/diagram" id="0" name="" title="Step 3 title"/>
-        </a:ext>
-      </dgm:extLst>
-    </dgm:pt>
-    <dgm:pt modelId="{EF44BD91-19A4-424B-BA32-4A5492B6E40B}" type="parTrans" cxnId="{7599CECE-5293-4C57-A979-D096C99254C7}">
-      <dgm:prSet/>
-      <dgm:spPr/>
-      <dgm:t>
-        <a:bodyPr rtlCol="0"/>
-        <a:lstStyle/>
-        <a:p>
-          <a:pPr rtl="0"/>
-          <a:endParaRPr lang="en-US">
-            <a:latin typeface="微软雅黑" panose="020B0503020204020204" pitchFamily="34" charset="-122"/>
-            <a:ea typeface="微软雅黑" panose="020B0503020204020204" pitchFamily="34" charset="-122"/>
-          </a:endParaRPr>
-        </a:p>
-      </dgm:t>
-    </dgm:pt>
-    <dgm:pt modelId="{CD03DFF4-D962-46D6-AFFA-2A87FD08403E}" type="sibTrans" cxnId="{7599CECE-5293-4C57-A979-D096C99254C7}">
-      <dgm:prSet/>
-      <dgm:spPr/>
-      <dgm:t>
-        <a:bodyPr rtlCol="0"/>
-        <a:lstStyle/>
-        <a:p>
-          <a:pPr rtl="0"/>
-          <a:endParaRPr lang="en-US">
-            <a:latin typeface="微软雅黑" panose="020B0503020204020204" pitchFamily="34" charset="-122"/>
-            <a:ea typeface="微软雅黑" panose="020B0503020204020204" pitchFamily="34" charset="-122"/>
-          </a:endParaRPr>
-        </a:p>
-      </dgm:t>
-    </dgm:pt>
-    <dgm:pt modelId="{3A9B5D84-CB00-4BC9-ADB2-5CF832F36763}">
-      <dgm:prSet phldrT="[Text]"/>
-      <dgm:spPr/>
-      <dgm:t>
-        <a:bodyPr rtlCol="0"/>
-        <a:lstStyle/>
-        <a:p>
-          <a:pPr rtl="0"/>
-          <a:r>
-            <a:rPr lang="zh-CN" altLang="en-US" noProof="0" dirty="0">
-              <a:latin typeface="微软雅黑" panose="020B0503020204020204" pitchFamily="34" charset="-122"/>
-              <a:ea typeface="微软雅黑" panose="020B0503020204020204" pitchFamily="34" charset="-122"/>
-            </a:rPr>
-            <a:t>任务描述</a:t>
-          </a:r>
-        </a:p>
-      </dgm:t>
-      <dgm:extLst>
-        <a:ext uri="{E40237B7-FDA0-4F09-8148-C483321AD2D9}">
-          <dgm14:cNvPr xmlns:dgm14="http://schemas.microsoft.com/office/drawing/2010/diagram" id="0" name="" title="Step 3 - task description"/>
-        </a:ext>
-      </dgm:extLst>
-    </dgm:pt>
-    <dgm:pt modelId="{BD57EC4A-052D-4824-8820-064BAC997A9B}" type="parTrans" cxnId="{11A0AF47-4BCA-470E-92BF-7B388FFB0DE8}">
-      <dgm:prSet/>
-      <dgm:spPr/>
-      <dgm:t>
-        <a:bodyPr rtlCol="0"/>
-        <a:lstStyle/>
-        <a:p>
-          <a:pPr rtl="0"/>
-          <a:endParaRPr lang="en-US">
-            <a:latin typeface="微软雅黑" panose="020B0503020204020204" pitchFamily="34" charset="-122"/>
-            <a:ea typeface="微软雅黑" panose="020B0503020204020204" pitchFamily="34" charset="-122"/>
-          </a:endParaRPr>
-        </a:p>
-      </dgm:t>
-    </dgm:pt>
-    <dgm:pt modelId="{98E878CF-4A49-4E76-BD23-AE7C5290BAFD}" type="sibTrans" cxnId="{11A0AF47-4BCA-470E-92BF-7B388FFB0DE8}">
-      <dgm:prSet/>
-      <dgm:spPr/>
-      <dgm:t>
-        <a:bodyPr rtlCol="0"/>
-        <a:lstStyle/>
-        <a:p>
-          <a:pPr rtl="0"/>
-          <a:endParaRPr lang="en-US">
-            <a:latin typeface="微软雅黑" panose="020B0503020204020204" pitchFamily="34" charset="-122"/>
-            <a:ea typeface="微软雅黑" panose="020B0503020204020204" pitchFamily="34" charset="-122"/>
-          </a:endParaRPr>
-        </a:p>
-      </dgm:t>
-    </dgm:pt>
-    <dgm:pt modelId="{8734DFB3-ADD8-4FD2-87D8-1981AA0ADD0B}" type="pres">
-      <dgm:prSet presAssocID="{FBA29113-7A70-4E0E-B036-871C49B835F1}" presName="theList" presStyleCnt="0">
-        <dgm:presLayoutVars>
-          <dgm:dir/>
-          <dgm:animLvl val="lvl"/>
-          <dgm:resizeHandles val="exact"/>
-        </dgm:presLayoutVars>
-      </dgm:prSet>
-      <dgm:spPr/>
-    </dgm:pt>
-    <dgm:pt modelId="{5C04AEFB-7132-4B28-A7D3-862245070A8D}" type="pres">
-      <dgm:prSet presAssocID="{A6406C01-7E83-4650-8EF5-394419DCB348}" presName="compNode" presStyleCnt="0"/>
-      <dgm:spPr/>
-    </dgm:pt>
-    <dgm:pt modelId="{358F74AC-FC7D-465B-BD12-B6CCC00F3D29}" type="pres">
-      <dgm:prSet presAssocID="{A6406C01-7E83-4650-8EF5-394419DCB348}" presName="noGeometry" presStyleCnt="0"/>
-      <dgm:spPr/>
-    </dgm:pt>
-    <dgm:pt modelId="{610B5FFC-C0C9-444C-9F7A-14D1B54F604D}" type="pres">
-      <dgm:prSet presAssocID="{A6406C01-7E83-4650-8EF5-394419DCB348}" presName="childTextVisible" presStyleLbl="bgAccFollowNode1" presStyleIdx="0" presStyleCnt="3">
-        <dgm:presLayoutVars>
-          <dgm:bulletEnabled val="1"/>
-        </dgm:presLayoutVars>
-      </dgm:prSet>
-      <dgm:spPr/>
-    </dgm:pt>
-    <dgm:pt modelId="{FB705FC1-639E-4064-8E9A-A79870DE5273}" type="pres">
-      <dgm:prSet presAssocID="{A6406C01-7E83-4650-8EF5-394419DCB348}" presName="childTextHidden" presStyleLbl="bgAccFollowNode1" presStyleIdx="0" presStyleCnt="3"/>
-      <dgm:spPr/>
-    </dgm:pt>
-    <dgm:pt modelId="{47DA5750-48DC-4E4F-815D-0B05DBC30DAB}" type="pres">
-      <dgm:prSet presAssocID="{A6406C01-7E83-4650-8EF5-394419DCB348}" presName="parentText" presStyleLbl="node1" presStyleIdx="0" presStyleCnt="3">
-        <dgm:presLayoutVars>
-          <dgm:chMax val="1"/>
-          <dgm:bulletEnabled val="1"/>
-        </dgm:presLayoutVars>
-      </dgm:prSet>
-      <dgm:spPr/>
-    </dgm:pt>
-    <dgm:pt modelId="{6319C676-A7DE-4777-9BB4-3B6D30ED3F5C}" type="pres">
-      <dgm:prSet presAssocID="{A6406C01-7E83-4650-8EF5-394419DCB348}" presName="aSpace" presStyleCnt="0"/>
-      <dgm:spPr/>
-    </dgm:pt>
-    <dgm:pt modelId="{CA708D38-D093-4C16-A955-CF2CAC7F0A99}" type="pres">
-      <dgm:prSet presAssocID="{5D952622-A79E-41E4-BBC2-6212DEFFA91C}" presName="compNode" presStyleCnt="0"/>
-      <dgm:spPr/>
-    </dgm:pt>
-    <dgm:pt modelId="{6F3066E9-E96F-489D-8A4B-6D55FBE389F2}" type="pres">
-      <dgm:prSet presAssocID="{5D952622-A79E-41E4-BBC2-6212DEFFA91C}" presName="noGeometry" presStyleCnt="0"/>
-      <dgm:spPr/>
-    </dgm:pt>
-    <dgm:pt modelId="{00D2DC2C-7CA2-4A4B-B66D-3DDCAB7DC8E9}" type="pres">
-      <dgm:prSet presAssocID="{5D952622-A79E-41E4-BBC2-6212DEFFA91C}" presName="childTextVisible" presStyleLbl="bgAccFollowNode1" presStyleIdx="1" presStyleCnt="3">
-        <dgm:presLayoutVars>
-          <dgm:bulletEnabled val="1"/>
-        </dgm:presLayoutVars>
-      </dgm:prSet>
-      <dgm:spPr/>
-    </dgm:pt>
-    <dgm:pt modelId="{072FB640-0A28-40E8-9C0C-86BAF45C6EF0}" type="pres">
-      <dgm:prSet presAssocID="{5D952622-A79E-41E4-BBC2-6212DEFFA91C}" presName="childTextHidden" presStyleLbl="bgAccFollowNode1" presStyleIdx="1" presStyleCnt="3"/>
-      <dgm:spPr/>
-    </dgm:pt>
-    <dgm:pt modelId="{EE8733A1-7662-4D0A-B39E-2218596CC81C}" type="pres">
-      <dgm:prSet presAssocID="{5D952622-A79E-41E4-BBC2-6212DEFFA91C}" presName="parentText" presStyleLbl="node1" presStyleIdx="1" presStyleCnt="3">
-        <dgm:presLayoutVars>
-          <dgm:chMax val="1"/>
-          <dgm:bulletEnabled val="1"/>
-        </dgm:presLayoutVars>
-      </dgm:prSet>
-      <dgm:spPr/>
-    </dgm:pt>
-    <dgm:pt modelId="{E0D7C734-E391-436F-996C-E60442F50A17}" type="pres">
-      <dgm:prSet presAssocID="{5D952622-A79E-41E4-BBC2-6212DEFFA91C}" presName="aSpace" presStyleCnt="0"/>
-      <dgm:spPr/>
-    </dgm:pt>
-    <dgm:pt modelId="{E8F3A685-8F9F-4BAC-8C8B-A1DE5AA41F3A}" type="pres">
-      <dgm:prSet presAssocID="{50706FFE-8A00-485D-9FF7-8D310692C602}" presName="compNode" presStyleCnt="0"/>
-      <dgm:spPr/>
-    </dgm:pt>
-    <dgm:pt modelId="{84BFA617-6CAF-4DA9-A086-82BCA61093BE}" type="pres">
-      <dgm:prSet presAssocID="{50706FFE-8A00-485D-9FF7-8D310692C602}" presName="noGeometry" presStyleCnt="0"/>
-      <dgm:spPr/>
-    </dgm:pt>
-    <dgm:pt modelId="{4BF699B1-BE15-42D1-9784-AA33CF29870E}" type="pres">
-      <dgm:prSet presAssocID="{50706FFE-8A00-485D-9FF7-8D310692C602}" presName="childTextVisible" presStyleLbl="bgAccFollowNode1" presStyleIdx="2" presStyleCnt="3">
-        <dgm:presLayoutVars>
-          <dgm:bulletEnabled val="1"/>
-        </dgm:presLayoutVars>
-      </dgm:prSet>
-      <dgm:spPr/>
-    </dgm:pt>
-    <dgm:pt modelId="{F0925EF4-86E2-4748-BA70-94AAF55AB064}" type="pres">
-      <dgm:prSet presAssocID="{50706FFE-8A00-485D-9FF7-8D310692C602}" presName="childTextHidden" presStyleLbl="bgAccFollowNode1" presStyleIdx="2" presStyleCnt="3"/>
-      <dgm:spPr/>
-    </dgm:pt>
-    <dgm:pt modelId="{78E9A4E4-18A9-4B73-8007-A63A71C71937}" type="pres">
-      <dgm:prSet presAssocID="{50706FFE-8A00-485D-9FF7-8D310692C602}" presName="parentText" presStyleLbl="node1" presStyleIdx="2" presStyleCnt="3">
-        <dgm:presLayoutVars>
-          <dgm:chMax val="1"/>
-          <dgm:bulletEnabled val="1"/>
-        </dgm:presLayoutVars>
-      </dgm:prSet>
-      <dgm:spPr/>
-    </dgm:pt>
-  </dgm:ptLst>
-  <dgm:cxnLst>
-    <dgm:cxn modelId="{99E34304-5770-4691-A3EE-6A7C8B9ACD53}" type="presOf" srcId="{E4E9F0D0-FF23-4B59-9B97-973BCBE5DC65}" destId="{610B5FFC-C0C9-444C-9F7A-14D1B54F604D}" srcOrd="0" destOrd="0" presId="urn:microsoft.com/office/officeart/2005/8/layout/hProcess6"/>
-    <dgm:cxn modelId="{81ACEA16-295B-4802-A889-1DC375F525AB}" type="presOf" srcId="{A6406C01-7E83-4650-8EF5-394419DCB348}" destId="{47DA5750-48DC-4E4F-815D-0B05DBC30DAB}" srcOrd="0" destOrd="0" presId="urn:microsoft.com/office/officeart/2005/8/layout/hProcess6"/>
-    <dgm:cxn modelId="{130B0544-2388-4104-A721-8D29E7C77420}" type="presOf" srcId="{5D952622-A79E-41E4-BBC2-6212DEFFA91C}" destId="{EE8733A1-7662-4D0A-B39E-2218596CC81C}" srcOrd="0" destOrd="0" presId="urn:microsoft.com/office/officeart/2005/8/layout/hProcess6"/>
-    <dgm:cxn modelId="{31498E67-CEA0-4571-B7AB-26A2113144F6}" type="presOf" srcId="{FBA29113-7A70-4E0E-B036-871C49B835F1}" destId="{8734DFB3-ADD8-4FD2-87D8-1981AA0ADD0B}" srcOrd="0" destOrd="0" presId="urn:microsoft.com/office/officeart/2005/8/layout/hProcess6"/>
-    <dgm:cxn modelId="{11A0AF47-4BCA-470E-92BF-7B388FFB0DE8}" srcId="{50706FFE-8A00-485D-9FF7-8D310692C602}" destId="{3A9B5D84-CB00-4BC9-ADB2-5CF832F36763}" srcOrd="0" destOrd="0" parTransId="{BD57EC4A-052D-4824-8820-064BAC997A9B}" sibTransId="{98E878CF-4A49-4E76-BD23-AE7C5290BAFD}"/>
-    <dgm:cxn modelId="{019AA969-1A2B-48C0-B7C9-005E817BC2CB}" type="presOf" srcId="{E4E9F0D0-FF23-4B59-9B97-973BCBE5DC65}" destId="{FB705FC1-639E-4064-8E9A-A79870DE5273}" srcOrd="1" destOrd="0" presId="urn:microsoft.com/office/officeart/2005/8/layout/hProcess6"/>
-    <dgm:cxn modelId="{35AF286C-A401-4C08-B8A3-F38B03322BD8}" srcId="{5D952622-A79E-41E4-BBC2-6212DEFFA91C}" destId="{5248D9DA-6444-46F6-8D28-C8BB2253AAD1}" srcOrd="0" destOrd="0" parTransId="{A8533F77-F094-4EDB-BCC7-35E0D6A46B71}" sibTransId="{011B552E-515A-4C41-B810-0D2552861422}"/>
-    <dgm:cxn modelId="{F36BB86E-E9BB-4DBF-9DFE-F8050046ED1F}" type="presOf" srcId="{3A9B5D84-CB00-4BC9-ADB2-5CF832F36763}" destId="{4BF699B1-BE15-42D1-9784-AA33CF29870E}" srcOrd="0" destOrd="0" presId="urn:microsoft.com/office/officeart/2005/8/layout/hProcess6"/>
-    <dgm:cxn modelId="{BA539253-48E3-447C-8770-C31D10399C4A}" type="presOf" srcId="{50706FFE-8A00-485D-9FF7-8D310692C602}" destId="{78E9A4E4-18A9-4B73-8007-A63A71C71937}" srcOrd="0" destOrd="0" presId="urn:microsoft.com/office/officeart/2005/8/layout/hProcess6"/>
-    <dgm:cxn modelId="{D2E26D7D-A939-4166-987B-3E9E5A080266}" type="presOf" srcId="{3A9B5D84-CB00-4BC9-ADB2-5CF832F36763}" destId="{F0925EF4-86E2-4748-BA70-94AAF55AB064}" srcOrd="1" destOrd="0" presId="urn:microsoft.com/office/officeart/2005/8/layout/hProcess6"/>
-    <dgm:cxn modelId="{4D956F8D-5727-488A-93AF-F33602655A44}" srcId="{FBA29113-7A70-4E0E-B036-871C49B835F1}" destId="{A6406C01-7E83-4650-8EF5-394419DCB348}" srcOrd="0" destOrd="0" parTransId="{2586B3BB-DA8B-42DF-AC9A-77CE21607FD0}" sibTransId="{7C5B61F0-A4F6-4FCA-B552-36151F31051E}"/>
-    <dgm:cxn modelId="{37A3A996-9723-4BDB-8959-9D9B7799BD9A}" srcId="{A6406C01-7E83-4650-8EF5-394419DCB348}" destId="{E4E9F0D0-FF23-4B59-9B97-973BCBE5DC65}" srcOrd="0" destOrd="0" parTransId="{E9237435-F938-45D4-8BF4-6D5D4DFF850F}" sibTransId="{D32B195A-7CAD-474B-B79C-BE4BB171E742}"/>
-    <dgm:cxn modelId="{E23D729A-C2FC-40CD-8A08-F5EBB66CF80B}" type="presOf" srcId="{5248D9DA-6444-46F6-8D28-C8BB2253AAD1}" destId="{072FB640-0A28-40E8-9C0C-86BAF45C6EF0}" srcOrd="1" destOrd="0" presId="urn:microsoft.com/office/officeart/2005/8/layout/hProcess6"/>
-    <dgm:cxn modelId="{A22BDB9A-90BB-4DA2-8850-00D4F1D3B898}" srcId="{FBA29113-7A70-4E0E-B036-871C49B835F1}" destId="{5D952622-A79E-41E4-BBC2-6212DEFFA91C}" srcOrd="1" destOrd="0" parTransId="{10627A68-BE4B-4A4A-9EC9-4CFEF1E4DF39}" sibTransId="{092BAEF3-D9F2-476B-9A0B-6F14CC814529}"/>
-    <dgm:cxn modelId="{AE4FA1B2-1FFD-4999-BFB4-0E2A9E4BEBBB}" type="presOf" srcId="{5248D9DA-6444-46F6-8D28-C8BB2253AAD1}" destId="{00D2DC2C-7CA2-4A4B-B66D-3DDCAB7DC8E9}" srcOrd="0" destOrd="0" presId="urn:microsoft.com/office/officeart/2005/8/layout/hProcess6"/>
-    <dgm:cxn modelId="{7599CECE-5293-4C57-A979-D096C99254C7}" srcId="{FBA29113-7A70-4E0E-B036-871C49B835F1}" destId="{50706FFE-8A00-485D-9FF7-8D310692C602}" srcOrd="2" destOrd="0" parTransId="{EF44BD91-19A4-424B-BA32-4A5492B6E40B}" sibTransId="{CD03DFF4-D962-46D6-AFFA-2A87FD08403E}"/>
-    <dgm:cxn modelId="{FF0D50D3-9477-4407-8F44-B60B9728DED7}" type="presParOf" srcId="{8734DFB3-ADD8-4FD2-87D8-1981AA0ADD0B}" destId="{5C04AEFB-7132-4B28-A7D3-862245070A8D}" srcOrd="0" destOrd="0" presId="urn:microsoft.com/office/officeart/2005/8/layout/hProcess6"/>
-    <dgm:cxn modelId="{126CE751-65CF-4E60-902C-2D0B01478834}" type="presParOf" srcId="{5C04AEFB-7132-4B28-A7D3-862245070A8D}" destId="{358F74AC-FC7D-465B-BD12-B6CCC00F3D29}" srcOrd="0" destOrd="0" presId="urn:microsoft.com/office/officeart/2005/8/layout/hProcess6"/>
-    <dgm:cxn modelId="{C6915109-771C-43AE-A4C7-A411D8E5978F}" type="presParOf" srcId="{5C04AEFB-7132-4B28-A7D3-862245070A8D}" destId="{610B5FFC-C0C9-444C-9F7A-14D1B54F604D}" srcOrd="1" destOrd="0" presId="urn:microsoft.com/office/officeart/2005/8/layout/hProcess6"/>
-    <dgm:cxn modelId="{954FE73F-9595-47D0-9AB9-6EB7EDC39F8E}" type="presParOf" srcId="{5C04AEFB-7132-4B28-A7D3-862245070A8D}" destId="{FB705FC1-639E-4064-8E9A-A79870DE5273}" srcOrd="2" destOrd="0" presId="urn:microsoft.com/office/officeart/2005/8/layout/hProcess6"/>
-    <dgm:cxn modelId="{362B7B1C-776A-481A-B10E-B2136C044DB5}" type="presParOf" srcId="{5C04AEFB-7132-4B28-A7D3-862245070A8D}" destId="{47DA5750-48DC-4E4F-815D-0B05DBC30DAB}" srcOrd="3" destOrd="0" presId="urn:microsoft.com/office/officeart/2005/8/layout/hProcess6"/>
-    <dgm:cxn modelId="{AB361918-49A4-4458-A6B4-A38162139DB4}" type="presParOf" srcId="{8734DFB3-ADD8-4FD2-87D8-1981AA0ADD0B}" destId="{6319C676-A7DE-4777-9BB4-3B6D30ED3F5C}" srcOrd="1" destOrd="0" presId="urn:microsoft.com/office/officeart/2005/8/layout/hProcess6"/>
-    <dgm:cxn modelId="{3E32ED31-FAFA-41FB-A502-0C9269827B55}" type="presParOf" srcId="{8734DFB3-ADD8-4FD2-87D8-1981AA0ADD0B}" destId="{CA708D38-D093-4C16-A955-CF2CAC7F0A99}" srcOrd="2" destOrd="0" presId="urn:microsoft.com/office/officeart/2005/8/layout/hProcess6"/>
-    <dgm:cxn modelId="{38B5F8BF-C6A8-4D51-8681-B847070CD1C0}" type="presParOf" srcId="{CA708D38-D093-4C16-A955-CF2CAC7F0A99}" destId="{6F3066E9-E96F-489D-8A4B-6D55FBE389F2}" srcOrd="0" destOrd="0" presId="urn:microsoft.com/office/officeart/2005/8/layout/hProcess6"/>
-    <dgm:cxn modelId="{B873A9F4-217E-473A-8D65-14527890AC34}" type="presParOf" srcId="{CA708D38-D093-4C16-A955-CF2CAC7F0A99}" destId="{00D2DC2C-7CA2-4A4B-B66D-3DDCAB7DC8E9}" srcOrd="1" destOrd="0" presId="urn:microsoft.com/office/officeart/2005/8/layout/hProcess6"/>
-    <dgm:cxn modelId="{F573A08D-1388-4362-9D10-155655876363}" type="presParOf" srcId="{CA708D38-D093-4C16-A955-CF2CAC7F0A99}" destId="{072FB640-0A28-40E8-9C0C-86BAF45C6EF0}" srcOrd="2" destOrd="0" presId="urn:microsoft.com/office/officeart/2005/8/layout/hProcess6"/>
-    <dgm:cxn modelId="{7ADF5CCF-F26A-45B5-9692-98B07AFD46A1}" type="presParOf" srcId="{CA708D38-D093-4C16-A955-CF2CAC7F0A99}" destId="{EE8733A1-7662-4D0A-B39E-2218596CC81C}" srcOrd="3" destOrd="0" presId="urn:microsoft.com/office/officeart/2005/8/layout/hProcess6"/>
-    <dgm:cxn modelId="{985C18C8-95A3-4479-821C-610A2BAFFFF3}" type="presParOf" srcId="{8734DFB3-ADD8-4FD2-87D8-1981AA0ADD0B}" destId="{E0D7C734-E391-436F-996C-E60442F50A17}" srcOrd="3" destOrd="0" presId="urn:microsoft.com/office/officeart/2005/8/layout/hProcess6"/>
-    <dgm:cxn modelId="{951CD7FA-A9B4-463F-BD0D-452C521FF523}" type="presParOf" srcId="{8734DFB3-ADD8-4FD2-87D8-1981AA0ADD0B}" destId="{E8F3A685-8F9F-4BAC-8C8B-A1DE5AA41F3A}" srcOrd="4" destOrd="0" presId="urn:microsoft.com/office/officeart/2005/8/layout/hProcess6"/>
-    <dgm:cxn modelId="{E08D8862-B273-4AA6-9A90-754366CE4945}" type="presParOf" srcId="{E8F3A685-8F9F-4BAC-8C8B-A1DE5AA41F3A}" destId="{84BFA617-6CAF-4DA9-A086-82BCA61093BE}" srcOrd="0" destOrd="0" presId="urn:microsoft.com/office/officeart/2005/8/layout/hProcess6"/>
-    <dgm:cxn modelId="{69392B4C-2A7B-41A4-A48C-35E312A6434A}" type="presParOf" srcId="{E8F3A685-8F9F-4BAC-8C8B-A1DE5AA41F3A}" destId="{4BF699B1-BE15-42D1-9784-AA33CF29870E}" srcOrd="1" destOrd="0" presId="urn:microsoft.com/office/officeart/2005/8/layout/hProcess6"/>
-    <dgm:cxn modelId="{29F5DEAB-A9C8-47F8-A089-1585C323795A}" type="presParOf" srcId="{E8F3A685-8F9F-4BAC-8C8B-A1DE5AA41F3A}" destId="{F0925EF4-86E2-4748-BA70-94AAF55AB064}" srcOrd="2" destOrd="0" presId="urn:microsoft.com/office/officeart/2005/8/layout/hProcess6"/>
-    <dgm:cxn modelId="{E9A57A1B-DDAF-4905-B46C-246DB5E9FB2A}" type="presParOf" srcId="{E8F3A685-8F9F-4BAC-8C8B-A1DE5AA41F3A}" destId="{78E9A4E4-18A9-4B73-8007-A63A71C71937}" srcOrd="3" destOrd="0" presId="urn:microsoft.com/office/officeart/2005/8/layout/hProcess6"/>
-  </dgm:cxnLst>
-  <dgm:bg/>
-  <dgm:whole/>
-  <dgm:extLst>
-    <a:ext uri="http://schemas.microsoft.com/office/drawing/2008/diagram">
-      <dsp:dataModelExt xmlns:dsp="http://schemas.microsoft.com/office/drawing/2008/diagram" relId="rId7" minVer="http://schemas.openxmlformats.org/drawingml/2006/diagram"/>
-    </a:ext>
-  </dgm:extLst>
-</dgm:dataModel>
-</file>
-
-<file path=ppt/diagrams/drawing1.xml><?xml version="1.0" encoding="utf-8"?>
-<dsp:drawing xmlns:dgm="http://schemas.openxmlformats.org/drawingml/2006/diagram" xmlns:dsp="http://schemas.microsoft.com/office/drawing/2008/diagram" xmlns:a="http://schemas.openxmlformats.org/drawingml/2006/main">
-  <dsp:spTree>
-    <dsp:nvGrpSpPr>
-      <dsp:cNvPr id="0" name=""/>
-      <dsp:cNvGrpSpPr/>
-    </dsp:nvGrpSpPr>
-    <dsp:grpSpPr/>
-    <dsp:sp modelId="{610B5FFC-C0C9-444C-9F7A-14D1B54F604D}">
-      <dsp:nvSpPr>
-        <dsp:cNvPr id="0" name=""/>
-        <dsp:cNvSpPr/>
-      </dsp:nvSpPr>
-      <dsp:spPr>
-        <a:xfrm>
-          <a:off x="623515" y="823134"/>
-          <a:ext cx="2475309" cy="2163731"/>
-        </a:xfrm>
-        <a:prstGeom prst="rightArrow">
-          <a:avLst>
-            <a:gd name="adj1" fmla="val 70000"/>
-            <a:gd name="adj2" fmla="val 50000"/>
-          </a:avLst>
-        </a:prstGeom>
-        <a:solidFill>
-          <a:schemeClr val="lt1">
-            <a:alpha val="90000"/>
-            <a:tint val="40000"/>
-            <a:hueOff val="0"/>
-            <a:satOff val="0"/>
-            <a:lumOff val="0"/>
-            <a:alphaOff val="0"/>
-          </a:schemeClr>
-        </a:solidFill>
-        <a:ln w="12700" cap="flat" cmpd="sng" algn="ctr">
-          <a:solidFill>
-            <a:schemeClr val="accent1">
-              <a:alpha val="90000"/>
-              <a:hueOff val="0"/>
-              <a:satOff val="0"/>
-              <a:lumOff val="0"/>
-              <a:alphaOff val="0"/>
-            </a:schemeClr>
-          </a:solidFill>
-          <a:prstDash val="solid"/>
-          <a:miter lim="800000"/>
-        </a:ln>
-        <a:effectLst/>
-      </dsp:spPr>
-      <dsp:style>
-        <a:lnRef idx="2">
-          <a:scrgbClr r="0" g="0" b="0"/>
-        </a:lnRef>
-        <a:fillRef idx="1">
-          <a:scrgbClr r="0" g="0" b="0"/>
-        </a:fillRef>
-        <a:effectRef idx="0">
-          <a:scrgbClr r="0" g="0" b="0"/>
-        </a:effectRef>
-        <a:fontRef idx="minor"/>
-      </dsp:style>
-      <dsp:txBody>
-        <a:bodyPr spcFirstLastPara="0" vert="horz" wrap="square" lIns="91440" tIns="22860" rIns="45720" bIns="22860" numCol="1" spcCol="1270" rtlCol="0" anchor="ctr" anchorCtr="0">
-          <a:noAutofit/>
-        </a:bodyPr>
-        <a:lstStyle/>
-        <a:p>
-          <a:pPr marL="0" lvl="0" indent="0" algn="ctr" defTabSz="1600200" rtl="0">
-            <a:lnSpc>
-              <a:spcPct val="90000"/>
-            </a:lnSpc>
-            <a:spcBef>
-              <a:spcPct val="0"/>
-            </a:spcBef>
-            <a:spcAft>
-              <a:spcPct val="35000"/>
-            </a:spcAft>
-            <a:buNone/>
-          </a:pPr>
-          <a:r>
-            <a:rPr lang="zh-CN" altLang="en-US" sz="3600" kern="1200" noProof="0" dirty="0">
-              <a:latin typeface="微软雅黑" panose="020B0503020204020204" pitchFamily="34" charset="-122"/>
-              <a:ea typeface="微软雅黑" panose="020B0503020204020204" pitchFamily="34" charset="-122"/>
-            </a:rPr>
-            <a:t>任务描述</a:t>
-          </a:r>
-        </a:p>
-      </dsp:txBody>
-      <dsp:txXfrm>
-        <a:off x="1242342" y="1147694"/>
-        <a:ext cx="1206713" cy="1514611"/>
-      </dsp:txXfrm>
-    </dsp:sp>
-    <dsp:sp modelId="{47DA5750-48DC-4E4F-815D-0B05DBC30DAB}">
-      <dsp:nvSpPr>
-        <dsp:cNvPr id="0" name=""/>
-        <dsp:cNvSpPr/>
-      </dsp:nvSpPr>
-      <dsp:spPr>
-        <a:xfrm>
-          <a:off x="4688" y="1286172"/>
-          <a:ext cx="1237654" cy="1237654"/>
-        </a:xfrm>
-        <a:prstGeom prst="ellipse">
-          <a:avLst/>
-        </a:prstGeom>
-        <a:solidFill>
-          <a:schemeClr val="lt1">
-            <a:hueOff val="0"/>
-            <a:satOff val="0"/>
-            <a:lumOff val="0"/>
-            <a:alphaOff val="0"/>
-          </a:schemeClr>
-        </a:solidFill>
-        <a:ln w="12700" cap="flat" cmpd="sng" algn="ctr">
-          <a:solidFill>
-            <a:schemeClr val="accent1">
-              <a:shade val="80000"/>
-              <a:hueOff val="0"/>
-              <a:satOff val="0"/>
-              <a:lumOff val="0"/>
-              <a:alphaOff val="0"/>
-            </a:schemeClr>
-          </a:solidFill>
-          <a:prstDash val="solid"/>
-          <a:miter lim="800000"/>
-        </a:ln>
-        <a:effectLst/>
-      </dsp:spPr>
-      <dsp:style>
-        <a:lnRef idx="2">
-          <a:scrgbClr r="0" g="0" b="0"/>
-        </a:lnRef>
-        <a:fillRef idx="1">
-          <a:scrgbClr r="0" g="0" b="0"/>
-        </a:fillRef>
-        <a:effectRef idx="0">
-          <a:scrgbClr r="0" g="0" b="0"/>
-        </a:effectRef>
-        <a:fontRef idx="minor">
-          <a:schemeClr val="lt1"/>
-        </a:fontRef>
-      </dsp:style>
-      <dsp:txBody>
-        <a:bodyPr spcFirstLastPara="0" vert="horz" wrap="square" lIns="13335" tIns="13335" rIns="13335" bIns="13335" numCol="1" spcCol="1270" rtlCol="0" anchor="ctr" anchorCtr="0">
-          <a:noAutofit/>
-        </a:bodyPr>
-        <a:lstStyle/>
-        <a:p>
-          <a:pPr marL="0" lvl="0" indent="0" algn="ctr" defTabSz="933450" rtl="0">
-            <a:lnSpc>
-              <a:spcPct val="90000"/>
-            </a:lnSpc>
-            <a:spcBef>
-              <a:spcPct val="0"/>
-            </a:spcBef>
-            <a:spcAft>
-              <a:spcPct val="35000"/>
-            </a:spcAft>
-            <a:buNone/>
-          </a:pPr>
-          <a:r>
-            <a:rPr lang="zh-CN" altLang="en-US" sz="2100" kern="1200" noProof="0" dirty="0">
-              <a:latin typeface="微软雅黑" panose="020B0503020204020204" pitchFamily="34" charset="-122"/>
-              <a:ea typeface="微软雅黑" panose="020B0503020204020204" pitchFamily="34" charset="-122"/>
-            </a:rPr>
-            <a:t>步骤 </a:t>
-          </a:r>
-          <a:r>
-            <a:rPr lang="en-US" altLang="zh-CN" sz="2100" kern="1200" noProof="0" dirty="0">
-              <a:latin typeface="微软雅黑" panose="020B0503020204020204" pitchFamily="34" charset="-122"/>
-              <a:ea typeface="微软雅黑" panose="020B0503020204020204" pitchFamily="34" charset="-122"/>
-            </a:rPr>
-            <a:t>1 </a:t>
-          </a:r>
-          <a:r>
-            <a:rPr lang="zh-CN" altLang="en-US" sz="2100" kern="1200" noProof="0" dirty="0">
-              <a:latin typeface="微软雅黑" panose="020B0503020204020204" pitchFamily="34" charset="-122"/>
-              <a:ea typeface="微软雅黑" panose="020B0503020204020204" pitchFamily="34" charset="-122"/>
-            </a:rPr>
-            <a:t>标题</a:t>
-          </a:r>
-        </a:p>
-      </dsp:txBody>
-      <dsp:txXfrm>
-        <a:off x="185938" y="1467422"/>
-        <a:ext cx="875154" cy="875154"/>
-      </dsp:txXfrm>
-    </dsp:sp>
-    <dsp:sp modelId="{00D2DC2C-7CA2-4A4B-B66D-3DDCAB7DC8E9}">
-      <dsp:nvSpPr>
-        <dsp:cNvPr id="0" name=""/>
-        <dsp:cNvSpPr/>
-      </dsp:nvSpPr>
-      <dsp:spPr>
-        <a:xfrm>
-          <a:off x="3872358" y="823134"/>
-          <a:ext cx="2475309" cy="2163731"/>
-        </a:xfrm>
-        <a:prstGeom prst="rightArrow">
-          <a:avLst>
-            <a:gd name="adj1" fmla="val 70000"/>
-            <a:gd name="adj2" fmla="val 50000"/>
-          </a:avLst>
-        </a:prstGeom>
-        <a:solidFill>
-          <a:schemeClr val="lt1">
-            <a:alpha val="90000"/>
-            <a:tint val="40000"/>
-            <a:hueOff val="0"/>
-            <a:satOff val="0"/>
-            <a:lumOff val="0"/>
-            <a:alphaOff val="0"/>
-          </a:schemeClr>
-        </a:solidFill>
-        <a:ln w="12700" cap="flat" cmpd="sng" algn="ctr">
-          <a:solidFill>
-            <a:schemeClr val="accent1">
-              <a:alpha val="90000"/>
-              <a:hueOff val="0"/>
-              <a:satOff val="0"/>
-              <a:lumOff val="0"/>
-              <a:alphaOff val="0"/>
-            </a:schemeClr>
-          </a:solidFill>
-          <a:prstDash val="solid"/>
-          <a:miter lim="800000"/>
-        </a:ln>
-        <a:effectLst/>
-      </dsp:spPr>
-      <dsp:style>
-        <a:lnRef idx="2">
-          <a:scrgbClr r="0" g="0" b="0"/>
-        </a:lnRef>
-        <a:fillRef idx="1">
-          <a:scrgbClr r="0" g="0" b="0"/>
-        </a:fillRef>
-        <a:effectRef idx="0">
-          <a:scrgbClr r="0" g="0" b="0"/>
-        </a:effectRef>
-        <a:fontRef idx="minor"/>
-      </dsp:style>
-      <dsp:txBody>
-        <a:bodyPr spcFirstLastPara="0" vert="horz" wrap="square" lIns="91440" tIns="22860" rIns="45720" bIns="22860" numCol="1" spcCol="1270" rtlCol="0" anchor="ctr" anchorCtr="0">
-          <a:noAutofit/>
-        </a:bodyPr>
-        <a:lstStyle/>
-        <a:p>
-          <a:pPr marL="0" lvl="0" indent="0" algn="ctr" defTabSz="1600200" rtl="0">
-            <a:lnSpc>
-              <a:spcPct val="90000"/>
-            </a:lnSpc>
-            <a:spcBef>
-              <a:spcPct val="0"/>
-            </a:spcBef>
-            <a:spcAft>
-              <a:spcPct val="35000"/>
-            </a:spcAft>
-            <a:buNone/>
-          </a:pPr>
-          <a:r>
-            <a:rPr lang="zh-CN" altLang="en-US" sz="3600" kern="1200" noProof="0" dirty="0">
-              <a:latin typeface="微软雅黑" panose="020B0503020204020204" pitchFamily="34" charset="-122"/>
-              <a:ea typeface="微软雅黑" panose="020B0503020204020204" pitchFamily="34" charset="-122"/>
-            </a:rPr>
-            <a:t>任务描述</a:t>
-          </a:r>
-        </a:p>
-      </dsp:txBody>
-      <dsp:txXfrm>
-        <a:off x="4491186" y="1147694"/>
-        <a:ext cx="1206713" cy="1514611"/>
-      </dsp:txXfrm>
-    </dsp:sp>
-    <dsp:sp modelId="{EE8733A1-7662-4D0A-B39E-2218596CC81C}">
-      <dsp:nvSpPr>
-        <dsp:cNvPr id="0" name=""/>
-        <dsp:cNvSpPr/>
-      </dsp:nvSpPr>
-      <dsp:spPr>
-        <a:xfrm>
-          <a:off x="3253531" y="1286172"/>
-          <a:ext cx="1237654" cy="1237654"/>
-        </a:xfrm>
-        <a:prstGeom prst="ellipse">
-          <a:avLst/>
-        </a:prstGeom>
-        <a:solidFill>
-          <a:schemeClr val="lt1">
-            <a:hueOff val="0"/>
-            <a:satOff val="0"/>
-            <a:lumOff val="0"/>
-            <a:alphaOff val="0"/>
-          </a:schemeClr>
-        </a:solidFill>
-        <a:ln w="12700" cap="flat" cmpd="sng" algn="ctr">
-          <a:solidFill>
-            <a:schemeClr val="accent1">
-              <a:shade val="80000"/>
-              <a:hueOff val="0"/>
-              <a:satOff val="0"/>
-              <a:lumOff val="0"/>
-              <a:alphaOff val="0"/>
-            </a:schemeClr>
-          </a:solidFill>
-          <a:prstDash val="solid"/>
-          <a:miter lim="800000"/>
-        </a:ln>
-        <a:effectLst/>
-      </dsp:spPr>
-      <dsp:style>
-        <a:lnRef idx="2">
-          <a:scrgbClr r="0" g="0" b="0"/>
-        </a:lnRef>
-        <a:fillRef idx="1">
-          <a:scrgbClr r="0" g="0" b="0"/>
-        </a:fillRef>
-        <a:effectRef idx="0">
-          <a:scrgbClr r="0" g="0" b="0"/>
-        </a:effectRef>
-        <a:fontRef idx="minor">
-          <a:schemeClr val="lt1"/>
-        </a:fontRef>
-      </dsp:style>
-      <dsp:txBody>
-        <a:bodyPr spcFirstLastPara="0" vert="horz" wrap="square" lIns="13335" tIns="13335" rIns="13335" bIns="13335" numCol="1" spcCol="1270" rtlCol="0" anchor="ctr" anchorCtr="0">
-          <a:noAutofit/>
-        </a:bodyPr>
-        <a:lstStyle/>
-        <a:p>
-          <a:pPr marL="0" lvl="0" indent="0" algn="ctr" defTabSz="933450" rtl="0">
-            <a:lnSpc>
-              <a:spcPct val="90000"/>
-            </a:lnSpc>
-            <a:spcBef>
-              <a:spcPct val="0"/>
-            </a:spcBef>
-            <a:spcAft>
-              <a:spcPct val="35000"/>
-            </a:spcAft>
-            <a:buNone/>
-          </a:pPr>
-          <a:r>
-            <a:rPr lang="zh-CN" altLang="en-US" sz="2100" kern="1200" noProof="0" dirty="0">
-              <a:latin typeface="微软雅黑" panose="020B0503020204020204" pitchFamily="34" charset="-122"/>
-              <a:ea typeface="微软雅黑" panose="020B0503020204020204" pitchFamily="34" charset="-122"/>
-            </a:rPr>
-            <a:t>步骤 </a:t>
-          </a:r>
-          <a:r>
-            <a:rPr lang="en-US" altLang="zh-CN" sz="2100" kern="1200" noProof="0" dirty="0">
-              <a:latin typeface="微软雅黑" panose="020B0503020204020204" pitchFamily="34" charset="-122"/>
-              <a:ea typeface="微软雅黑" panose="020B0503020204020204" pitchFamily="34" charset="-122"/>
-            </a:rPr>
-            <a:t>2 </a:t>
-          </a:r>
-          <a:r>
-            <a:rPr lang="zh-CN" altLang="en-US" sz="2100" kern="1200" noProof="0" dirty="0">
-              <a:latin typeface="微软雅黑" panose="020B0503020204020204" pitchFamily="34" charset="-122"/>
-              <a:ea typeface="微软雅黑" panose="020B0503020204020204" pitchFamily="34" charset="-122"/>
-            </a:rPr>
-            <a:t>标题</a:t>
-          </a:r>
-        </a:p>
-      </dsp:txBody>
-      <dsp:txXfrm>
-        <a:off x="3434781" y="1467422"/>
-        <a:ext cx="875154" cy="875154"/>
-      </dsp:txXfrm>
-    </dsp:sp>
-    <dsp:sp modelId="{4BF699B1-BE15-42D1-9784-AA33CF29870E}">
-      <dsp:nvSpPr>
-        <dsp:cNvPr id="0" name=""/>
-        <dsp:cNvSpPr/>
-      </dsp:nvSpPr>
-      <dsp:spPr>
-        <a:xfrm>
-          <a:off x="7121202" y="823134"/>
-          <a:ext cx="2475309" cy="2163731"/>
-        </a:xfrm>
-        <a:prstGeom prst="rightArrow">
-          <a:avLst>
-            <a:gd name="adj1" fmla="val 70000"/>
-            <a:gd name="adj2" fmla="val 50000"/>
-          </a:avLst>
-        </a:prstGeom>
-        <a:solidFill>
-          <a:schemeClr val="lt1">
-            <a:alpha val="90000"/>
-            <a:tint val="40000"/>
-            <a:hueOff val="0"/>
-            <a:satOff val="0"/>
-            <a:lumOff val="0"/>
-            <a:alphaOff val="0"/>
-          </a:schemeClr>
-        </a:solidFill>
-        <a:ln w="12700" cap="flat" cmpd="sng" algn="ctr">
-          <a:solidFill>
-            <a:schemeClr val="accent1">
-              <a:alpha val="90000"/>
-              <a:hueOff val="0"/>
-              <a:satOff val="0"/>
-              <a:lumOff val="0"/>
-              <a:alphaOff val="0"/>
-            </a:schemeClr>
-          </a:solidFill>
-          <a:prstDash val="solid"/>
-          <a:miter lim="800000"/>
-        </a:ln>
-        <a:effectLst/>
-      </dsp:spPr>
-      <dsp:style>
-        <a:lnRef idx="2">
-          <a:scrgbClr r="0" g="0" b="0"/>
-        </a:lnRef>
-        <a:fillRef idx="1">
-          <a:scrgbClr r="0" g="0" b="0"/>
-        </a:fillRef>
-        <a:effectRef idx="0">
-          <a:scrgbClr r="0" g="0" b="0"/>
-        </a:effectRef>
-        <a:fontRef idx="minor"/>
-      </dsp:style>
-      <dsp:txBody>
-        <a:bodyPr spcFirstLastPara="0" vert="horz" wrap="square" lIns="91440" tIns="22860" rIns="45720" bIns="22860" numCol="1" spcCol="1270" rtlCol="0" anchor="ctr" anchorCtr="0">
-          <a:noAutofit/>
-        </a:bodyPr>
-        <a:lstStyle/>
-        <a:p>
-          <a:pPr marL="0" lvl="0" indent="0" algn="ctr" defTabSz="1600200" rtl="0">
-            <a:lnSpc>
-              <a:spcPct val="90000"/>
-            </a:lnSpc>
-            <a:spcBef>
-              <a:spcPct val="0"/>
-            </a:spcBef>
-            <a:spcAft>
-              <a:spcPct val="35000"/>
-            </a:spcAft>
-            <a:buNone/>
-          </a:pPr>
-          <a:r>
-            <a:rPr lang="zh-CN" altLang="en-US" sz="3600" kern="1200" noProof="0" dirty="0">
-              <a:latin typeface="微软雅黑" panose="020B0503020204020204" pitchFamily="34" charset="-122"/>
-              <a:ea typeface="微软雅黑" panose="020B0503020204020204" pitchFamily="34" charset="-122"/>
-            </a:rPr>
-            <a:t>任务描述</a:t>
-          </a:r>
-        </a:p>
-      </dsp:txBody>
-      <dsp:txXfrm>
-        <a:off x="7740029" y="1147694"/>
-        <a:ext cx="1206713" cy="1514611"/>
-      </dsp:txXfrm>
-    </dsp:sp>
-    <dsp:sp modelId="{78E9A4E4-18A9-4B73-8007-A63A71C71937}">
-      <dsp:nvSpPr>
-        <dsp:cNvPr id="0" name=""/>
-        <dsp:cNvSpPr/>
-      </dsp:nvSpPr>
-      <dsp:spPr>
-        <a:xfrm>
-          <a:off x="6502375" y="1286172"/>
-          <a:ext cx="1237654" cy="1237654"/>
-        </a:xfrm>
-        <a:prstGeom prst="ellipse">
-          <a:avLst/>
-        </a:prstGeom>
-        <a:solidFill>
-          <a:schemeClr val="lt1">
-            <a:hueOff val="0"/>
-            <a:satOff val="0"/>
-            <a:lumOff val="0"/>
-            <a:alphaOff val="0"/>
-          </a:schemeClr>
-        </a:solidFill>
-        <a:ln w="12700" cap="flat" cmpd="sng" algn="ctr">
-          <a:solidFill>
-            <a:schemeClr val="accent1">
-              <a:shade val="80000"/>
-              <a:hueOff val="0"/>
-              <a:satOff val="0"/>
-              <a:lumOff val="0"/>
-              <a:alphaOff val="0"/>
-            </a:schemeClr>
-          </a:solidFill>
-          <a:prstDash val="solid"/>
-          <a:miter lim="800000"/>
-        </a:ln>
-        <a:effectLst/>
-      </dsp:spPr>
-      <dsp:style>
-        <a:lnRef idx="2">
-          <a:scrgbClr r="0" g="0" b="0"/>
-        </a:lnRef>
-        <a:fillRef idx="1">
-          <a:scrgbClr r="0" g="0" b="0"/>
-        </a:fillRef>
-        <a:effectRef idx="0">
-          <a:scrgbClr r="0" g="0" b="0"/>
-        </a:effectRef>
-        <a:fontRef idx="minor">
-          <a:schemeClr val="lt1"/>
-        </a:fontRef>
-      </dsp:style>
-      <dsp:txBody>
-        <a:bodyPr spcFirstLastPara="0" vert="horz" wrap="square" lIns="13335" tIns="13335" rIns="13335" bIns="13335" numCol="1" spcCol="1270" rtlCol="0" anchor="ctr" anchorCtr="0">
-          <a:noAutofit/>
-        </a:bodyPr>
-        <a:lstStyle/>
-        <a:p>
-          <a:pPr marL="0" lvl="0" indent="0" algn="ctr" defTabSz="933450" rtl="0">
-            <a:lnSpc>
-              <a:spcPct val="90000"/>
-            </a:lnSpc>
-            <a:spcBef>
-              <a:spcPct val="0"/>
-            </a:spcBef>
-            <a:spcAft>
-              <a:spcPct val="35000"/>
-            </a:spcAft>
-            <a:buNone/>
-          </a:pPr>
-          <a:r>
-            <a:rPr lang="zh-CN" altLang="en-US" sz="2100" kern="1200" noProof="0" dirty="0">
-              <a:latin typeface="微软雅黑" panose="020B0503020204020204" pitchFamily="34" charset="-122"/>
-              <a:ea typeface="微软雅黑" panose="020B0503020204020204" pitchFamily="34" charset="-122"/>
-            </a:rPr>
-            <a:t>步骤 </a:t>
-          </a:r>
-          <a:r>
-            <a:rPr lang="en-US" altLang="zh-CN" sz="2100" kern="1200" noProof="0" dirty="0">
-              <a:latin typeface="微软雅黑" panose="020B0503020204020204" pitchFamily="34" charset="-122"/>
-              <a:ea typeface="微软雅黑" panose="020B0503020204020204" pitchFamily="34" charset="-122"/>
-            </a:rPr>
-            <a:t>3 </a:t>
-          </a:r>
-          <a:r>
-            <a:rPr lang="zh-CN" altLang="en-US" sz="2100" kern="1200" noProof="0" dirty="0">
-              <a:latin typeface="微软雅黑" panose="020B0503020204020204" pitchFamily="34" charset="-122"/>
-              <a:ea typeface="微软雅黑" panose="020B0503020204020204" pitchFamily="34" charset="-122"/>
-            </a:rPr>
-            <a:t>标题</a:t>
-          </a:r>
-        </a:p>
-      </dsp:txBody>
-      <dsp:txXfrm>
-        <a:off x="6683625" y="1467422"/>
-        <a:ext cx="875154" cy="875154"/>
-      </dsp:txXfrm>
-    </dsp:sp>
-  </dsp:spTree>
-</dsp:drawing>
-</file>
-
-<file path=ppt/diagrams/layout1.xml><?xml version="1.0" encoding="utf-8"?>
-<dgm:layoutDef xmlns:dgm="http://schemas.openxmlformats.org/drawingml/2006/diagram" xmlns:a="http://schemas.openxmlformats.org/drawingml/2006/main" uniqueId="urn:microsoft.com/office/officeart/2005/8/layout/hProcess6">
-  <dgm:title val=""/>
-  <dgm:desc val=""/>
-  <dgm:catLst>
-    <dgm:cat type="process" pri="7000"/>
-  </dgm:catLst>
-  <dgm:sampData>
-    <dgm:dataModel>
-      <dgm:ptLst>
-        <dgm:pt modelId="0" type="doc"/>
-        <dgm:pt modelId="1">
-          <dgm:prSet phldr="1"/>
-        </dgm:pt>
-        <dgm:pt modelId="11">
-          <dgm:prSet phldr="1"/>
-        </dgm:pt>
-        <dgm:pt modelId="12">
-          <dgm:prSet phldr="1"/>
-        </dgm:pt>
-        <dgm:pt modelId="2">
-          <dgm:prSet phldr="1"/>
-        </dgm:pt>
-        <dgm:pt modelId="21">
-          <dgm:prSet phldr="1"/>
-        </dgm:pt>
-        <dgm:pt modelId="22">
-          <dgm:prSet phldr="1"/>
-        </dgm:pt>
-        <dgm:pt modelId="3">
-          <dgm:prSet phldr="1"/>
-        </dgm:pt>
-        <dgm:pt modelId="31">
-          <dgm:prSet phldr="1"/>
-        </dgm:pt>
-        <dgm:pt modelId="32">
-          <dgm:prSet phldr="1"/>
-        </dgm:pt>
-      </dgm:ptLst>
-      <dgm:cxnLst>
-        <dgm:cxn modelId="4" srcId="0" destId="1" srcOrd="0" destOrd="0"/>
-        <dgm:cxn modelId="5" srcId="0" destId="2" srcOrd="1" destOrd="0"/>
-        <dgm:cxn modelId="13" srcId="1" destId="11" srcOrd="0" destOrd="0"/>
-        <dgm:cxn modelId="14" srcId="1" destId="12" srcOrd="0" destOrd="0"/>
-        <dgm:cxn modelId="23" srcId="2" destId="21" srcOrd="0" destOrd="0"/>
-        <dgm:cxn modelId="24" srcId="2" destId="22" srcOrd="0" destOrd="0"/>
-        <dgm:cxn modelId="33" srcId="3" destId="31" srcOrd="0" destOrd="0"/>
-        <dgm:cxn modelId="34" srcId="3" destId="32" srcOrd="0" destOrd="0"/>
-      </dgm:cxnLst>
-      <dgm:bg/>
-      <dgm:whole/>
-    </dgm:dataModel>
-  </dgm:sampData>
-  <dgm:styleData>
-    <dgm:dataModel>
-      <dgm:ptLst>
-        <dgm:pt modelId="0" type="doc"/>
-        <dgm:pt modelId="1"/>
-        <dgm:pt modelId="11"/>
-        <dgm:pt modelId="2"/>
-        <dgm:pt modelId="21"/>
-      </dgm:ptLst>
-      <dgm:cxnLst>
-        <dgm:cxn modelId="4" srcId="0" destId="1" srcOrd="0" destOrd="0"/>
-        <dgm:cxn modelId="5" srcId="0" destId="2" srcOrd="1" destOrd="0"/>
-        <dgm:cxn modelId="13" srcId="1" destId="11" srcOrd="0" destOrd="0"/>
-        <dgm:cxn modelId="23" srcId="2" destId="21" srcOrd="0" destOrd="0"/>
-      </dgm:cxnLst>
-      <dgm:bg/>
-      <dgm:whole/>
-    </dgm:dataModel>
-  </dgm:styleData>
-  <dgm:clrData>
-    <dgm:dataModel>
-      <dgm:ptLst>
-        <dgm:pt modelId="0" type="doc"/>
-        <dgm:pt modelId="1"/>
-        <dgm:pt modelId="11"/>
-        <dgm:pt modelId="2"/>
-        <dgm:pt modelId="21"/>
-        <dgm:pt modelId="3"/>
-        <dgm:pt modelId="31"/>
-        <dgm:pt modelId="4"/>
-        <dgm:pt modelId="41"/>
-      </dgm:ptLst>
-      <dgm:cxnLst>
-        <dgm:cxn modelId="5" srcId="0" destId="1" srcOrd="0" destOrd="0"/>
-        <dgm:cxn modelId="6" srcId="0" destId="2" srcOrd="1" destOrd="0"/>
-        <dgm:cxn modelId="7" srcId="0" destId="3" srcOrd="2" destOrd="0"/>
-        <dgm:cxn modelId="8" srcId="0" destId="4" srcOrd="3" destOrd="0"/>
-        <dgm:cxn modelId="13" srcId="1" destId="11" srcOrd="0" destOrd="0"/>
-        <dgm:cxn modelId="23" srcId="2" destId="21" srcOrd="0" destOrd="0"/>
-        <dgm:cxn modelId="33" srcId="3" destId="31" srcOrd="0" destOrd="0"/>
-        <dgm:cxn modelId="43" srcId="4" destId="41" srcOrd="0" destOrd="0"/>
-      </dgm:cxnLst>
-      <dgm:bg/>
-      <dgm:whole/>
-    </dgm:dataModel>
-  </dgm:clrData>
-  <dgm:layoutNode name="theList">
-    <dgm:varLst>
-      <dgm:dir/>
-      <dgm:animLvl val="lvl"/>
-      <dgm:resizeHandles val="exact"/>
-    </dgm:varLst>
-    <dgm:choose name="Name0">
-      <dgm:if name="Name1" func="var" arg="dir" op="equ" val="norm">
-        <dgm:alg type="lin">
-          <dgm:param type="linDir" val="fromL"/>
-          <dgm:param type="nodeHorzAlign" val="l"/>
-        </dgm:alg>
-      </dgm:if>
-      <dgm:else name="Name2">
-        <dgm:alg type="lin">
-          <dgm:param type="linDir" val="fromR"/>
-          <dgm:param type="nodeHorzAlign" val="r"/>
-        </dgm:alg>
-      </dgm:else>
-    </dgm:choose>
-    <dgm:shape xmlns:r="http://schemas.openxmlformats.org/officeDocument/2006/relationships" r:blip="">
-      <dgm:adjLst/>
-    </dgm:shape>
-    <dgm:presOf/>
-    <dgm:constrLst>
-      <dgm:constr type="w" for="ch" forName="compNode" refType="w"/>
-      <dgm:constr type="h" for="ch" forName="compNode" refType="w" refFor="ch" refForName="compNode" fact="0.7"/>
-      <dgm:constr type="ctrY" for="ch" forName="compNode" refType="h" fact="0.5"/>
-      <dgm:constr type="w" for="ch" forName="aSpace" refType="w" fact="0.05"/>
-      <dgm:constr type="primFontSz" for="des" forName="childTextHidden" op="equ" val="65"/>
-      <dgm:constr type="primFontSz" for="des" forName="parentText" op="equ"/>
-    </dgm:constrLst>
-    <dgm:ruleLst/>
-    <dgm:forEach name="aNodeForEach" axis="ch" ptType="node">
-      <dgm:layoutNode name="compNode">
-        <dgm:alg type="composite">
-          <dgm:param type="ar" val="1.43"/>
-        </dgm:alg>
-        <dgm:shape xmlns:r="http://schemas.openxmlformats.org/officeDocument/2006/relationships" r:blip="">
-          <dgm:adjLst/>
-        </dgm:shape>
-        <dgm:presOf/>
-        <dgm:choose name="Name3">
-          <dgm:if name="Name4" func="var" arg="dir" op="equ" val="norm">
-            <dgm:constrLst>
-              <dgm:constr type="w" for="ch" forName="childTextVisible" refType="w" fact="0.8"/>
-              <dgm:constr type="h" for="ch" forName="childTextVisible" refType="h"/>
-              <dgm:constr type="r" for="ch" forName="childTextVisible" refType="w"/>
-              <dgm:constr type="w" for="ch" forName="childTextHidden" refType="w" fact="0.6"/>
-              <dgm:constr type="h" for="ch" forName="childTextHidden" refType="h"/>
-              <dgm:constr type="r" for="ch" forName="childTextHidden" refType="w"/>
-              <dgm:constr type="l" for="ch" forName="parentText"/>
-              <dgm:constr type="w" for="ch" forName="parentText" refType="w" fact="0.4"/>
-              <dgm:constr type="h" for="ch" forName="parentText" refType="w" refFor="ch" refForName="parentText" op="equ"/>
-              <dgm:constr type="ctrY" for="ch" forName="parentText" refType="h" fact="0.5"/>
-            </dgm:constrLst>
-          </dgm:if>
-          <dgm:else name="Name5">
-            <dgm:constrLst>
-              <dgm:constr type="w" for="ch" forName="childTextVisible" refType="w" fact="0.8"/>
-              <dgm:constr type="h" for="ch" forName="childTextVisible" refType="h"/>
-              <dgm:constr type="l" for="ch" forName="childTextVisible"/>
-              <dgm:constr type="w" for="ch" forName="childTextHidden" refType="w" fact="0.6"/>
-              <dgm:constr type="h" for="ch" forName="childTextHidden" refType="h"/>
-              <dgm:constr type="l" for="ch" forName="childTextHidden"/>
-              <dgm:constr type="r" for="ch" forName="parentText" refType="w"/>
-              <dgm:constr type="w" for="ch" forName="parentText" refType="w" fact="0.4"/>
-              <dgm:constr type="h" for="ch" forName="parentText" refType="w" refFor="ch" refForName="parentText" op="equ"/>
-              <dgm:constr type="ctrY" for="ch" forName="parentText" refType="h" fact="0.5"/>
-            </dgm:constrLst>
-          </dgm:else>
-        </dgm:choose>
-        <dgm:ruleLst/>
-        <dgm:layoutNode name="noGeometry">
-          <dgm:alg type="sp"/>
-          <dgm:shape xmlns:r="http://schemas.openxmlformats.org/officeDocument/2006/relationships" r:blip="">
-            <dgm:adjLst/>
-          </dgm:shape>
-          <dgm:presOf/>
-          <dgm:constrLst/>
-          <dgm:ruleLst/>
-        </dgm:layoutNode>
-        <dgm:layoutNode name="childTextVisible" styleLbl="bgAccFollowNode1">
-          <dgm:varLst>
-            <dgm:bulletEnabled val="1"/>
-          </dgm:varLst>
-          <dgm:alg type="sp"/>
-          <dgm:choose name="Name6">
-            <dgm:if name="Name7" func="var" arg="dir" op="equ" val="norm">
-              <dgm:shape xmlns:r="http://schemas.openxmlformats.org/officeDocument/2006/relationships" type="rightArrow" r:blip="">
-                <dgm:adjLst>
-                  <dgm:adj idx="1" val="0.7"/>
-                  <dgm:adj idx="2" val="0.5"/>
-                </dgm:adjLst>
-              </dgm:shape>
-            </dgm:if>
-            <dgm:else name="Name8">
-              <dgm:shape xmlns:r="http://schemas.openxmlformats.org/officeDocument/2006/relationships" type="leftArrow" r:blip="">
-                <dgm:adjLst>
-                  <dgm:adj idx="1" val="0.7"/>
-                  <dgm:adj idx="2" val="0.5"/>
-                </dgm:adjLst>
-              </dgm:shape>
-            </dgm:else>
-          </dgm:choose>
-          <dgm:presOf axis="des" ptType="node"/>
-          <dgm:constrLst/>
-          <dgm:ruleLst/>
-        </dgm:layoutNode>
-        <dgm:layoutNode name="childTextHidden" styleLbl="bgAccFollowNode1">
-          <dgm:choose name="Name9">
-            <dgm:if name="Name10" axis="des followSib" ptType="node node" st="1 1" cnt="1 0" func="cnt" op="gte" val="1">
-              <dgm:alg type="tx">
-                <dgm:param type="stBulletLvl" val="1"/>
-                <dgm:param type="txAnchorVertCh" val="mid"/>
-              </dgm:alg>
-            </dgm:if>
-            <dgm:else name="Name11">
-              <dgm:alg type="tx">
-                <dgm:param type="stBulletLvl" val="2"/>
-                <dgm:param type="txAnchorVertCh" val="mid"/>
-              </dgm:alg>
-            </dgm:else>
-          </dgm:choose>
-          <dgm:choose name="Name12">
-            <dgm:if name="Name13" func="var" arg="dir" op="equ" val="norm">
-              <dgm:shape xmlns:r="http://schemas.openxmlformats.org/officeDocument/2006/relationships" type="rightArrow" r:blip="" hideGeom="1">
-                <dgm:adjLst>
-                  <dgm:adj idx="1" val="0.7"/>
-                  <dgm:adj idx="2" val="0.5"/>
-                </dgm:adjLst>
-              </dgm:shape>
-            </dgm:if>
-            <dgm:else name="Name14">
-              <dgm:shape xmlns:r="http://schemas.openxmlformats.org/officeDocument/2006/relationships" type="leftArrow" r:blip="" hideGeom="1">
-                <dgm:adjLst>
-                  <dgm:adj idx="1" val="0.7"/>
-                  <dgm:adj idx="2" val="0.5"/>
-                </dgm:adjLst>
-              </dgm:shape>
-            </dgm:else>
-          </dgm:choose>
-          <dgm:presOf axis="des" ptType="node"/>
-          <dgm:constrLst>
-            <dgm:constr type="secFontSz" refType="primFontSz"/>
-            <dgm:constr type="tMarg" refType="primFontSz" fact="0.05"/>
-            <dgm:constr type="bMarg" refType="primFontSz" fact="0.05"/>
-            <dgm:constr type="rMarg" refType="primFontSz" fact="0.1"/>
-            <dgm:constr type="lMarg" refType="primFontSz" fact="0.2"/>
-          </dgm:constrLst>
-          <dgm:ruleLst>
-            <dgm:rule type="primFontSz" val="5" fact="NaN" max="NaN"/>
-          </dgm:ruleLst>
-        </dgm:layoutNode>
-        <dgm:layoutNode name="parentText" styleLbl="node1">
-          <dgm:varLst>
-            <dgm:chMax val="1"/>
-            <dgm:bulletEnabled val="1"/>
-          </dgm:varLst>
-          <dgm:alg type="tx"/>
-          <dgm:shape xmlns:r="http://schemas.openxmlformats.org/officeDocument/2006/relationships" type="ellipse" r:blip="">
-            <dgm:adjLst/>
-          </dgm:shape>
-          <dgm:presOf axis="self"/>
-          <dgm:constrLst>
-            <dgm:constr type="primFontSz" val="65"/>
-            <dgm:constr type="tMarg" refType="primFontSz" fact="0.05"/>
-            <dgm:constr type="bMarg" refType="primFontSz" fact="0.05"/>
-            <dgm:constr type="lMarg" refType="primFontSz" fact="0.05"/>
-            <dgm:constr type="rMarg" refType="primFontSz" fact="0.05"/>
-          </dgm:constrLst>
-          <dgm:ruleLst>
-            <dgm:rule type="primFontSz" val="5" fact="NaN" max="NaN"/>
-          </dgm:ruleLst>
-        </dgm:layoutNode>
-      </dgm:layoutNode>
-      <dgm:choose name="Name15">
-        <dgm:if name="Name16" axis="self" ptType="node" func="revPos" op="gte" val="2">
-          <dgm:layoutNode name="aSpace">
-            <dgm:alg type="sp"/>
-            <dgm:shape xmlns:r="http://schemas.openxmlformats.org/officeDocument/2006/relationships" r:blip="">
-              <dgm:adjLst/>
-            </dgm:shape>
-            <dgm:presOf/>
-            <dgm:constrLst/>
-            <dgm:ruleLst/>
-          </dgm:layoutNode>
-        </dgm:if>
-        <dgm:else name="Name17"/>
-      </dgm:choose>
-    </dgm:forEach>
-  </dgm:layoutNode>
-</dgm:layoutDef>
-</file>
-
-<file path=ppt/diagrams/quickStyle1.xml><?xml version="1.0" encoding="utf-8"?>
-<dgm:styleDef xmlns:dgm="http://schemas.openxmlformats.org/drawingml/2006/diagram" xmlns:a="http://schemas.openxmlformats.org/drawingml/2006/main" uniqueId="urn:microsoft.com/office/officeart/2005/8/quickstyle/simple1">
-  <dgm:title val=""/>
-  <dgm:desc val=""/>
-  <dgm:catLst>
-    <dgm:cat type="simple" pri="10100"/>
-  </dgm:catLst>
-  <dgm:scene3d>
-    <a:camera prst="orthographicFront"/>
-    <a:lightRig rig="threePt" dir="t"/>
-  </dgm:scene3d>
-  <dgm:styleLbl name="node0">
-    <dgm:scene3d>
-      <a:camera prst="orthographicFront"/>
-      <a:lightRig rig="threePt" dir="t"/>
-    </dgm:scene3d>
-    <dgm:sp3d/>
-    <dgm:txPr/>
-    <dgm:style>
-      <a:lnRef idx="2">
-        <a:scrgbClr r="0" g="0" b="0"/>
-      </a:lnRef>
-      <a:fillRef idx="1">
-        <a:scrgbClr r="0" g="0" b="0"/>
-      </a:fillRef>
-      <a:effectRef idx="0">
-        <a:scrgbClr r="0" g="0" b="0"/>
-      </a:effectRef>
-      <a:fontRef idx="minor">
-        <a:schemeClr val="lt1"/>
-      </a:fontRef>
-    </dgm:style>
-  </dgm:styleLbl>
-  <dgm:styleLbl name="lnNode1">
-    <dgm:scene3d>
-      <a:camera prst="orthographicFront"/>
-      <a:lightRig rig="threePt" dir="t"/>
-    </dgm:scene3d>
-    <dgm:sp3d/>
-    <dgm:txPr/>
-    <dgm:style>
-      <a:lnRef idx="2">
-        <a:scrgbClr r="0" g="0" b="0"/>
-      </a:lnRef>
-      <a:fillRef idx="1">
-        <a:scrgbClr r="0" g="0" b="0"/>
-      </a:fillRef>
-      <a:effectRef idx="0">
-        <a:scrgbClr r="0" g="0" b="0"/>
-      </a:effectRef>
-      <a:fontRef idx="minor">
-        <a:schemeClr val="lt1"/>
-      </a:fontRef>
-    </dgm:style>
-  </dgm:styleLbl>
-  <dgm:styleLbl name="vennNode1">
-    <dgm:scene3d>
-      <a:camera prst="orthographicFront"/>
-      <a:lightRig rig="threePt" dir="t"/>
-    </dgm:scene3d>
-    <dgm:sp3d/>
-    <dgm:txPr/>
-    <dgm:style>
-      <a:lnRef idx="2">
-        <a:scrgbClr r="0" g="0" b="0"/>
-      </a:lnRef>
-      <a:fillRef idx="1">
-        <a:scrgbClr r="0" g="0" b="0"/>
-      </a:fillRef>
-      <a:effectRef idx="0">
-        <a:scrgbClr r="0" g="0" b="0"/>
-      </a:effectRef>
-      <a:fontRef idx="minor">
-        <a:schemeClr val="tx1"/>
-      </a:fontRef>
-    </dgm:style>
-  </dgm:styleLbl>
-  <dgm:styleLbl name="alignNode1">
-    <dgm:scene3d>
-      <a:camera prst="orthographicFront"/>
-      <a:lightRig rig="threePt" dir="t"/>
-    </dgm:scene3d>
-    <dgm:sp3d/>
-    <dgm:txPr/>
-    <dgm:style>
-      <a:lnRef idx="2">
-        <a:scrgbClr r="0" g="0" b="0"/>
-      </a:lnRef>
-      <a:fillRef idx="1">
-        <a:scrgbClr r="0" g="0" b="0"/>
-      </a:fillRef>
-      <a:effectRef idx="0">
-        <a:scrgbClr r="0" g="0" b="0"/>
-      </a:effectRef>
-      <a:fontRef idx="minor">
-        <a:schemeClr val="lt1"/>
-      </a:fontRef>
-    </dgm:style>
-  </dgm:styleLbl>
-  <dgm:styleLbl name="node1">
-    <dgm:scene3d>
-      <a:camera prst="orthographicFront"/>
-      <a:lightRig rig="threePt" dir="t"/>
-    </dgm:scene3d>
-    <dgm:sp3d/>
-    <dgm:txPr/>
-    <dgm:style>
-      <a:lnRef idx="2">
-        <a:scrgbClr r="0" g="0" b="0"/>
-      </a:lnRef>
-      <a:fillRef idx="1">
-        <a:scrgbClr r="0" g="0" b="0"/>
-      </a:fillRef>
-      <a:effectRef idx="0">
-        <a:scrgbClr r="0" g="0" b="0"/>
-      </a:effectRef>
-      <a:fontRef idx="minor">
-        <a:schemeClr val="lt1"/>
-      </a:fontRef>
-    </dgm:style>
-  </dgm:styleLbl>
-  <dgm:styleLbl name="node2">
-    <dgm:scene3d>
-      <a:camera prst="orthographicFront"/>
-      <a:lightRig rig="threePt" dir="t"/>
-    </dgm:scene3d>
-    <dgm:sp3d/>
-    <dgm:txPr/>
-    <dgm:style>
-      <a:lnRef idx="2">
-        <a:scrgbClr r="0" g="0" b="0"/>
-      </a:lnRef>
-      <a:fillRef idx="1">
-        <a:scrgbClr r="0" g="0" b="0"/>
-      </a:fillRef>
-      <a:effectRef idx="0">
-        <a:scrgbClr r="0" g="0" b="0"/>
-      </a:effectRef>
-      <a:fontRef idx="minor">
-        <a:schemeClr val="lt1"/>
-      </a:fontRef>
-    </dgm:style>
-  </dgm:styleLbl>
-  <dgm:styleLbl name="node3">
-    <dgm:scene3d>
-      <a:camera prst="orthographicFront"/>
-      <a:lightRig rig="threePt" dir="t"/>
-    </dgm:scene3d>
-    <dgm:sp3d/>
-    <dgm:txPr/>
-    <dgm:style>
-      <a:lnRef idx="2">
-        <a:scrgbClr r="0" g="0" b="0"/>
-      </a:lnRef>
-      <a:fillRef idx="1">
-        <a:scrgbClr r="0" g="0" b="0"/>
-      </a:fillRef>
-      <a:effectRef idx="0">
-        <a:scrgbClr r="0" g="0" b="0"/>
-      </a:effectRef>
-      <a:fontRef idx="minor">
-        <a:schemeClr val="lt1"/>
-      </a:fontRef>
-    </dgm:style>
-  </dgm:styleLbl>
-  <dgm:styleLbl name="node4">
-    <dgm:scene3d>
-      <a:camera prst="orthographicFront"/>
-      <a:lightRig rig="threePt" dir="t"/>
-    </dgm:scene3d>
-    <dgm:sp3d/>
-    <dgm:txPr/>
-    <dgm:style>
-      <a:lnRef idx="2">
-        <a:scrgbClr r="0" g="0" b="0"/>
-      </a:lnRef>
-      <a:fillRef idx="1">
-        <a:scrgbClr r="0" g="0" b="0"/>
-      </a:fillRef>
-      <a:effectRef idx="0">
-        <a:scrgbClr r="0" g="0" b="0"/>
-      </a:effectRef>
-      <a:fontRef idx="minor">
-        <a:schemeClr val="lt1"/>
-      </a:fontRef>
-    </dgm:style>
-  </dgm:styleLbl>
-  <dgm:styleLbl name="fgImgPlace1">
-    <dgm:scene3d>
-      <a:camera prst="orthographicFront"/>
-      <a:lightRig rig="threePt" dir="t"/>
-    </dgm:scene3d>
-    <dgm:sp3d/>
-    <dgm:txPr/>
-    <dgm:style>
-      <a:lnRef idx="2">
-        <a:scrgbClr r="0" g="0" b="0"/>
-      </a:lnRef>
-      <a:fillRef idx="1">
-        <a:scrgbClr r="0" g="0" b="0"/>
-      </a:fillRef>
-      <a:effectRef idx="0">
-        <a:scrgbClr r="0" g="0" b="0"/>
-      </a:effectRef>
-      <a:fontRef idx="minor"/>
-    </dgm:style>
-  </dgm:styleLbl>
-  <dgm:styleLbl name="alignImgPlace1">
-    <dgm:scene3d>
-      <a:camera prst="orthographicFront"/>
-      <a:lightRig rig="threePt" dir="t"/>
-    </dgm:scene3d>
-    <dgm:sp3d/>
-    <dgm:txPr/>
-    <dgm:style>
-      <a:lnRef idx="2">
-        <a:scrgbClr r="0" g="0" b="0"/>
-      </a:lnRef>
-      <a:fillRef idx="1">
-        <a:scrgbClr r="0" g="0" b="0"/>
-      </a:fillRef>
-      <a:effectRef idx="0">
-        <a:scrgbClr r="0" g="0" b="0"/>
-      </a:effectRef>
-      <a:fontRef idx="minor"/>
-    </dgm:style>
-  </dgm:styleLbl>
-  <dgm:styleLbl name="bgImgPlace1">
-    <dgm:scene3d>
-      <a:camera prst="orthographicFront"/>
-      <a:lightRig rig="threePt" dir="t"/>
-    </dgm:scene3d>
-    <dgm:sp3d/>
-    <dgm:txPr/>
-    <dgm:style>
-      <a:lnRef idx="2">
-        <a:scrgbClr r="0" g="0" b="0"/>
-      </a:lnRef>
-      <a:fillRef idx="1">
-        <a:scrgbClr r="0" g="0" b="0"/>
-      </a:fillRef>
-      <a:effectRef idx="0">
-        <a:scrgbClr r="0" g="0" b="0"/>
-      </a:effectRef>
-      <a:fontRef idx="minor"/>
-    </dgm:style>
-  </dgm:styleLbl>
-  <dgm:styleLbl name="sibTrans2D1">
-    <dgm:scene3d>
-      <a:camera prst="orthographicFront"/>
-      <a:lightRig rig="threePt" dir="t"/>
-    </dgm:scene3d>
-    <dgm:sp3d/>
-    <dgm:txPr/>
-    <dgm:style>
-      <a:lnRef idx="0">
-        <a:scrgbClr r="0" g="0" b="0"/>
-      </a:lnRef>
-      <a:fillRef idx="1">
-        <a:scrgbClr r="0" g="0" b="0"/>
-      </a:fillRef>
-      <a:effectRef idx="0">
-        <a:scrgbClr r="0" g="0" b="0"/>
-      </a:effectRef>
-      <a:fontRef idx="minor">
-        <a:schemeClr val="lt1"/>
-      </a:fontRef>
-    </dgm:style>
-  </dgm:styleLbl>
-  <dgm:styleLbl name="fgSibTrans2D1">
-    <dgm:scene3d>
-      <a:camera prst="orthographicFront"/>
-      <a:lightRig rig="threePt" dir="t"/>
-    </dgm:scene3d>
-    <dgm:sp3d/>
-    <dgm:txPr/>
-    <dgm:style>
-      <a:lnRef idx="0">
-        <a:scrgbClr r="0" g="0" b="0"/>
-      </a:lnRef>
-      <a:fillRef idx="1">
-        <a:scrgbClr r="0" g="0" b="0"/>
-      </a:fillRef>
-      <a:effectRef idx="0">
-        <a:scrgbClr r="0" g="0" b="0"/>
-      </a:effectRef>
-      <a:fontRef idx="minor">
-        <a:schemeClr val="lt1"/>
-      </a:fontRef>
-    </dgm:style>
-  </dgm:styleLbl>
-  <dgm:styleLbl name="bgSibTrans2D1">
-    <dgm:scene3d>
-      <a:camera prst="orthographicFront"/>
-      <a:lightRig rig="threePt" dir="t"/>
-    </dgm:scene3d>
-    <dgm:sp3d/>
-    <dgm:txPr/>
-    <dgm:style>
-      <a:lnRef idx="0">
-        <a:scrgbClr r="0" g="0" b="0"/>
-      </a:lnRef>
-      <a:fillRef idx="1">
-        <a:scrgbClr r="0" g="0" b="0"/>
-      </a:fillRef>
-      <a:effectRef idx="0">
-        <a:scrgbClr r="0" g="0" b="0"/>
-      </a:effectRef>
-      <a:fontRef idx="minor">
-        <a:schemeClr val="lt1"/>
-      </a:fontRef>
-    </dgm:style>
-  </dgm:styleLbl>
-  <dgm:styleLbl name="sibTrans1D1">
-    <dgm:scene3d>
-      <a:camera prst="orthographicFront"/>
-      <a:lightRig rig="threePt" dir="t"/>
-    </dgm:scene3d>
-    <dgm:sp3d/>
-    <dgm:txPr/>
-    <dgm:style>
-      <a:lnRef idx="1">
-        <a:scrgbClr r="0" g="0" b="0"/>
-      </a:lnRef>
-      <a:fillRef idx="0">
-        <a:scrgbClr r="0" g="0" b="0"/>
-      </a:fillRef>
-      <a:effectRef idx="0">
-        <a:scrgbClr r="0" g="0" b="0"/>
-      </a:effectRef>
-      <a:fontRef idx="minor"/>
-    </dgm:style>
-  </dgm:styleLbl>
-  <dgm:styleLbl name="callout">
-    <dgm:scene3d>
-      <a:camera prst="orthographicFront"/>
-      <a:lightRig rig="threePt" dir="t"/>
-    </dgm:scene3d>
-    <dgm:sp3d/>
-    <dgm:txPr/>
-    <dgm:style>
-      <a:lnRef idx="2">
-        <a:scrgbClr r="0" g="0" b="0"/>
-      </a:lnRef>
-      <a:fillRef idx="1">
-        <a:scrgbClr r="0" g="0" b="0"/>
-      </a:fillRef>
-      <a:effectRef idx="0">
-        <a:scrgbClr r="0" g="0" b="0"/>
-      </a:effectRef>
-      <a:fontRef idx="minor"/>
-    </dgm:style>
-  </dgm:styleLbl>
-  <dgm:styleLbl name="asst0">
-    <dgm:scene3d>
-      <a:camera prst="orthographicFront"/>
-      <a:lightRig rig="threePt" dir="t"/>
-    </dgm:scene3d>
-    <dgm:sp3d/>
-    <dgm:txPr/>
-    <dgm:style>
-      <a:lnRef idx="2">
-        <a:scrgbClr r="0" g="0" b="0"/>
-      </a:lnRef>
-      <a:fillRef idx="1">
-        <a:scrgbClr r="0" g="0" b="0"/>
-      </a:fillRef>
-      <a:effectRef idx="0">
-        <a:scrgbClr r="0" g="0" b="0"/>
-      </a:effectRef>
-      <a:fontRef idx="minor">
-        <a:schemeClr val="lt1"/>
-      </a:fontRef>
-    </dgm:style>
-  </dgm:styleLbl>
-  <dgm:styleLbl name="asst1">
-    <dgm:scene3d>
-      <a:camera prst="orthographicFront"/>
-      <a:lightRig rig="threePt" dir="t"/>
-    </dgm:scene3d>
-    <dgm:sp3d/>
-    <dgm:txPr/>
-    <dgm:style>
-      <a:lnRef idx="2">
-        <a:scrgbClr r="0" g="0" b="0"/>
-      </a:lnRef>
-      <a:fillRef idx="1">
-        <a:scrgbClr r="0" g="0" b="0"/>
-      </a:fillRef>
-      <a:effectRef idx="0">
-        <a:scrgbClr r="0" g="0" b="0"/>
-      </a:effectRef>
-      <a:fontRef idx="minor">
-        <a:schemeClr val="lt1"/>
-      </a:fontRef>
-    </dgm:style>
-  </dgm:styleLbl>
-  <dgm:styleLbl name="asst2">
-    <dgm:scene3d>
-      <a:camera prst="orthographicFront"/>
-      <a:lightRig rig="threePt" dir="t"/>
-    </dgm:scene3d>
-    <dgm:sp3d/>
-    <dgm:txPr/>
-    <dgm:style>
-      <a:lnRef idx="2">
-        <a:scrgbClr r="0" g="0" b="0"/>
-      </a:lnRef>
-      <a:fillRef idx="1">
-        <a:scrgbClr r="0" g="0" b="0"/>
-      </a:fillRef>
-      <a:effectRef idx="0">
-        <a:scrgbClr r="0" g="0" b="0"/>
-      </a:effectRef>
-      <a:fontRef idx="minor">
-        <a:schemeClr val="lt1"/>
-      </a:fontRef>
-    </dgm:style>
-  </dgm:styleLbl>
-  <dgm:styleLbl name="asst3">
-    <dgm:scene3d>
-      <a:camera prst="orthographicFront"/>
-      <a:lightRig rig="threePt" dir="t"/>
-    </dgm:scene3d>
-    <dgm:sp3d/>
-    <dgm:txPr/>
-    <dgm:style>
-      <a:lnRef idx="2">
-        <a:scrgbClr r="0" g="0" b="0"/>
-      </a:lnRef>
-      <a:fillRef idx="1">
-        <a:scrgbClr r="0" g="0" b="0"/>
-      </a:fillRef>
-      <a:effectRef idx="0">
-        <a:scrgbClr r="0" g="0" b="0"/>
-      </a:effectRef>
-      <a:fontRef idx="minor">
-        <a:schemeClr val="lt1"/>
-      </a:fontRef>
-    </dgm:style>
-  </dgm:styleLbl>
-  <dgm:styleLbl name="asst4">
-    <dgm:scene3d>
-      <a:camera prst="orthographicFront"/>
-      <a:lightRig rig="threePt" dir="t"/>
-    </dgm:scene3d>
-    <dgm:sp3d/>
-    <dgm:txPr/>
-    <dgm:style>
-      <a:lnRef idx="2">
-        <a:scrgbClr r="0" g="0" b="0"/>
-      </a:lnRef>
-      <a:fillRef idx="1">
-        <a:scrgbClr r="0" g="0" b="0"/>
-      </a:fillRef>
-      <a:effectRef idx="0">
-        <a:scrgbClr r="0" g="0" b="0"/>
-      </a:effectRef>
-      <a:fontRef idx="minor">
-        <a:schemeClr val="lt1"/>
-      </a:fontRef>
-    </dgm:style>
-  </dgm:styleLbl>
-  <dgm:styleLbl name="parChTrans2D1">
-    <dgm:scene3d>
-      <a:camera prst="orthographicFront"/>
-      <a:lightRig rig="threePt" dir="t"/>
-    </dgm:scene3d>
-    <dgm:sp3d/>
-    <dgm:txPr/>
-    <dgm:style>
-      <a:lnRef idx="2">
-        <a:scrgbClr r="0" g="0" b="0"/>
-      </a:lnRef>
-      <a:fillRef idx="1">
-        <a:scrgbClr r="0" g="0" b="0"/>
-      </a:fillRef>
-      <a:effectRef idx="0">
-        <a:scrgbClr r="0" g="0" b="0"/>
-      </a:effectRef>
-      <a:fontRef idx="minor">
-        <a:schemeClr val="lt1"/>
-      </a:fontRef>
-    </dgm:style>
-  </dgm:styleLbl>
-  <dgm:styleLbl name="parChTrans2D2">
-    <dgm:scene3d>
-      <a:camera prst="orthographicFront"/>
-      <a:lightRig rig="threePt" dir="t"/>
-    </dgm:scene3d>
-    <dgm:sp3d/>
-    <dgm:txPr/>
-    <dgm:style>
-      <a:lnRef idx="2">
-        <a:scrgbClr r="0" g="0" b="0"/>
-      </a:lnRef>
-      <a:fillRef idx="1">
-        <a:scrgbClr r="0" g="0" b="0"/>
-      </a:fillRef>
-      <a:effectRef idx="0">
-        <a:scrgbClr r="0" g="0" b="0"/>
-      </a:effectRef>
-      <a:fontRef idx="minor">
-        <a:schemeClr val="lt1"/>
-      </a:fontRef>
-    </dgm:style>
-  </dgm:styleLbl>
-  <dgm:styleLbl name="parChTrans2D3">
-    <dgm:scene3d>
-      <a:camera prst="orthographicFront"/>
-      <a:lightRig rig="threePt" dir="t"/>
-    </dgm:scene3d>
-    <dgm:sp3d/>
-    <dgm:txPr/>
-    <dgm:style>
-      <a:lnRef idx="2">
-        <a:scrgbClr r="0" g="0" b="0"/>
-      </a:lnRef>
-      <a:fillRef idx="1">
-        <a:scrgbClr r="0" g="0" b="0"/>
-      </a:fillRef>
-      <a:effectRef idx="0">
-        <a:scrgbClr r="0" g="0" b="0"/>
-      </a:effectRef>
-      <a:fontRef idx="minor">
-        <a:schemeClr val="lt1"/>
-      </a:fontRef>
-    </dgm:style>
-  </dgm:styleLbl>
-  <dgm:styleLbl name="parChTrans2D4">
-    <dgm:scene3d>
-      <a:camera prst="orthographicFront"/>
-      <a:lightRig rig="threePt" dir="t"/>
-    </dgm:scene3d>
-    <dgm:sp3d/>
-    <dgm:txPr/>
-    <dgm:style>
-      <a:lnRef idx="2">
-        <a:scrgbClr r="0" g="0" b="0"/>
-      </a:lnRef>
-      <a:fillRef idx="1">
-        <a:scrgbClr r="0" g="0" b="0"/>
-      </a:fillRef>
-      <a:effectRef idx="0">
-        <a:scrgbClr r="0" g="0" b="0"/>
-      </a:effectRef>
-      <a:fontRef idx="minor">
-        <a:schemeClr val="lt1"/>
-      </a:fontRef>
-    </dgm:style>
-  </dgm:styleLbl>
-  <dgm:styleLbl name="parChTrans1D1">
-    <dgm:scene3d>
-      <a:camera prst="orthographicFront"/>
-      <a:lightRig rig="threePt" dir="t"/>
-    </dgm:scene3d>
-    <dgm:sp3d/>
-    <dgm:txPr/>
-    <dgm:style>
-      <a:lnRef idx="2">
-        <a:scrgbClr r="0" g="0" b="0"/>
-      </a:lnRef>
-      <a:fillRef idx="0">
-        <a:scrgbClr r="0" g="0" b="0"/>
-      </a:fillRef>
-      <a:effectRef idx="0">
-        <a:scrgbClr r="0" g="0" b="0"/>
-      </a:effectRef>
-      <a:fontRef idx="minor"/>
-    </dgm:style>
-  </dgm:styleLbl>
-  <dgm:styleLbl name="parChTrans1D2">
-    <dgm:scene3d>
-      <a:camera prst="orthographicFront"/>
-      <a:lightRig rig="threePt" dir="t"/>
-    </dgm:scene3d>
-    <dgm:sp3d/>
-    <dgm:txPr/>
-    <dgm:style>
-      <a:lnRef idx="2">
-        <a:scrgbClr r="0" g="0" b="0"/>
-      </a:lnRef>
-      <a:fillRef idx="0">
-        <a:scrgbClr r="0" g="0" b="0"/>
-      </a:fillRef>
-      <a:effectRef idx="0">
-        <a:scrgbClr r="0" g="0" b="0"/>
-      </a:effectRef>
-      <a:fontRef idx="minor"/>
-    </dgm:style>
-  </dgm:styleLbl>
-  <dgm:styleLbl name="parChTrans1D3">
-    <dgm:scene3d>
-      <a:camera prst="orthographicFront"/>
-      <a:lightRig rig="threePt" dir="t"/>
-    </dgm:scene3d>
-    <dgm:sp3d/>
-    <dgm:txPr/>
-    <dgm:style>
-      <a:lnRef idx="2">
-        <a:scrgbClr r="0" g="0" b="0"/>
-      </a:lnRef>
-      <a:fillRef idx="0">
-        <a:scrgbClr r="0" g="0" b="0"/>
-      </a:fillRef>
-      <a:effectRef idx="0">
-        <a:scrgbClr r="0" g="0" b="0"/>
-      </a:effectRef>
-      <a:fontRef idx="minor"/>
-    </dgm:style>
-  </dgm:styleLbl>
-  <dgm:styleLbl name="parChTrans1D4">
-    <dgm:scene3d>
-      <a:camera prst="orthographicFront"/>
-      <a:lightRig rig="threePt" dir="t"/>
-    </dgm:scene3d>
-    <dgm:sp3d/>
-    <dgm:txPr/>
-    <dgm:style>
-      <a:lnRef idx="2">
-        <a:scrgbClr r="0" g="0" b="0"/>
-      </a:lnRef>
-      <a:fillRef idx="0">
-        <a:scrgbClr r="0" g="0" b="0"/>
-      </a:fillRef>
-      <a:effectRef idx="0">
-        <a:scrgbClr r="0" g="0" b="0"/>
-      </a:effectRef>
-      <a:fontRef idx="minor"/>
-    </dgm:style>
-  </dgm:styleLbl>
-  <dgm:styleLbl name="fgAcc1">
-    <dgm:scene3d>
-      <a:camera prst="orthographicFront"/>
-      <a:lightRig rig="threePt" dir="t"/>
-    </dgm:scene3d>
-    <dgm:sp3d/>
-    <dgm:txPr/>
-    <dgm:style>
-      <a:lnRef idx="2">
-        <a:scrgbClr r="0" g="0" b="0"/>
-      </a:lnRef>
-      <a:fillRef idx="1">
-        <a:scrgbClr r="0" g="0" b="0"/>
-      </a:fillRef>
-      <a:effectRef idx="0">
-        <a:scrgbClr r="0" g="0" b="0"/>
-      </a:effectRef>
-      <a:fontRef idx="minor"/>
-    </dgm:style>
-  </dgm:styleLbl>
-  <dgm:styleLbl name="conFgAcc1">
-    <dgm:scene3d>
-      <a:camera prst="orthographicFront"/>
-      <a:lightRig rig="threePt" dir="t"/>
-    </dgm:scene3d>
-    <dgm:sp3d/>
-    <dgm:txPr/>
-    <dgm:style>
-      <a:lnRef idx="2">
-        <a:scrgbClr r="0" g="0" b="0"/>
-      </a:lnRef>
-      <a:fillRef idx="1">
-        <a:scrgbClr r="0" g="0" b="0"/>
-      </a:fillRef>
-      <a:effectRef idx="0">
-        <a:scrgbClr r="0" g="0" b="0"/>
-      </a:effectRef>
-      <a:fontRef idx="minor"/>
-    </dgm:style>
-  </dgm:styleLbl>
-  <dgm:styleLbl name="alignAcc1">
-    <dgm:scene3d>
-      <a:camera prst="orthographicFront"/>
-      <a:lightRig rig="threePt" dir="t"/>
-    </dgm:scene3d>
-    <dgm:sp3d/>
-    <dgm:txPr/>
-    <dgm:style>
-      <a:lnRef idx="2">
-        <a:scrgbClr r="0" g="0" b="0"/>
-      </a:lnRef>
-      <a:fillRef idx="1">
-        <a:scrgbClr r="0" g="0" b="0"/>
-      </a:fillRef>
-      <a:effectRef idx="0">
-        <a:scrgbClr r="0" g="0" b="0"/>
-      </a:effectRef>
-      <a:fontRef idx="minor"/>
-    </dgm:style>
-  </dgm:styleLbl>
-  <dgm:styleLbl name="trAlignAcc1">
-    <dgm:scene3d>
-      <a:camera prst="orthographicFront"/>
-      <a:lightRig rig="threePt" dir="t"/>
-    </dgm:scene3d>
-    <dgm:sp3d/>
-    <dgm:txPr/>
-    <dgm:style>
-      <a:lnRef idx="1">
-        <a:scrgbClr r="0" g="0" b="0"/>
-      </a:lnRef>
-      <a:fillRef idx="1">
-        <a:scrgbClr r="0" g="0" b="0"/>
-      </a:fillRef>
-      <a:effectRef idx="0">
-        <a:scrgbClr r="0" g="0" b="0"/>
-      </a:effectRef>
-      <a:fontRef idx="minor"/>
-    </dgm:style>
-  </dgm:styleLbl>
-  <dgm:styleLbl name="bgAcc1">
-    <dgm:scene3d>
-      <a:camera prst="orthographicFront"/>
-      <a:lightRig rig="threePt" dir="t"/>
-    </dgm:scene3d>
-    <dgm:sp3d/>
-    <dgm:txPr/>
-    <dgm:style>
-      <a:lnRef idx="2">
-        <a:scrgbClr r="0" g="0" b="0"/>
-      </a:lnRef>
-      <a:fillRef idx="1">
-        <a:scrgbClr r="0" g="0" b="0"/>
-      </a:fillRef>
-      <a:effectRef idx="0">
-        <a:scrgbClr r="0" g="0" b="0"/>
-      </a:effectRef>
-      <a:fontRef idx="minor"/>
-    </dgm:style>
-  </dgm:styleLbl>
-  <dgm:styleLbl name="solidFgAcc1">
-    <dgm:scene3d>
-      <a:camera prst="orthographicFront"/>
-      <a:lightRig rig="threePt" dir="t"/>
-    </dgm:scene3d>
-    <dgm:sp3d/>
-    <dgm:txPr/>
-    <dgm:style>
-      <a:lnRef idx="2">
-        <a:scrgbClr r="0" g="0" b="0"/>
-      </a:lnRef>
-      <a:fillRef idx="1">
-        <a:scrgbClr r="0" g="0" b="0"/>
-      </a:fillRef>
-      <a:effectRef idx="0">
-        <a:scrgbClr r="0" g="0" b="0"/>
-      </a:effectRef>
-      <a:fontRef idx="minor"/>
-    </dgm:style>
-  </dgm:styleLbl>
-  <dgm:styleLbl name="solidAlignAcc1">
-    <dgm:scene3d>
-      <a:camera prst="orthographicFront"/>
-      <a:lightRig rig="threePt" dir="t"/>
-    </dgm:scene3d>
-    <dgm:sp3d/>
-    <dgm:txPr/>
-    <dgm:style>
-      <a:lnRef idx="2">
-        <a:scrgbClr r="0" g="0" b="0"/>
-      </a:lnRef>
-      <a:fillRef idx="1">
-        <a:scrgbClr r="0" g="0" b="0"/>
-      </a:fillRef>
-      <a:effectRef idx="0">
-        <a:scrgbClr r="0" g="0" b="0"/>
-      </a:effectRef>
-      <a:fontRef idx="minor"/>
-    </dgm:style>
-  </dgm:styleLbl>
-  <dgm:styleLbl name="solidBgAcc1">
-    <dgm:scene3d>
-      <a:camera prst="orthographicFront"/>
-      <a:lightRig rig="threePt" dir="t"/>
-    </dgm:scene3d>
-    <dgm:sp3d/>
-    <dgm:txPr/>
-    <dgm:style>
-      <a:lnRef idx="2">
-        <a:scrgbClr r="0" g="0" b="0"/>
-      </a:lnRef>
-      <a:fillRef idx="1">
-        <a:scrgbClr r="0" g="0" b="0"/>
-      </a:fillRef>
-      <a:effectRef idx="0">
-        <a:scrgbClr r="0" g="0" b="0"/>
-      </a:effectRef>
-      <a:fontRef idx="minor"/>
-    </dgm:style>
-  </dgm:styleLbl>
-  <dgm:styleLbl name="fgAccFollowNode1">
-    <dgm:scene3d>
-      <a:camera prst="orthographicFront"/>
-      <a:lightRig rig="threePt" dir="t"/>
-    </dgm:scene3d>
-    <dgm:sp3d/>
-    <dgm:txPr/>
-    <dgm:style>
-      <a:lnRef idx="2">
-        <a:scrgbClr r="0" g="0" b="0"/>
-      </a:lnRef>
-      <a:fillRef idx="1">
-        <a:scrgbClr r="0" g="0" b="0"/>
-      </a:fillRef>
-      <a:effectRef idx="0">
-        <a:scrgbClr r="0" g="0" b="0"/>
-      </a:effectRef>
-      <a:fontRef idx="minor"/>
-    </dgm:style>
-  </dgm:styleLbl>
-  <dgm:styleLbl name="alignAccFollowNode1">
-    <dgm:scene3d>
-      <a:camera prst="orthographicFront"/>
-      <a:lightRig rig="threePt" dir="t"/>
-    </dgm:scene3d>
-    <dgm:sp3d/>
-    <dgm:txPr/>
-    <dgm:style>
-      <a:lnRef idx="2">
-        <a:scrgbClr r="0" g="0" b="0"/>
-      </a:lnRef>
-      <a:fillRef idx="1">
-        <a:scrgbClr r="0" g="0" b="0"/>
-      </a:fillRef>
-      <a:effectRef idx="0">
-        <a:scrgbClr r="0" g="0" b="0"/>
-      </a:effectRef>
-      <a:fontRef idx="minor"/>
-    </dgm:style>
-  </dgm:styleLbl>
-  <dgm:styleLbl name="bgAccFollowNode1">
-    <dgm:scene3d>
-      <a:camera prst="orthographicFront"/>
-      <a:lightRig rig="threePt" dir="t"/>
-    </dgm:scene3d>
-    <dgm:sp3d/>
-    <dgm:txPr/>
-    <dgm:style>
-      <a:lnRef idx="2">
-        <a:scrgbClr r="0" g="0" b="0"/>
-      </a:lnRef>
-      <a:fillRef idx="1">
-        <a:scrgbClr r="0" g="0" b="0"/>
-      </a:fillRef>
-      <a:effectRef idx="0">
-        <a:scrgbClr r="0" g="0" b="0"/>
-      </a:effectRef>
-      <a:fontRef idx="minor"/>
-    </dgm:style>
-  </dgm:styleLbl>
-  <dgm:styleLbl name="fgAcc0">
-    <dgm:scene3d>
-      <a:camera prst="orthographicFront"/>
-      <a:lightRig rig="threePt" dir="t"/>
-    </dgm:scene3d>
-    <dgm:sp3d/>
-    <dgm:txPr/>
-    <dgm:style>
-      <a:lnRef idx="2">
-        <a:scrgbClr r="0" g="0" b="0"/>
-      </a:lnRef>
-      <a:fillRef idx="1">
-        <a:scrgbClr r="0" g="0" b="0"/>
-      </a:fillRef>
-      <a:effectRef idx="0">
-        <a:scrgbClr r="0" g="0" b="0"/>
-      </a:effectRef>
-      <a:fontRef idx="minor"/>
-    </dgm:style>
-  </dgm:styleLbl>
-  <dgm:styleLbl name="fgAcc2">
-    <dgm:scene3d>
-      <a:camera prst="orthographicFront"/>
-      <a:lightRig rig="threePt" dir="t"/>
-    </dgm:scene3d>
-    <dgm:sp3d/>
-    <dgm:txPr/>
-    <dgm:style>
-      <a:lnRef idx="2">
-        <a:scrgbClr r="0" g="0" b="0"/>
-      </a:lnRef>
-      <a:fillRef idx="1">
-        <a:scrgbClr r="0" g="0" b="0"/>
-      </a:fillRef>
-      <a:effectRef idx="0">
-        <a:scrgbClr r="0" g="0" b="0"/>
-      </a:effectRef>
-      <a:fontRef idx="minor"/>
-    </dgm:style>
-  </dgm:styleLbl>
-  <dgm:styleLbl name="fgAcc3">
-    <dgm:scene3d>
-      <a:camera prst="orthographicFront"/>
-      <a:lightRig rig="threePt" dir="t"/>
-    </dgm:scene3d>
-    <dgm:sp3d/>
-    <dgm:txPr/>
-    <dgm:style>
-      <a:lnRef idx="2">
-        <a:scrgbClr r="0" g="0" b="0"/>
-      </a:lnRef>
-      <a:fillRef idx="1">
-        <a:scrgbClr r="0" g="0" b="0"/>
-      </a:fillRef>
-      <a:effectRef idx="0">
-        <a:scrgbClr r="0" g="0" b="0"/>
-      </a:effectRef>
-      <a:fontRef idx="minor"/>
-    </dgm:style>
-  </dgm:styleLbl>
-  <dgm:styleLbl name="fgAcc4">
-    <dgm:scene3d>
-      <a:camera prst="orthographicFront"/>
-      <a:lightRig rig="threePt" dir="t"/>
-    </dgm:scene3d>
-    <dgm:sp3d/>
-    <dgm:txPr/>
-    <dgm:style>
-      <a:lnRef idx="2">
-        <a:scrgbClr r="0" g="0" b="0"/>
-      </a:lnRef>
-      <a:fillRef idx="1">
-        <a:scrgbClr r="0" g="0" b="0"/>
-      </a:fillRef>
-      <a:effectRef idx="0">
-        <a:scrgbClr r="0" g="0" b="0"/>
-      </a:effectRef>
-      <a:fontRef idx="minor"/>
-    </dgm:style>
-  </dgm:styleLbl>
-  <dgm:styleLbl name="bgShp">
-    <dgm:scene3d>
-      <a:camera prst="orthographicFront"/>
-      <a:lightRig rig="threePt" dir="t"/>
-    </dgm:scene3d>
-    <dgm:sp3d/>
-    <dgm:txPr/>
-    <dgm:style>
-      <a:lnRef idx="0">
-        <a:scrgbClr r="0" g="0" b="0"/>
-      </a:lnRef>
-      <a:fillRef idx="1">
-        <a:scrgbClr r="0" g="0" b="0"/>
-      </a:fillRef>
-      <a:effectRef idx="0">
-        <a:scrgbClr r="0" g="0" b="0"/>
-      </a:effectRef>
-      <a:fontRef idx="minor"/>
-    </dgm:style>
-  </dgm:styleLbl>
-  <dgm:styleLbl name="dkBgShp">
-    <dgm:scene3d>
-      <a:camera prst="orthographicFront"/>
-      <a:lightRig rig="threePt" dir="t"/>
-    </dgm:scene3d>
-    <dgm:sp3d/>
-    <dgm:txPr/>
-    <dgm:style>
-      <a:lnRef idx="0">
-        <a:scrgbClr r="0" g="0" b="0"/>
-      </a:lnRef>
-      <a:fillRef idx="1">
-        <a:scrgbClr r="0" g="0" b="0"/>
-      </a:fillRef>
-      <a:effectRef idx="0">
-        <a:scrgbClr r="0" g="0" b="0"/>
-      </a:effectRef>
-      <a:fontRef idx="minor"/>
-    </dgm:style>
-  </dgm:styleLbl>
-  <dgm:styleLbl name="trBgShp">
-    <dgm:scene3d>
-      <a:camera prst="orthographicFront"/>
-      <a:lightRig rig="threePt" dir="t"/>
-    </dgm:scene3d>
-    <dgm:sp3d/>
-    <dgm:txPr/>
-    <dgm:style>
-      <a:lnRef idx="0">
-        <a:scrgbClr r="0" g="0" b="0"/>
-      </a:lnRef>
-      <a:fillRef idx="1">
-        <a:scrgbClr r="0" g="0" b="0"/>
-      </a:fillRef>
-      <a:effectRef idx="0">
-        <a:scrgbClr r="0" g="0" b="0"/>
-      </a:effectRef>
-      <a:fontRef idx="minor"/>
-    </dgm:style>
-  </dgm:styleLbl>
-  <dgm:styleLbl name="fgShp">
-    <dgm:scene3d>
-      <a:camera prst="orthographicFront"/>
-      <a:lightRig rig="threePt" dir="t"/>
-    </dgm:scene3d>
-    <dgm:sp3d/>
-    <dgm:txPr/>
-    <dgm:style>
-      <a:lnRef idx="2">
-        <a:scrgbClr r="0" g="0" b="0"/>
-      </a:lnRef>
-      <a:fillRef idx="1">
-        <a:scrgbClr r="0" g="0" b="0"/>
-      </a:fillRef>
-      <a:effectRef idx="0">
-        <a:scrgbClr r="0" g="0" b="0"/>
-      </a:effectRef>
-      <a:fontRef idx="minor"/>
-    </dgm:style>
-  </dgm:styleLbl>
-  <dgm:styleLbl name="revTx">
-    <dgm:scene3d>
-      <a:camera prst="orthographicFront"/>
-      <a:lightRig rig="threePt" dir="t"/>
-    </dgm:scene3d>
-    <dgm:sp3d/>
-    <dgm:txPr/>
-    <dgm:style>
-      <a:lnRef idx="0">
-        <a:scrgbClr r="0" g="0" b="0"/>
-      </a:lnRef>
-      <a:fillRef idx="0">
-        <a:scrgbClr r="0" g="0" b="0"/>
-      </a:fillRef>
-      <a:effectRef idx="0">
-        <a:scrgbClr r="0" g="0" b="0"/>
-      </a:effectRef>
-      <a:fontRef idx="minor"/>
-    </dgm:style>
-  </dgm:styleLbl>
-</dgm:styleDef>
 </file>
 
 <file path=ppt/handoutMasters/handoutMaster1.xml><?xml version="1.0" encoding="utf-8"?>
@@ -4960,182 +778,6 @@
 </p:notes>
 </file>
 
-<file path=ppt/notesSlides/notesSlide10.xml><?xml version="1.0" encoding="utf-8"?>
-<p:notes xmlns:a="http://schemas.openxmlformats.org/drawingml/2006/main" xmlns:r="http://schemas.openxmlformats.org/officeDocument/2006/relationships" xmlns:p="http://schemas.openxmlformats.org/presentationml/2006/main">
-  <p:cSld>
-    <p:spTree>
-      <p:nvGrpSpPr>
-        <p:cNvPr id="1" name=""/>
-        <p:cNvGrpSpPr/>
-        <p:nvPr/>
-      </p:nvGrpSpPr>
-      <p:grpSpPr>
-        <a:xfrm>
-          <a:off x="0" y="0"/>
-          <a:ext cx="0" cy="0"/>
-          <a:chOff x="0" y="0"/>
-          <a:chExt cx="0" cy="0"/>
-        </a:xfrm>
-      </p:grpSpPr>
-      <p:sp>
-        <p:nvSpPr>
-          <p:cNvPr id="2" name="幻灯片图像占位符 1"/>
-          <p:cNvSpPr>
-            <a:spLocks noGrp="1" noRot="1" noChangeAspect="1"/>
-          </p:cNvSpPr>
-          <p:nvPr>
-            <p:ph type="sldImg"/>
-          </p:nvPr>
-        </p:nvSpPr>
-        <p:spPr/>
-      </p:sp>
-      <p:sp>
-        <p:nvSpPr>
-          <p:cNvPr id="3" name="备注占位符 2"/>
-          <p:cNvSpPr>
-            <a:spLocks noGrp="1"/>
-          </p:cNvSpPr>
-          <p:nvPr>
-            <p:ph type="body" idx="1"/>
-          </p:nvPr>
-        </p:nvSpPr>
-        <p:spPr/>
-        <p:txBody>
-          <a:bodyPr/>
-          <a:lstStyle/>
-          <a:p>
-            <a:endParaRPr lang="zh-CN" altLang="en-US" dirty="0">
-              <a:latin typeface="微软雅黑" panose="020B0503020204020204" pitchFamily="34" charset="-122"/>
-              <a:ea typeface="微软雅黑" panose="020B0503020204020204" pitchFamily="34" charset="-122"/>
-            </a:endParaRPr>
-          </a:p>
-        </p:txBody>
-      </p:sp>
-      <p:sp>
-        <p:nvSpPr>
-          <p:cNvPr id="4" name="灯片编号占位符 3"/>
-          <p:cNvSpPr>
-            <a:spLocks noGrp="1"/>
-          </p:cNvSpPr>
-          <p:nvPr>
-            <p:ph type="sldNum" sz="quarter" idx="10"/>
-          </p:nvPr>
-        </p:nvSpPr>
-        <p:spPr/>
-        <p:txBody>
-          <a:bodyPr/>
-          <a:lstStyle/>
-          <a:p>
-            <a:pPr rtl="0"/>
-            <a:fld id="{82869989-EB00-4EE7-BCB5-25BDC5BB29F8}" type="slidenum">
-              <a:rPr lang="en-US" altLang="zh-CN" smtClean="0"/>
-              <a:t>15</a:t>
-            </a:fld>
-            <a:endParaRPr lang="zh-CN" altLang="en-US" dirty="0"/>
-          </a:p>
-        </p:txBody>
-      </p:sp>
-    </p:spTree>
-    <p:extLst>
-      <p:ext uri="{BB962C8B-B14F-4D97-AF65-F5344CB8AC3E}">
-        <p14:creationId xmlns:p14="http://schemas.microsoft.com/office/powerpoint/2010/main" val="984970865"/>
-      </p:ext>
-    </p:extLst>
-  </p:cSld>
-  <p:clrMapOvr>
-    <a:masterClrMapping/>
-  </p:clrMapOvr>
-</p:notes>
-</file>
-
-<file path=ppt/notesSlides/notesSlide11.xml><?xml version="1.0" encoding="utf-8"?>
-<p:notes xmlns:a="http://schemas.openxmlformats.org/drawingml/2006/main" xmlns:r="http://schemas.openxmlformats.org/officeDocument/2006/relationships" xmlns:p="http://schemas.openxmlformats.org/presentationml/2006/main">
-  <p:cSld>
-    <p:spTree>
-      <p:nvGrpSpPr>
-        <p:cNvPr id="1" name=""/>
-        <p:cNvGrpSpPr/>
-        <p:nvPr/>
-      </p:nvGrpSpPr>
-      <p:grpSpPr>
-        <a:xfrm>
-          <a:off x="0" y="0"/>
-          <a:ext cx="0" cy="0"/>
-          <a:chOff x="0" y="0"/>
-          <a:chExt cx="0" cy="0"/>
-        </a:xfrm>
-      </p:grpSpPr>
-      <p:sp>
-        <p:nvSpPr>
-          <p:cNvPr id="2" name="幻灯片图像占位符 1"/>
-          <p:cNvSpPr>
-            <a:spLocks noGrp="1" noRot="1" noChangeAspect="1"/>
-          </p:cNvSpPr>
-          <p:nvPr>
-            <p:ph type="sldImg"/>
-          </p:nvPr>
-        </p:nvSpPr>
-        <p:spPr/>
-      </p:sp>
-      <p:sp>
-        <p:nvSpPr>
-          <p:cNvPr id="3" name="备注占位符 2"/>
-          <p:cNvSpPr>
-            <a:spLocks noGrp="1"/>
-          </p:cNvSpPr>
-          <p:nvPr>
-            <p:ph type="body" idx="1"/>
-          </p:nvPr>
-        </p:nvSpPr>
-        <p:spPr/>
-        <p:txBody>
-          <a:bodyPr/>
-          <a:lstStyle/>
-          <a:p>
-            <a:endParaRPr lang="zh-CN" altLang="en-US" dirty="0">
-              <a:latin typeface="微软雅黑" panose="020B0503020204020204" pitchFamily="34" charset="-122"/>
-              <a:ea typeface="微软雅黑" panose="020B0503020204020204" pitchFamily="34" charset="-122"/>
-            </a:endParaRPr>
-          </a:p>
-        </p:txBody>
-      </p:sp>
-      <p:sp>
-        <p:nvSpPr>
-          <p:cNvPr id="4" name="灯片编号占位符 3"/>
-          <p:cNvSpPr>
-            <a:spLocks noGrp="1"/>
-          </p:cNvSpPr>
-          <p:nvPr>
-            <p:ph type="sldNum" sz="quarter" idx="10"/>
-          </p:nvPr>
-        </p:nvSpPr>
-        <p:spPr/>
-        <p:txBody>
-          <a:bodyPr/>
-          <a:lstStyle/>
-          <a:p>
-            <a:pPr rtl="0"/>
-            <a:fld id="{82869989-EB00-4EE7-BCB5-25BDC5BB29F8}" type="slidenum">
-              <a:rPr lang="en-US" altLang="zh-CN" smtClean="0"/>
-              <a:t>16</a:t>
-            </a:fld>
-            <a:endParaRPr lang="zh-CN" altLang="en-US" dirty="0"/>
-          </a:p>
-        </p:txBody>
-      </p:sp>
-    </p:spTree>
-    <p:extLst>
-      <p:ext uri="{BB962C8B-B14F-4D97-AF65-F5344CB8AC3E}">
-        <p14:creationId xmlns:p14="http://schemas.microsoft.com/office/powerpoint/2010/main" val="3950201067"/>
-      </p:ext>
-    </p:extLst>
-  </p:cSld>
-  <p:clrMapOvr>
-    <a:masterClrMapping/>
-  </p:clrMapOvr>
-</p:notes>
-</file>
-
 <file path=ppt/notesSlides/notesSlide2.xml><?xml version="1.0" encoding="utf-8"?>
 <p:notes xmlns:a="http://schemas.openxmlformats.org/drawingml/2006/main" xmlns:r="http://schemas.openxmlformats.org/officeDocument/2006/relationships" xmlns:p="http://schemas.openxmlformats.org/presentationml/2006/main">
   <p:cSld>
@@ -5216,622 +858,6 @@
     <p:extLst>
       <p:ext uri="{BB962C8B-B14F-4D97-AF65-F5344CB8AC3E}">
         <p14:creationId xmlns:p14="http://schemas.microsoft.com/office/powerpoint/2010/main" val="1980303916"/>
-      </p:ext>
-    </p:extLst>
-  </p:cSld>
-  <p:clrMapOvr>
-    <a:masterClrMapping/>
-  </p:clrMapOvr>
-</p:notes>
-</file>
-
-<file path=ppt/notesSlides/notesSlide3.xml><?xml version="1.0" encoding="utf-8"?>
-<p:notes xmlns:a="http://schemas.openxmlformats.org/drawingml/2006/main" xmlns:r="http://schemas.openxmlformats.org/officeDocument/2006/relationships" xmlns:p="http://schemas.openxmlformats.org/presentationml/2006/main">
-  <p:cSld>
-    <p:spTree>
-      <p:nvGrpSpPr>
-        <p:cNvPr id="1" name=""/>
-        <p:cNvGrpSpPr/>
-        <p:nvPr/>
-      </p:nvGrpSpPr>
-      <p:grpSpPr>
-        <a:xfrm>
-          <a:off x="0" y="0"/>
-          <a:ext cx="0" cy="0"/>
-          <a:chOff x="0" y="0"/>
-          <a:chExt cx="0" cy="0"/>
-        </a:xfrm>
-      </p:grpSpPr>
-      <p:sp>
-        <p:nvSpPr>
-          <p:cNvPr id="2" name="幻灯片图像占位符 1"/>
-          <p:cNvSpPr>
-            <a:spLocks noGrp="1" noRot="1" noChangeAspect="1"/>
-          </p:cNvSpPr>
-          <p:nvPr>
-            <p:ph type="sldImg"/>
-          </p:nvPr>
-        </p:nvSpPr>
-        <p:spPr/>
-      </p:sp>
-      <p:sp>
-        <p:nvSpPr>
-          <p:cNvPr id="3" name="备注占位符 2"/>
-          <p:cNvSpPr>
-            <a:spLocks noGrp="1"/>
-          </p:cNvSpPr>
-          <p:nvPr>
-            <p:ph type="body" idx="1"/>
-          </p:nvPr>
-        </p:nvSpPr>
-        <p:spPr/>
-        <p:txBody>
-          <a:bodyPr/>
-          <a:lstStyle/>
-          <a:p>
-            <a:endParaRPr lang="zh-CN" altLang="en-US" dirty="0">
-              <a:latin typeface="微软雅黑" panose="020B0503020204020204" pitchFamily="34" charset="-122"/>
-              <a:ea typeface="微软雅黑" panose="020B0503020204020204" pitchFamily="34" charset="-122"/>
-            </a:endParaRPr>
-          </a:p>
-        </p:txBody>
-      </p:sp>
-      <p:sp>
-        <p:nvSpPr>
-          <p:cNvPr id="4" name="灯片编号占位符 3"/>
-          <p:cNvSpPr>
-            <a:spLocks noGrp="1"/>
-          </p:cNvSpPr>
-          <p:nvPr>
-            <p:ph type="sldNum" sz="quarter" idx="10"/>
-          </p:nvPr>
-        </p:nvSpPr>
-        <p:spPr/>
-        <p:txBody>
-          <a:bodyPr/>
-          <a:lstStyle/>
-          <a:p>
-            <a:pPr rtl="0"/>
-            <a:fld id="{82869989-EB00-4EE7-BCB5-25BDC5BB29F8}" type="slidenum">
-              <a:rPr lang="en-US" altLang="zh-CN" smtClean="0"/>
-              <a:t>8</a:t>
-            </a:fld>
-            <a:endParaRPr lang="zh-CN" altLang="en-US" dirty="0"/>
-          </a:p>
-        </p:txBody>
-      </p:sp>
-    </p:spTree>
-    <p:extLst>
-      <p:ext uri="{BB962C8B-B14F-4D97-AF65-F5344CB8AC3E}">
-        <p14:creationId xmlns:p14="http://schemas.microsoft.com/office/powerpoint/2010/main" val="3223945432"/>
-      </p:ext>
-    </p:extLst>
-  </p:cSld>
-  <p:clrMapOvr>
-    <a:masterClrMapping/>
-  </p:clrMapOvr>
-</p:notes>
-</file>
-
-<file path=ppt/notesSlides/notesSlide4.xml><?xml version="1.0" encoding="utf-8"?>
-<p:notes xmlns:a="http://schemas.openxmlformats.org/drawingml/2006/main" xmlns:r="http://schemas.openxmlformats.org/officeDocument/2006/relationships" xmlns:p="http://schemas.openxmlformats.org/presentationml/2006/main">
-  <p:cSld>
-    <p:spTree>
-      <p:nvGrpSpPr>
-        <p:cNvPr id="1" name=""/>
-        <p:cNvGrpSpPr/>
-        <p:nvPr/>
-      </p:nvGrpSpPr>
-      <p:grpSpPr>
-        <a:xfrm>
-          <a:off x="0" y="0"/>
-          <a:ext cx="0" cy="0"/>
-          <a:chOff x="0" y="0"/>
-          <a:chExt cx="0" cy="0"/>
-        </a:xfrm>
-      </p:grpSpPr>
-      <p:sp>
-        <p:nvSpPr>
-          <p:cNvPr id="2" name="幻灯片图像占位符 1"/>
-          <p:cNvSpPr>
-            <a:spLocks noGrp="1" noRot="1" noChangeAspect="1"/>
-          </p:cNvSpPr>
-          <p:nvPr>
-            <p:ph type="sldImg"/>
-          </p:nvPr>
-        </p:nvSpPr>
-        <p:spPr/>
-      </p:sp>
-      <p:sp>
-        <p:nvSpPr>
-          <p:cNvPr id="3" name="备注占位符 2"/>
-          <p:cNvSpPr>
-            <a:spLocks noGrp="1"/>
-          </p:cNvSpPr>
-          <p:nvPr>
-            <p:ph type="body" idx="1"/>
-          </p:nvPr>
-        </p:nvSpPr>
-        <p:spPr/>
-        <p:txBody>
-          <a:bodyPr/>
-          <a:lstStyle/>
-          <a:p>
-            <a:endParaRPr lang="zh-CN" altLang="en-US" dirty="0">
-              <a:latin typeface="微软雅黑" panose="020B0503020204020204" pitchFamily="34" charset="-122"/>
-              <a:ea typeface="微软雅黑" panose="020B0503020204020204" pitchFamily="34" charset="-122"/>
-            </a:endParaRPr>
-          </a:p>
-        </p:txBody>
-      </p:sp>
-      <p:sp>
-        <p:nvSpPr>
-          <p:cNvPr id="4" name="灯片编号占位符 3"/>
-          <p:cNvSpPr>
-            <a:spLocks noGrp="1"/>
-          </p:cNvSpPr>
-          <p:nvPr>
-            <p:ph type="sldNum" sz="quarter" idx="10"/>
-          </p:nvPr>
-        </p:nvSpPr>
-        <p:spPr/>
-        <p:txBody>
-          <a:bodyPr/>
-          <a:lstStyle/>
-          <a:p>
-            <a:pPr rtl="0"/>
-            <a:fld id="{82869989-EB00-4EE7-BCB5-25BDC5BB29F8}" type="slidenum">
-              <a:rPr lang="en-US" altLang="zh-CN" smtClean="0"/>
-              <a:t>9</a:t>
-            </a:fld>
-            <a:endParaRPr lang="zh-CN" altLang="en-US" dirty="0"/>
-          </a:p>
-        </p:txBody>
-      </p:sp>
-    </p:spTree>
-    <p:extLst>
-      <p:ext uri="{BB962C8B-B14F-4D97-AF65-F5344CB8AC3E}">
-        <p14:creationId xmlns:p14="http://schemas.microsoft.com/office/powerpoint/2010/main" val="1495640151"/>
-      </p:ext>
-    </p:extLst>
-  </p:cSld>
-  <p:clrMapOvr>
-    <a:masterClrMapping/>
-  </p:clrMapOvr>
-</p:notes>
-</file>
-
-<file path=ppt/notesSlides/notesSlide5.xml><?xml version="1.0" encoding="utf-8"?>
-<p:notes xmlns:a="http://schemas.openxmlformats.org/drawingml/2006/main" xmlns:r="http://schemas.openxmlformats.org/officeDocument/2006/relationships" xmlns:p="http://schemas.openxmlformats.org/presentationml/2006/main">
-  <p:cSld>
-    <p:spTree>
-      <p:nvGrpSpPr>
-        <p:cNvPr id="1" name=""/>
-        <p:cNvGrpSpPr/>
-        <p:nvPr/>
-      </p:nvGrpSpPr>
-      <p:grpSpPr>
-        <a:xfrm>
-          <a:off x="0" y="0"/>
-          <a:ext cx="0" cy="0"/>
-          <a:chOff x="0" y="0"/>
-          <a:chExt cx="0" cy="0"/>
-        </a:xfrm>
-      </p:grpSpPr>
-      <p:sp>
-        <p:nvSpPr>
-          <p:cNvPr id="2" name="幻灯片图像占位符 1"/>
-          <p:cNvSpPr>
-            <a:spLocks noGrp="1" noRot="1" noChangeAspect="1"/>
-          </p:cNvSpPr>
-          <p:nvPr>
-            <p:ph type="sldImg"/>
-          </p:nvPr>
-        </p:nvSpPr>
-        <p:spPr/>
-      </p:sp>
-      <p:sp>
-        <p:nvSpPr>
-          <p:cNvPr id="3" name="备注占位符 2"/>
-          <p:cNvSpPr>
-            <a:spLocks noGrp="1"/>
-          </p:cNvSpPr>
-          <p:nvPr>
-            <p:ph type="body" idx="1"/>
-          </p:nvPr>
-        </p:nvSpPr>
-        <p:spPr/>
-        <p:txBody>
-          <a:bodyPr/>
-          <a:lstStyle/>
-          <a:p>
-            <a:endParaRPr lang="zh-CN" altLang="en-US" dirty="0">
-              <a:latin typeface="微软雅黑" panose="020B0503020204020204" pitchFamily="34" charset="-122"/>
-              <a:ea typeface="微软雅黑" panose="020B0503020204020204" pitchFamily="34" charset="-122"/>
-            </a:endParaRPr>
-          </a:p>
-        </p:txBody>
-      </p:sp>
-      <p:sp>
-        <p:nvSpPr>
-          <p:cNvPr id="4" name="灯片编号占位符 3"/>
-          <p:cNvSpPr>
-            <a:spLocks noGrp="1"/>
-          </p:cNvSpPr>
-          <p:nvPr>
-            <p:ph type="sldNum" sz="quarter" idx="10"/>
-          </p:nvPr>
-        </p:nvSpPr>
-        <p:spPr/>
-        <p:txBody>
-          <a:bodyPr/>
-          <a:lstStyle/>
-          <a:p>
-            <a:pPr rtl="0"/>
-            <a:fld id="{82869989-EB00-4EE7-BCB5-25BDC5BB29F8}" type="slidenum">
-              <a:rPr lang="en-US" altLang="zh-CN" smtClean="0"/>
-              <a:t>10</a:t>
-            </a:fld>
-            <a:endParaRPr lang="zh-CN" altLang="en-US" dirty="0"/>
-          </a:p>
-        </p:txBody>
-      </p:sp>
-    </p:spTree>
-    <p:extLst>
-      <p:ext uri="{BB962C8B-B14F-4D97-AF65-F5344CB8AC3E}">
-        <p14:creationId xmlns:p14="http://schemas.microsoft.com/office/powerpoint/2010/main" val="122360259"/>
-      </p:ext>
-    </p:extLst>
-  </p:cSld>
-  <p:clrMapOvr>
-    <a:masterClrMapping/>
-  </p:clrMapOvr>
-</p:notes>
-</file>
-
-<file path=ppt/notesSlides/notesSlide6.xml><?xml version="1.0" encoding="utf-8"?>
-<p:notes xmlns:a="http://schemas.openxmlformats.org/drawingml/2006/main" xmlns:r="http://schemas.openxmlformats.org/officeDocument/2006/relationships" xmlns:p="http://schemas.openxmlformats.org/presentationml/2006/main">
-  <p:cSld>
-    <p:spTree>
-      <p:nvGrpSpPr>
-        <p:cNvPr id="1" name=""/>
-        <p:cNvGrpSpPr/>
-        <p:nvPr/>
-      </p:nvGrpSpPr>
-      <p:grpSpPr>
-        <a:xfrm>
-          <a:off x="0" y="0"/>
-          <a:ext cx="0" cy="0"/>
-          <a:chOff x="0" y="0"/>
-          <a:chExt cx="0" cy="0"/>
-        </a:xfrm>
-      </p:grpSpPr>
-      <p:sp>
-        <p:nvSpPr>
-          <p:cNvPr id="2" name="幻灯片图像占位符 1"/>
-          <p:cNvSpPr>
-            <a:spLocks noGrp="1" noRot="1" noChangeAspect="1"/>
-          </p:cNvSpPr>
-          <p:nvPr>
-            <p:ph type="sldImg"/>
-          </p:nvPr>
-        </p:nvSpPr>
-        <p:spPr/>
-      </p:sp>
-      <p:sp>
-        <p:nvSpPr>
-          <p:cNvPr id="3" name="备注占位符 2"/>
-          <p:cNvSpPr>
-            <a:spLocks noGrp="1"/>
-          </p:cNvSpPr>
-          <p:nvPr>
-            <p:ph type="body" idx="1"/>
-          </p:nvPr>
-        </p:nvSpPr>
-        <p:spPr/>
-        <p:txBody>
-          <a:bodyPr/>
-          <a:lstStyle/>
-          <a:p>
-            <a:endParaRPr lang="zh-CN" altLang="en-US" dirty="0">
-              <a:latin typeface="微软雅黑" panose="020B0503020204020204" pitchFamily="34" charset="-122"/>
-              <a:ea typeface="微软雅黑" panose="020B0503020204020204" pitchFamily="34" charset="-122"/>
-            </a:endParaRPr>
-          </a:p>
-        </p:txBody>
-      </p:sp>
-      <p:sp>
-        <p:nvSpPr>
-          <p:cNvPr id="4" name="灯片编号占位符 3"/>
-          <p:cNvSpPr>
-            <a:spLocks noGrp="1"/>
-          </p:cNvSpPr>
-          <p:nvPr>
-            <p:ph type="sldNum" sz="quarter" idx="10"/>
-          </p:nvPr>
-        </p:nvSpPr>
-        <p:spPr/>
-        <p:txBody>
-          <a:bodyPr/>
-          <a:lstStyle/>
-          <a:p>
-            <a:pPr rtl="0"/>
-            <a:fld id="{82869989-EB00-4EE7-BCB5-25BDC5BB29F8}" type="slidenum">
-              <a:rPr lang="en-US" altLang="zh-CN" smtClean="0"/>
-              <a:t>11</a:t>
-            </a:fld>
-            <a:endParaRPr lang="zh-CN" altLang="en-US" dirty="0"/>
-          </a:p>
-        </p:txBody>
-      </p:sp>
-    </p:spTree>
-    <p:extLst>
-      <p:ext uri="{BB962C8B-B14F-4D97-AF65-F5344CB8AC3E}">
-        <p14:creationId xmlns:p14="http://schemas.microsoft.com/office/powerpoint/2010/main" val="775659234"/>
-      </p:ext>
-    </p:extLst>
-  </p:cSld>
-  <p:clrMapOvr>
-    <a:masterClrMapping/>
-  </p:clrMapOvr>
-</p:notes>
-</file>
-
-<file path=ppt/notesSlides/notesSlide7.xml><?xml version="1.0" encoding="utf-8"?>
-<p:notes xmlns:a="http://schemas.openxmlformats.org/drawingml/2006/main" xmlns:r="http://schemas.openxmlformats.org/officeDocument/2006/relationships" xmlns:p="http://schemas.openxmlformats.org/presentationml/2006/main">
-  <p:cSld>
-    <p:spTree>
-      <p:nvGrpSpPr>
-        <p:cNvPr id="1" name=""/>
-        <p:cNvGrpSpPr/>
-        <p:nvPr/>
-      </p:nvGrpSpPr>
-      <p:grpSpPr>
-        <a:xfrm>
-          <a:off x="0" y="0"/>
-          <a:ext cx="0" cy="0"/>
-          <a:chOff x="0" y="0"/>
-          <a:chExt cx="0" cy="0"/>
-        </a:xfrm>
-      </p:grpSpPr>
-      <p:sp>
-        <p:nvSpPr>
-          <p:cNvPr id="2" name="幻灯片图像占位符 1"/>
-          <p:cNvSpPr>
-            <a:spLocks noGrp="1" noRot="1" noChangeAspect="1"/>
-          </p:cNvSpPr>
-          <p:nvPr>
-            <p:ph type="sldImg"/>
-          </p:nvPr>
-        </p:nvSpPr>
-        <p:spPr/>
-      </p:sp>
-      <p:sp>
-        <p:nvSpPr>
-          <p:cNvPr id="3" name="备注占位符 2"/>
-          <p:cNvSpPr>
-            <a:spLocks noGrp="1"/>
-          </p:cNvSpPr>
-          <p:nvPr>
-            <p:ph type="body" idx="1"/>
-          </p:nvPr>
-        </p:nvSpPr>
-        <p:spPr/>
-        <p:txBody>
-          <a:bodyPr/>
-          <a:lstStyle/>
-          <a:p>
-            <a:endParaRPr lang="zh-CN" altLang="en-US" dirty="0">
-              <a:latin typeface="微软雅黑" panose="020B0503020204020204" pitchFamily="34" charset="-122"/>
-              <a:ea typeface="微软雅黑" panose="020B0503020204020204" pitchFamily="34" charset="-122"/>
-            </a:endParaRPr>
-          </a:p>
-        </p:txBody>
-      </p:sp>
-      <p:sp>
-        <p:nvSpPr>
-          <p:cNvPr id="4" name="灯片编号占位符 3"/>
-          <p:cNvSpPr>
-            <a:spLocks noGrp="1"/>
-          </p:cNvSpPr>
-          <p:nvPr>
-            <p:ph type="sldNum" sz="quarter" idx="10"/>
-          </p:nvPr>
-        </p:nvSpPr>
-        <p:spPr/>
-        <p:txBody>
-          <a:bodyPr/>
-          <a:lstStyle/>
-          <a:p>
-            <a:pPr rtl="0"/>
-            <a:fld id="{82869989-EB00-4EE7-BCB5-25BDC5BB29F8}" type="slidenum">
-              <a:rPr lang="en-US" altLang="zh-CN" smtClean="0"/>
-              <a:t>12</a:t>
-            </a:fld>
-            <a:endParaRPr lang="zh-CN" altLang="en-US" dirty="0"/>
-          </a:p>
-        </p:txBody>
-      </p:sp>
-    </p:spTree>
-    <p:extLst>
-      <p:ext uri="{BB962C8B-B14F-4D97-AF65-F5344CB8AC3E}">
-        <p14:creationId xmlns:p14="http://schemas.microsoft.com/office/powerpoint/2010/main" val="1978640618"/>
-      </p:ext>
-    </p:extLst>
-  </p:cSld>
-  <p:clrMapOvr>
-    <a:masterClrMapping/>
-  </p:clrMapOvr>
-</p:notes>
-</file>
-
-<file path=ppt/notesSlides/notesSlide8.xml><?xml version="1.0" encoding="utf-8"?>
-<p:notes xmlns:a="http://schemas.openxmlformats.org/drawingml/2006/main" xmlns:r="http://schemas.openxmlformats.org/officeDocument/2006/relationships" xmlns:p="http://schemas.openxmlformats.org/presentationml/2006/main">
-  <p:cSld>
-    <p:spTree>
-      <p:nvGrpSpPr>
-        <p:cNvPr id="1" name=""/>
-        <p:cNvGrpSpPr/>
-        <p:nvPr/>
-      </p:nvGrpSpPr>
-      <p:grpSpPr>
-        <a:xfrm>
-          <a:off x="0" y="0"/>
-          <a:ext cx="0" cy="0"/>
-          <a:chOff x="0" y="0"/>
-          <a:chExt cx="0" cy="0"/>
-        </a:xfrm>
-      </p:grpSpPr>
-      <p:sp>
-        <p:nvSpPr>
-          <p:cNvPr id="2" name="幻灯片图像占位符 1"/>
-          <p:cNvSpPr>
-            <a:spLocks noGrp="1" noRot="1" noChangeAspect="1"/>
-          </p:cNvSpPr>
-          <p:nvPr>
-            <p:ph type="sldImg"/>
-          </p:nvPr>
-        </p:nvSpPr>
-        <p:spPr/>
-      </p:sp>
-      <p:sp>
-        <p:nvSpPr>
-          <p:cNvPr id="3" name="备注占位符 2"/>
-          <p:cNvSpPr>
-            <a:spLocks noGrp="1"/>
-          </p:cNvSpPr>
-          <p:nvPr>
-            <p:ph type="body" idx="1"/>
-          </p:nvPr>
-        </p:nvSpPr>
-        <p:spPr/>
-        <p:txBody>
-          <a:bodyPr/>
-          <a:lstStyle/>
-          <a:p>
-            <a:endParaRPr lang="zh-CN" altLang="en-US" dirty="0">
-              <a:latin typeface="微软雅黑" panose="020B0503020204020204" pitchFamily="34" charset="-122"/>
-              <a:ea typeface="微软雅黑" panose="020B0503020204020204" pitchFamily="34" charset="-122"/>
-            </a:endParaRPr>
-          </a:p>
-        </p:txBody>
-      </p:sp>
-      <p:sp>
-        <p:nvSpPr>
-          <p:cNvPr id="4" name="灯片编号占位符 3"/>
-          <p:cNvSpPr>
-            <a:spLocks noGrp="1"/>
-          </p:cNvSpPr>
-          <p:nvPr>
-            <p:ph type="sldNum" sz="quarter" idx="10"/>
-          </p:nvPr>
-        </p:nvSpPr>
-        <p:spPr/>
-        <p:txBody>
-          <a:bodyPr/>
-          <a:lstStyle/>
-          <a:p>
-            <a:pPr rtl="0"/>
-            <a:fld id="{82869989-EB00-4EE7-BCB5-25BDC5BB29F8}" type="slidenum">
-              <a:rPr lang="en-US" altLang="zh-CN" smtClean="0"/>
-              <a:t>13</a:t>
-            </a:fld>
-            <a:endParaRPr lang="zh-CN" altLang="en-US" dirty="0"/>
-          </a:p>
-        </p:txBody>
-      </p:sp>
-    </p:spTree>
-    <p:extLst>
-      <p:ext uri="{BB962C8B-B14F-4D97-AF65-F5344CB8AC3E}">
-        <p14:creationId xmlns:p14="http://schemas.microsoft.com/office/powerpoint/2010/main" val="640096828"/>
-      </p:ext>
-    </p:extLst>
-  </p:cSld>
-  <p:clrMapOvr>
-    <a:masterClrMapping/>
-  </p:clrMapOvr>
-</p:notes>
-</file>
-
-<file path=ppt/notesSlides/notesSlide9.xml><?xml version="1.0" encoding="utf-8"?>
-<p:notes xmlns:a="http://schemas.openxmlformats.org/drawingml/2006/main" xmlns:r="http://schemas.openxmlformats.org/officeDocument/2006/relationships" xmlns:p="http://schemas.openxmlformats.org/presentationml/2006/main">
-  <p:cSld>
-    <p:spTree>
-      <p:nvGrpSpPr>
-        <p:cNvPr id="1" name=""/>
-        <p:cNvGrpSpPr/>
-        <p:nvPr/>
-      </p:nvGrpSpPr>
-      <p:grpSpPr>
-        <a:xfrm>
-          <a:off x="0" y="0"/>
-          <a:ext cx="0" cy="0"/>
-          <a:chOff x="0" y="0"/>
-          <a:chExt cx="0" cy="0"/>
-        </a:xfrm>
-      </p:grpSpPr>
-      <p:sp>
-        <p:nvSpPr>
-          <p:cNvPr id="2" name="幻灯片图像占位符 1"/>
-          <p:cNvSpPr>
-            <a:spLocks noGrp="1" noRot="1" noChangeAspect="1"/>
-          </p:cNvSpPr>
-          <p:nvPr>
-            <p:ph type="sldImg"/>
-          </p:nvPr>
-        </p:nvSpPr>
-        <p:spPr/>
-      </p:sp>
-      <p:sp>
-        <p:nvSpPr>
-          <p:cNvPr id="3" name="备注占位符 2"/>
-          <p:cNvSpPr>
-            <a:spLocks noGrp="1"/>
-          </p:cNvSpPr>
-          <p:nvPr>
-            <p:ph type="body" idx="1"/>
-          </p:nvPr>
-        </p:nvSpPr>
-        <p:spPr/>
-        <p:txBody>
-          <a:bodyPr/>
-          <a:lstStyle/>
-          <a:p>
-            <a:endParaRPr lang="zh-CN" altLang="en-US" dirty="0">
-              <a:latin typeface="微软雅黑" panose="020B0503020204020204" pitchFamily="34" charset="-122"/>
-              <a:ea typeface="微软雅黑" panose="020B0503020204020204" pitchFamily="34" charset="-122"/>
-            </a:endParaRPr>
-          </a:p>
-        </p:txBody>
-      </p:sp>
-      <p:sp>
-        <p:nvSpPr>
-          <p:cNvPr id="4" name="灯片编号占位符 3"/>
-          <p:cNvSpPr>
-            <a:spLocks noGrp="1"/>
-          </p:cNvSpPr>
-          <p:nvPr>
-            <p:ph type="sldNum" sz="quarter" idx="10"/>
-          </p:nvPr>
-        </p:nvSpPr>
-        <p:spPr/>
-        <p:txBody>
-          <a:bodyPr/>
-          <a:lstStyle/>
-          <a:p>
-            <a:pPr rtl="0"/>
-            <a:fld id="{82869989-EB00-4EE7-BCB5-25BDC5BB29F8}" type="slidenum">
-              <a:rPr lang="en-US" altLang="zh-CN" smtClean="0"/>
-              <a:t>14</a:t>
-            </a:fld>
-            <a:endParaRPr lang="zh-CN" altLang="en-US" dirty="0"/>
-          </a:p>
-        </p:txBody>
-      </p:sp>
-    </p:spTree>
-    <p:extLst>
-      <p:ext uri="{BB962C8B-B14F-4D97-AF65-F5344CB8AC3E}">
-        <p14:creationId xmlns:p14="http://schemas.microsoft.com/office/powerpoint/2010/main" val="2264701239"/>
       </p:ext>
     </p:extLst>
   </p:cSld>
@@ -20594,7 +15620,13 @@
       </p:grpSpPr>
       <p:sp>
         <p:nvSpPr>
-          <p:cNvPr id="2" name="标题 1"/>
+          <p:cNvPr id="2" name="标题 1">
+            <a:extLst>
+              <a:ext uri="{FF2B5EF4-FFF2-40B4-BE49-F238E27FC236}">
+                <a16:creationId xmlns:a16="http://schemas.microsoft.com/office/drawing/2014/main" id="{9747AB54-9AA0-4889-B88A-FEB4867C19CF}"/>
+              </a:ext>
+            </a:extLst>
+          </p:cNvPr>
           <p:cNvSpPr>
             <a:spLocks noGrp="1"/>
           </p:cNvSpPr>
@@ -20604,66 +15636,125 @@
         </p:nvSpPr>
         <p:spPr/>
         <p:txBody>
-          <a:bodyPr rtlCol="0"/>
+          <a:bodyPr/>
           <a:lstStyle/>
           <a:p>
-            <a:pPr rtl="0"/>
             <a:r>
-              <a:rPr lang="zh-CN" altLang="en-US" dirty="0">
-                <a:latin typeface="微软雅黑" panose="020B0503020204020204" pitchFamily="34" charset="-122"/>
-                <a:ea typeface="微软雅黑" panose="020B0503020204020204" pitchFamily="34" charset="-122"/>
-                <a:sym typeface="Arial" panose="020B0604020202020204" pitchFamily="34" charset="0"/>
-              </a:rPr>
-              <a:t>标题和包含 </a:t>
+              <a:rPr lang="en-US" altLang="zh-CN" dirty="0"/>
+              <a:t>Solution – Directed Edges</a:t>
             </a:r>
-            <a:r>
-              <a:rPr lang="en-US" altLang="zh-CN" dirty="0">
-                <a:latin typeface="微软雅黑" panose="020B0503020204020204" pitchFamily="34" charset="-122"/>
-                <a:ea typeface="微软雅黑" panose="020B0503020204020204" pitchFamily="34" charset="-122"/>
-                <a:sym typeface="Arial" panose="020B0604020202020204" pitchFamily="34" charset="0"/>
-              </a:rPr>
-              <a:t>SmartArt </a:t>
-            </a:r>
-            <a:r>
-              <a:rPr lang="zh-CN" altLang="en-US" dirty="0">
-                <a:latin typeface="微软雅黑" panose="020B0503020204020204" pitchFamily="34" charset="-122"/>
-                <a:ea typeface="微软雅黑" panose="020B0503020204020204" pitchFamily="34" charset="-122"/>
-                <a:sym typeface="Arial" panose="020B0604020202020204" pitchFamily="34" charset="0"/>
-              </a:rPr>
-              <a:t>的内容布局</a:t>
-            </a:r>
+            <a:endParaRPr lang="zh-CN" altLang="en-US" dirty="0"/>
           </a:p>
         </p:txBody>
       </p:sp>
-      <p:graphicFrame>
-        <p:nvGraphicFramePr>
-          <p:cNvPr id="4" name="内容占位符 3" descr="流程箭头图，显示了从左至右排列的 3 个步骤，且每个步骤都有任务说明"/>
-          <p:cNvGraphicFramePr>
-            <a:graphicFrameLocks noGrp="1"/>
-          </p:cNvGraphicFramePr>
+      <p:sp>
+        <p:nvSpPr>
+          <p:cNvPr id="3" name="内容占位符 2">
+            <a:extLst>
+              <a:ext uri="{FF2B5EF4-FFF2-40B4-BE49-F238E27FC236}">
+                <a16:creationId xmlns:a16="http://schemas.microsoft.com/office/drawing/2014/main" id="{6E6CD55A-A2AC-4DA6-BDDD-8114D8AAE6E3}"/>
+              </a:ext>
+            </a:extLst>
+          </p:cNvPr>
+          <p:cNvSpPr>
+            <a:spLocks noGrp="1"/>
+          </p:cNvSpPr>
           <p:nvPr>
             <p:ph idx="1"/>
-            <p:extLst>
-              <p:ext uri="{D42A27DB-BD31-4B8C-83A1-F6EECF244321}">
-                <p14:modId xmlns:p14="http://schemas.microsoft.com/office/powerpoint/2010/main" val="1122284103"/>
-              </p:ext>
-            </p:extLst>
           </p:nvPr>
-        </p:nvGraphicFramePr>
-        <p:xfrm>
-          <a:off x="1295400" y="1981200"/>
-          <a:ext cx="9601200" cy="3810000"/>
-        </p:xfrm>
-        <a:graphic>
-          <a:graphicData uri="http://schemas.openxmlformats.org/drawingml/2006/diagram">
-            <dgm:relIds xmlns:dgm="http://schemas.openxmlformats.org/drawingml/2006/diagram" xmlns:r="http://schemas.openxmlformats.org/officeDocument/2006/relationships" r:dm="rId3" r:lo="rId4" r:qs="rId5" r:cs="rId6"/>
-          </a:graphicData>
-        </a:graphic>
-      </p:graphicFrame>
+        </p:nvSpPr>
+        <p:spPr/>
+        <p:txBody>
+          <a:bodyPr/>
+          <a:lstStyle/>
+          <a:p>
+            <a:r>
+              <a:rPr lang="en-US" altLang="zh-CN" dirty="0"/>
+              <a:t>Finally, we can use this analysis to generate time schedule.</a:t>
+            </a:r>
+          </a:p>
+          <a:p>
+            <a:r>
+              <a:rPr lang="en-US" altLang="zh-CN" dirty="0"/>
+              <a:t>For each bus departure, we arrange a time schedule.</a:t>
+            </a:r>
+          </a:p>
+          <a:p>
+            <a:pPr lvl="1"/>
+            <a:r>
+              <a:rPr lang="en-US" altLang="zh-CN" dirty="0"/>
+              <a:t>We don’t need 25 buses, but only 25 departures.</a:t>
+            </a:r>
+          </a:p>
+          <a:p>
+            <a:r>
+              <a:rPr lang="en-US" altLang="zh-CN" dirty="0"/>
+              <a:t>Start time from 0:0, because simulation starts at 0:0.</a:t>
+            </a:r>
+          </a:p>
+          <a:p>
+            <a:pPr lvl="1"/>
+            <a:r>
+              <a:rPr lang="en-US" altLang="zh-CN" dirty="0"/>
+              <a:t>In realistic situation, change the simulation initial time.</a:t>
+            </a:r>
+          </a:p>
+          <a:p>
+            <a:r>
+              <a:rPr lang="en-US" altLang="zh-CN" dirty="0"/>
+              <a:t>If wait at some station, then stop here for a few minutes.</a:t>
+            </a:r>
+          </a:p>
+          <a:p>
+            <a:pPr lvl="1"/>
+            <a:r>
+              <a:rPr lang="en-US" altLang="zh-CN" dirty="0"/>
+              <a:t>Wait time 0 means don’t wait, pick and just leave.</a:t>
+            </a:r>
+          </a:p>
+          <a:p>
+            <a:r>
+              <a:rPr lang="en-US" altLang="zh-CN" dirty="0"/>
+              <a:t>For not presented stations, means no students here waiting for picking up.</a:t>
+            </a:r>
+            <a:endParaRPr lang="zh-CN" altLang="en-US" dirty="0"/>
+          </a:p>
+        </p:txBody>
+      </p:sp>
+      <p:pic>
+        <p:nvPicPr>
+          <p:cNvPr id="4" name="图片 3">
+            <a:extLst>
+              <a:ext uri="{FF2B5EF4-FFF2-40B4-BE49-F238E27FC236}">
+                <a16:creationId xmlns:a16="http://schemas.microsoft.com/office/drawing/2014/main" id="{6FFA6015-CAC0-46CB-8197-03E2FF6E91C6}"/>
+              </a:ext>
+            </a:extLst>
+          </p:cNvPr>
+          <p:cNvPicPr>
+            <a:picLocks noChangeAspect="1"/>
+          </p:cNvPicPr>
+          <p:nvPr/>
+        </p:nvPicPr>
+        <p:blipFill>
+          <a:blip r:embed="rId2"/>
+          <a:stretch>
+            <a:fillRect/>
+          </a:stretch>
+        </p:blipFill>
+        <p:spPr>
+          <a:xfrm>
+            <a:off x="8907608" y="1981201"/>
+            <a:ext cx="1988992" cy="2598645"/>
+          </a:xfrm>
+          <a:prstGeom prst="rect">
+            <a:avLst/>
+          </a:prstGeom>
+        </p:spPr>
+      </p:pic>
     </p:spTree>
     <p:extLst>
       <p:ext uri="{BB962C8B-B14F-4D97-AF65-F5344CB8AC3E}">
-        <p14:creationId xmlns:p14="http://schemas.microsoft.com/office/powerpoint/2010/main" val="2761515851"/>
+        <p14:creationId xmlns:p14="http://schemas.microsoft.com/office/powerpoint/2010/main" val="2226244877"/>
       </p:ext>
     </p:extLst>
   </p:cSld>
@@ -20704,7 +15795,13 @@
       </p:grpSpPr>
       <p:sp>
         <p:nvSpPr>
-          <p:cNvPr id="2" name="标题 1"/>
+          <p:cNvPr id="2" name="标题 1">
+            <a:extLst>
+              <a:ext uri="{FF2B5EF4-FFF2-40B4-BE49-F238E27FC236}">
+                <a16:creationId xmlns:a16="http://schemas.microsoft.com/office/drawing/2014/main" id="{7C5D206E-623C-476E-8383-D6A22B2117BA}"/>
+              </a:ext>
+            </a:extLst>
+          </p:cNvPr>
           <p:cNvSpPr>
             <a:spLocks noGrp="1"/>
           </p:cNvSpPr>
@@ -20714,445 +15811,26 @@
         </p:nvSpPr>
         <p:spPr/>
         <p:txBody>
-          <a:bodyPr rtlCol="0"/>
+          <a:bodyPr/>
           <a:lstStyle/>
           <a:p>
-            <a:pPr rtl="0"/>
             <a:r>
-              <a:rPr lang="zh-CN" altLang="en-US" dirty="0">
-                <a:latin typeface="微软雅黑" panose="020B0503020204020204" pitchFamily="34" charset="-122"/>
-                <a:ea typeface="微软雅黑" panose="020B0503020204020204" pitchFamily="34" charset="-122"/>
-                <a:sym typeface="Arial" panose="020B0604020202020204" pitchFamily="34" charset="0"/>
-              </a:rPr>
-              <a:t>添加幻灯片标题 </a:t>
+              <a:rPr lang="en-US" altLang="zh-CN" dirty="0"/>
+              <a:t>Analysis of Result</a:t>
             </a:r>
-            <a:r>
-              <a:rPr lang="en-US" altLang="zh-CN" dirty="0">
-                <a:latin typeface="微软雅黑" panose="020B0503020204020204" pitchFamily="34" charset="-122"/>
-                <a:ea typeface="微软雅黑" panose="020B0503020204020204" pitchFamily="34" charset="-122"/>
-                <a:sym typeface="Arial" panose="020B0604020202020204" pitchFamily="34" charset="0"/>
-              </a:rPr>
-              <a:t>- 1</a:t>
-            </a:r>
-            <a:endParaRPr lang="zh-CN" altLang="en-US" dirty="0">
-              <a:latin typeface="微软雅黑" panose="020B0503020204020204" pitchFamily="34" charset="-122"/>
-              <a:ea typeface="微软雅黑" panose="020B0503020204020204" pitchFamily="34" charset="-122"/>
-              <a:sym typeface="Arial" panose="020B0604020202020204" pitchFamily="34" charset="0"/>
-            </a:endParaRPr>
+            <a:endParaRPr lang="zh-CN" altLang="en-US" dirty="0"/>
           </a:p>
         </p:txBody>
       </p:sp>
       <p:sp>
         <p:nvSpPr>
-          <p:cNvPr id="3" name="文本占位符 2"/>
-          <p:cNvSpPr>
-            <a:spLocks noGrp="1"/>
-          </p:cNvSpPr>
-          <p:nvPr>
-            <p:ph type="body" idx="1"/>
-          </p:nvPr>
-        </p:nvSpPr>
-        <p:spPr/>
-        <p:txBody>
-          <a:bodyPr rtlCol="0"/>
-          <a:lstStyle/>
-          <a:p>
-            <a:pPr rtl="0"/>
-            <a:endParaRPr lang="zh-CN" altLang="en-US" dirty="0">
-              <a:latin typeface="微软雅黑" panose="020B0503020204020204" pitchFamily="34" charset="-122"/>
-              <a:ea typeface="微软雅黑" panose="020B0503020204020204" pitchFamily="34" charset="-122"/>
-              <a:sym typeface="Arial" panose="020B0604020202020204" pitchFamily="34" charset="0"/>
-            </a:endParaRPr>
-          </a:p>
-        </p:txBody>
-      </p:sp>
-    </p:spTree>
-    <p:extLst>
-      <p:ext uri="{BB962C8B-B14F-4D97-AF65-F5344CB8AC3E}">
-        <p14:creationId xmlns:p14="http://schemas.microsoft.com/office/powerpoint/2010/main" val="2362296366"/>
-      </p:ext>
-    </p:extLst>
-  </p:cSld>
-  <p:clrMapOvr>
-    <a:masterClrMapping/>
-  </p:clrMapOvr>
-  <mc:AlternateContent xmlns:mc="http://schemas.openxmlformats.org/markup-compatibility/2006" xmlns:p14="http://schemas.microsoft.com/office/powerpoint/2010/main">
-    <mc:Choice Requires="p14">
-      <p:transition spd="med" p14:dur="700">
-        <p:fade/>
-      </p:transition>
-    </mc:Choice>
-    <mc:Fallback xmlns="">
-      <p:transition spd="med">
-        <p:fade/>
-      </p:transition>
-    </mc:Fallback>
-  </mc:AlternateContent>
-</p:sld>
-</file>
-
-<file path=ppt/slides/slide12.xml><?xml version="1.0" encoding="utf-8"?>
-<p:sld xmlns:a="http://schemas.openxmlformats.org/drawingml/2006/main" xmlns:r="http://schemas.openxmlformats.org/officeDocument/2006/relationships" xmlns:p="http://schemas.openxmlformats.org/presentationml/2006/main">
-  <p:cSld>
-    <p:spTree>
-      <p:nvGrpSpPr>
-        <p:cNvPr id="1" name=""/>
-        <p:cNvGrpSpPr/>
-        <p:nvPr/>
-      </p:nvGrpSpPr>
-      <p:grpSpPr>
-        <a:xfrm>
-          <a:off x="0" y="0"/>
-          <a:ext cx="0" cy="0"/>
-          <a:chOff x="0" y="0"/>
-          <a:chExt cx="0" cy="0"/>
-        </a:xfrm>
-      </p:grpSpPr>
-      <p:sp>
-        <p:nvSpPr>
-          <p:cNvPr id="2" name="标题 1"/>
-          <p:cNvSpPr>
-            <a:spLocks noGrp="1"/>
-          </p:cNvSpPr>
-          <p:nvPr>
-            <p:ph type="title"/>
-          </p:nvPr>
-        </p:nvSpPr>
-        <p:spPr/>
-        <p:txBody>
-          <a:bodyPr rtlCol="0"/>
-          <a:lstStyle/>
-          <a:p>
-            <a:pPr rtl="0"/>
-            <a:r>
-              <a:rPr lang="zh-CN" altLang="en-US" dirty="0">
-                <a:latin typeface="微软雅黑" panose="020B0503020204020204" pitchFamily="34" charset="-122"/>
-                <a:ea typeface="微软雅黑" panose="020B0503020204020204" pitchFamily="34" charset="-122"/>
-                <a:sym typeface="Arial" panose="020B0604020202020204" pitchFamily="34" charset="0"/>
-              </a:rPr>
-              <a:t>添加幻灯片标题 </a:t>
-            </a:r>
-            <a:r>
-              <a:rPr lang="en-US" altLang="zh-CN" dirty="0">
-                <a:latin typeface="微软雅黑" panose="020B0503020204020204" pitchFamily="34" charset="-122"/>
-                <a:ea typeface="微软雅黑" panose="020B0503020204020204" pitchFamily="34" charset="-122"/>
-                <a:sym typeface="Arial" panose="020B0604020202020204" pitchFamily="34" charset="0"/>
-              </a:rPr>
-              <a:t>- 2</a:t>
-            </a:r>
-            <a:endParaRPr lang="zh-CN" altLang="en-US" dirty="0">
-              <a:latin typeface="微软雅黑" panose="020B0503020204020204" pitchFamily="34" charset="-122"/>
-              <a:ea typeface="微软雅黑" panose="020B0503020204020204" pitchFamily="34" charset="-122"/>
-              <a:sym typeface="Arial" panose="020B0604020202020204" pitchFamily="34" charset="0"/>
-            </a:endParaRPr>
-          </a:p>
-        </p:txBody>
-      </p:sp>
-      <p:sp>
-        <p:nvSpPr>
-          <p:cNvPr id="3" name="文本占位符 2"/>
-          <p:cNvSpPr>
-            <a:spLocks noGrp="1"/>
-          </p:cNvSpPr>
-          <p:nvPr>
-            <p:ph type="body" idx="1"/>
-          </p:nvPr>
-        </p:nvSpPr>
-        <p:spPr/>
-        <p:txBody>
-          <a:bodyPr rtlCol="0"/>
-          <a:lstStyle/>
-          <a:p>
-            <a:pPr rtl="0"/>
-            <a:endParaRPr lang="zh-CN" altLang="en-US" dirty="0">
-              <a:latin typeface="微软雅黑" panose="020B0503020204020204" pitchFamily="34" charset="-122"/>
-              <a:ea typeface="微软雅黑" panose="020B0503020204020204" pitchFamily="34" charset="-122"/>
-              <a:sym typeface="Arial" panose="020B0604020202020204" pitchFamily="34" charset="0"/>
-            </a:endParaRPr>
-          </a:p>
-        </p:txBody>
-      </p:sp>
-      <p:sp>
-        <p:nvSpPr>
-          <p:cNvPr id="4" name="内容占位符 3"/>
-          <p:cNvSpPr>
-            <a:spLocks noGrp="1"/>
-          </p:cNvSpPr>
-          <p:nvPr>
-            <p:ph sz="half" idx="2"/>
-          </p:nvPr>
-        </p:nvSpPr>
-        <p:spPr/>
-        <p:txBody>
-          <a:bodyPr rtlCol="0"/>
-          <a:lstStyle/>
-          <a:p>
-            <a:pPr rtl="0"/>
-            <a:endParaRPr lang="zh-CN" altLang="en-US" dirty="0">
-              <a:latin typeface="微软雅黑" panose="020B0503020204020204" pitchFamily="34" charset="-122"/>
-              <a:ea typeface="微软雅黑" panose="020B0503020204020204" pitchFamily="34" charset="-122"/>
-              <a:sym typeface="Arial" panose="020B0604020202020204" pitchFamily="34" charset="0"/>
-            </a:endParaRPr>
-          </a:p>
-        </p:txBody>
-      </p:sp>
-      <p:sp>
-        <p:nvSpPr>
-          <p:cNvPr id="5" name="文本占位符 4"/>
-          <p:cNvSpPr>
-            <a:spLocks noGrp="1"/>
-          </p:cNvSpPr>
-          <p:nvPr>
-            <p:ph type="body" sz="quarter" idx="3"/>
-          </p:nvPr>
-        </p:nvSpPr>
-        <p:spPr/>
-        <p:txBody>
-          <a:bodyPr rtlCol="0"/>
-          <a:lstStyle/>
-          <a:p>
-            <a:pPr rtl="0"/>
-            <a:endParaRPr lang="zh-CN" altLang="en-US" dirty="0">
-              <a:latin typeface="微软雅黑" panose="020B0503020204020204" pitchFamily="34" charset="-122"/>
-              <a:ea typeface="微软雅黑" panose="020B0503020204020204" pitchFamily="34" charset="-122"/>
-              <a:sym typeface="Arial" panose="020B0604020202020204" pitchFamily="34" charset="0"/>
-            </a:endParaRPr>
-          </a:p>
-        </p:txBody>
-      </p:sp>
-      <p:sp>
-        <p:nvSpPr>
-          <p:cNvPr id="6" name="内容占位符 5"/>
-          <p:cNvSpPr>
-            <a:spLocks noGrp="1"/>
-          </p:cNvSpPr>
-          <p:nvPr>
-            <p:ph sz="quarter" idx="4"/>
-          </p:nvPr>
-        </p:nvSpPr>
-        <p:spPr/>
-        <p:txBody>
-          <a:bodyPr rtlCol="0"/>
-          <a:lstStyle/>
-          <a:p>
-            <a:pPr rtl="0"/>
-            <a:endParaRPr lang="zh-CN" altLang="en-US" dirty="0">
-              <a:latin typeface="微软雅黑" panose="020B0503020204020204" pitchFamily="34" charset="-122"/>
-              <a:ea typeface="微软雅黑" panose="020B0503020204020204" pitchFamily="34" charset="-122"/>
-              <a:sym typeface="Arial" panose="020B0604020202020204" pitchFamily="34" charset="0"/>
-            </a:endParaRPr>
-          </a:p>
-        </p:txBody>
-      </p:sp>
-    </p:spTree>
-    <p:extLst>
-      <p:ext uri="{BB962C8B-B14F-4D97-AF65-F5344CB8AC3E}">
-        <p14:creationId xmlns:p14="http://schemas.microsoft.com/office/powerpoint/2010/main" val="3229171051"/>
-      </p:ext>
-    </p:extLst>
-  </p:cSld>
-  <p:clrMapOvr>
-    <a:masterClrMapping/>
-  </p:clrMapOvr>
-  <mc:AlternateContent xmlns:mc="http://schemas.openxmlformats.org/markup-compatibility/2006" xmlns:p14="http://schemas.microsoft.com/office/powerpoint/2010/main">
-    <mc:Choice Requires="p14">
-      <p:transition spd="med" p14:dur="700">
-        <p:fade/>
-      </p:transition>
-    </mc:Choice>
-    <mc:Fallback xmlns="">
-      <p:transition spd="med">
-        <p:fade/>
-      </p:transition>
-    </mc:Fallback>
-  </mc:AlternateContent>
-</p:sld>
-</file>
-
-<file path=ppt/slides/slide13.xml><?xml version="1.0" encoding="utf-8"?>
-<p:sld xmlns:a="http://schemas.openxmlformats.org/drawingml/2006/main" xmlns:r="http://schemas.openxmlformats.org/officeDocument/2006/relationships" xmlns:p="http://schemas.openxmlformats.org/presentationml/2006/main">
-  <p:cSld>
-    <p:spTree>
-      <p:nvGrpSpPr>
-        <p:cNvPr id="1" name=""/>
-        <p:cNvGrpSpPr/>
-        <p:nvPr/>
-      </p:nvGrpSpPr>
-      <p:grpSpPr>
-        <a:xfrm>
-          <a:off x="0" y="0"/>
-          <a:ext cx="0" cy="0"/>
-          <a:chOff x="0" y="0"/>
-          <a:chExt cx="0" cy="0"/>
-        </a:xfrm>
-      </p:grpSpPr>
-      <p:sp>
-        <p:nvSpPr>
-          <p:cNvPr id="2" name="标题 1"/>
-          <p:cNvSpPr>
-            <a:spLocks noGrp="1"/>
-          </p:cNvSpPr>
-          <p:nvPr>
-            <p:ph type="title"/>
-          </p:nvPr>
-        </p:nvSpPr>
-        <p:spPr/>
-        <p:txBody>
-          <a:bodyPr rtlCol="0"/>
-          <a:lstStyle/>
-          <a:p>
-            <a:pPr rtl="0"/>
-            <a:r>
-              <a:rPr lang="zh-CN" altLang="en-US" dirty="0">
-                <a:latin typeface="微软雅黑" panose="020B0503020204020204" pitchFamily="34" charset="-122"/>
-                <a:ea typeface="微软雅黑" panose="020B0503020204020204" pitchFamily="34" charset="-122"/>
-                <a:sym typeface="Arial" panose="020B0604020202020204" pitchFamily="34" charset="0"/>
-              </a:rPr>
-              <a:t>添加幻灯片标题 </a:t>
-            </a:r>
-            <a:r>
-              <a:rPr lang="en-US" altLang="zh-CN" dirty="0">
-                <a:latin typeface="微软雅黑" panose="020B0503020204020204" pitchFamily="34" charset="-122"/>
-                <a:ea typeface="微软雅黑" panose="020B0503020204020204" pitchFamily="34" charset="-122"/>
-                <a:sym typeface="Arial" panose="020B0604020202020204" pitchFamily="34" charset="0"/>
-              </a:rPr>
-              <a:t>- 3</a:t>
-            </a:r>
-            <a:endParaRPr lang="zh-CN" altLang="en-US" dirty="0">
-              <a:latin typeface="微软雅黑" panose="020B0503020204020204" pitchFamily="34" charset="-122"/>
-              <a:ea typeface="微软雅黑" panose="020B0503020204020204" pitchFamily="34" charset="-122"/>
-              <a:sym typeface="Arial" panose="020B0604020202020204" pitchFamily="34" charset="0"/>
-            </a:endParaRPr>
-          </a:p>
-        </p:txBody>
-      </p:sp>
-    </p:spTree>
-    <p:extLst>
-      <p:ext uri="{BB962C8B-B14F-4D97-AF65-F5344CB8AC3E}">
-        <p14:creationId xmlns:p14="http://schemas.microsoft.com/office/powerpoint/2010/main" val="452733939"/>
-      </p:ext>
-    </p:extLst>
-  </p:cSld>
-  <p:clrMapOvr>
-    <a:masterClrMapping/>
-  </p:clrMapOvr>
-  <mc:AlternateContent xmlns:mc="http://schemas.openxmlformats.org/markup-compatibility/2006" xmlns:p14="http://schemas.microsoft.com/office/powerpoint/2010/main">
-    <mc:Choice Requires="p14">
-      <p:transition spd="med" p14:dur="700">
-        <p:fade/>
-      </p:transition>
-    </mc:Choice>
-    <mc:Fallback xmlns="">
-      <p:transition spd="med">
-        <p:fade/>
-      </p:transition>
-    </mc:Fallback>
-  </mc:AlternateContent>
-</p:sld>
-</file>
-
-<file path=ppt/slides/slide14.xml><?xml version="1.0" encoding="utf-8"?>
-<p:sld xmlns:a="http://schemas.openxmlformats.org/drawingml/2006/main" xmlns:r="http://schemas.openxmlformats.org/officeDocument/2006/relationships" xmlns:p="http://schemas.openxmlformats.org/presentationml/2006/main">
-  <p:cSld>
-    <p:spTree>
-      <p:nvGrpSpPr>
-        <p:cNvPr id="1" name=""/>
-        <p:cNvGrpSpPr/>
-        <p:nvPr/>
-      </p:nvGrpSpPr>
-      <p:grpSpPr>
-        <a:xfrm>
-          <a:off x="0" y="0"/>
-          <a:ext cx="0" cy="0"/>
-          <a:chOff x="0" y="0"/>
-          <a:chExt cx="0" cy="0"/>
-        </a:xfrm>
-      </p:grpSpPr>
-    </p:spTree>
-    <p:extLst>
-      <p:ext uri="{BB962C8B-B14F-4D97-AF65-F5344CB8AC3E}">
-        <p14:creationId xmlns:p14="http://schemas.microsoft.com/office/powerpoint/2010/main" val="1544302913"/>
-      </p:ext>
-    </p:extLst>
-  </p:cSld>
-  <p:clrMapOvr>
-    <a:masterClrMapping/>
-  </p:clrMapOvr>
-  <mc:AlternateContent xmlns:mc="http://schemas.openxmlformats.org/markup-compatibility/2006" xmlns:p14="http://schemas.microsoft.com/office/powerpoint/2010/main">
-    <mc:Choice Requires="p14">
-      <p:transition spd="med" p14:dur="700">
-        <p:fade/>
-      </p:transition>
-    </mc:Choice>
-    <mc:Fallback xmlns="">
-      <p:transition spd="med">
-        <p:fade/>
-      </p:transition>
-    </mc:Fallback>
-  </mc:AlternateContent>
-</p:sld>
-</file>
-
-<file path=ppt/slides/slide15.xml><?xml version="1.0" encoding="utf-8"?>
-<p:sld xmlns:a="http://schemas.openxmlformats.org/drawingml/2006/main" xmlns:r="http://schemas.openxmlformats.org/officeDocument/2006/relationships" xmlns:p="http://schemas.openxmlformats.org/presentationml/2006/main">
-  <p:cSld>
-    <p:spTree>
-      <p:nvGrpSpPr>
-        <p:cNvPr id="1" name=""/>
-        <p:cNvGrpSpPr/>
-        <p:nvPr/>
-      </p:nvGrpSpPr>
-      <p:grpSpPr>
-        <a:xfrm>
-          <a:off x="0" y="0"/>
-          <a:ext cx="0" cy="0"/>
-          <a:chOff x="0" y="0"/>
-          <a:chExt cx="0" cy="0"/>
-        </a:xfrm>
-      </p:grpSpPr>
-      <p:sp>
-        <p:nvSpPr>
-          <p:cNvPr id="2" name="标题 1"/>
-          <p:cNvSpPr>
-            <a:spLocks noGrp="1"/>
-          </p:cNvSpPr>
-          <p:nvPr>
-            <p:ph type="title"/>
-          </p:nvPr>
-        </p:nvSpPr>
-        <p:spPr/>
-        <p:txBody>
-          <a:bodyPr rtlCol="0"/>
-          <a:lstStyle/>
-          <a:p>
-            <a:pPr rtl="0"/>
-            <a:r>
-              <a:rPr lang="zh-CN" altLang="en-US" dirty="0">
-                <a:latin typeface="微软雅黑" panose="020B0503020204020204" pitchFamily="34" charset="-122"/>
-                <a:ea typeface="微软雅黑" panose="020B0503020204020204" pitchFamily="34" charset="-122"/>
-                <a:sym typeface="Arial" panose="020B0604020202020204" pitchFamily="34" charset="0"/>
-              </a:rPr>
-              <a:t>添加幻灯片标题 </a:t>
-            </a:r>
-            <a:r>
-              <a:rPr lang="en-US" altLang="zh-CN" dirty="0">
-                <a:latin typeface="微软雅黑" panose="020B0503020204020204" pitchFamily="34" charset="-122"/>
-                <a:ea typeface="微软雅黑" panose="020B0503020204020204" pitchFamily="34" charset="-122"/>
-                <a:sym typeface="Arial" panose="020B0604020202020204" pitchFamily="34" charset="0"/>
-              </a:rPr>
-              <a:t>- 4</a:t>
-            </a:r>
-            <a:endParaRPr lang="zh-CN" altLang="en-US" dirty="0">
-              <a:latin typeface="微软雅黑" panose="020B0503020204020204" pitchFamily="34" charset="-122"/>
-              <a:ea typeface="微软雅黑" panose="020B0503020204020204" pitchFamily="34" charset="-122"/>
-              <a:sym typeface="Arial" panose="020B0604020202020204" pitchFamily="34" charset="0"/>
-            </a:endParaRPr>
-          </a:p>
-        </p:txBody>
-      </p:sp>
-      <p:sp>
-        <p:nvSpPr>
-          <p:cNvPr id="5" name="内容占位符 4"/>
+          <p:cNvPr id="3" name="内容占位符 2">
+            <a:extLst>
+              <a:ext uri="{FF2B5EF4-FFF2-40B4-BE49-F238E27FC236}">
+                <a16:creationId xmlns:a16="http://schemas.microsoft.com/office/drawing/2014/main" id="{D8A70A8C-F66A-45F7-93CD-E5C268706775}"/>
+              </a:ext>
+            </a:extLst>
+          </p:cNvPr>
           <p:cNvSpPr>
             <a:spLocks noGrp="1"/>
           </p:cNvSpPr>
@@ -21162,164 +15840,50 @@
         </p:nvSpPr>
         <p:spPr/>
         <p:txBody>
-          <a:bodyPr rtlCol="0"/>
+          <a:bodyPr/>
           <a:lstStyle/>
           <a:p>
-            <a:pPr rtl="0"/>
-            <a:endParaRPr lang="zh-CN" altLang="en-US" dirty="0">
-              <a:latin typeface="微软雅黑" panose="020B0503020204020204" pitchFamily="34" charset="-122"/>
-              <a:ea typeface="微软雅黑" panose="020B0503020204020204" pitchFamily="34" charset="-122"/>
-              <a:sym typeface="Arial" panose="020B0604020202020204" pitchFamily="34" charset="0"/>
-            </a:endParaRPr>
+            <a:r>
+              <a:rPr lang="en-US" altLang="zh-CN" dirty="0"/>
+              <a:t>The most match rate: grabby, 86.7% picked up.</a:t>
+            </a:r>
           </a:p>
-        </p:txBody>
-      </p:sp>
-      <p:sp>
-        <p:nvSpPr>
-          <p:cNvPr id="6" name="文本占位符 5"/>
-          <p:cNvSpPr>
-            <a:spLocks noGrp="1"/>
-          </p:cNvSpPr>
-          <p:nvPr>
-            <p:ph type="body" sz="half" idx="2"/>
-          </p:nvPr>
-        </p:nvSpPr>
-        <p:spPr/>
-        <p:txBody>
-          <a:bodyPr rtlCol="0"/>
-          <a:lstStyle/>
           <a:p>
-            <a:pPr rtl="0"/>
-            <a:endParaRPr lang="zh-CN" altLang="en-US" dirty="0">
-              <a:latin typeface="微软雅黑" panose="020B0503020204020204" pitchFamily="34" charset="-122"/>
-              <a:ea typeface="微软雅黑" panose="020B0503020204020204" pitchFamily="34" charset="-122"/>
-              <a:sym typeface="Arial" panose="020B0604020202020204" pitchFamily="34" charset="0"/>
-            </a:endParaRPr>
+            <a:r>
+              <a:rPr lang="en-US" altLang="zh-CN" dirty="0"/>
+              <a:t>The least waiting time: </a:t>
+            </a:r>
+            <a:r>
+              <a:rPr lang="en-US" altLang="zh-CN" dirty="0" err="1"/>
+              <a:t>nearest_neighbor</a:t>
+            </a:r>
+            <a:r>
+              <a:rPr lang="en-US" altLang="zh-CN" dirty="0"/>
+              <a:t>, 64 seconds delay.</a:t>
+            </a:r>
+          </a:p>
+          <a:p>
+            <a:r>
+              <a:rPr lang="en-US" altLang="zh-CN" dirty="0"/>
+              <a:t>The least delay time: grasp16, 34 seconds delay.</a:t>
+            </a:r>
+          </a:p>
+          <a:p>
+            <a:endParaRPr lang="en-US" altLang="zh-CN" dirty="0"/>
+          </a:p>
+          <a:p>
+            <a:r>
+              <a:rPr lang="en-US" altLang="zh-CN" dirty="0"/>
+              <a:t>For 811 students in simulation for 1 hour and 57 seconds, only 25 departures of buses can pick up 86.7% students.</a:t>
+            </a:r>
+            <a:endParaRPr lang="zh-CN" altLang="en-US" dirty="0"/>
           </a:p>
         </p:txBody>
       </p:sp>
     </p:spTree>
     <p:extLst>
       <p:ext uri="{BB962C8B-B14F-4D97-AF65-F5344CB8AC3E}">
-        <p14:creationId xmlns:p14="http://schemas.microsoft.com/office/powerpoint/2010/main" val="4101607575"/>
-      </p:ext>
-    </p:extLst>
-  </p:cSld>
-  <p:clrMapOvr>
-    <a:masterClrMapping/>
-  </p:clrMapOvr>
-  <mc:AlternateContent xmlns:mc="http://schemas.openxmlformats.org/markup-compatibility/2006" xmlns:p14="http://schemas.microsoft.com/office/powerpoint/2010/main">
-    <mc:Choice Requires="p14">
-      <p:transition spd="med" p14:dur="700">
-        <p:fade/>
-      </p:transition>
-    </mc:Choice>
-    <mc:Fallback xmlns="">
-      <p:transition spd="med">
-        <p:fade/>
-      </p:transition>
-    </mc:Fallback>
-  </mc:AlternateContent>
-</p:sld>
-</file>
-
-<file path=ppt/slides/slide16.xml><?xml version="1.0" encoding="utf-8"?>
-<p:sld xmlns:a="http://schemas.openxmlformats.org/drawingml/2006/main" xmlns:r="http://schemas.openxmlformats.org/officeDocument/2006/relationships" xmlns:p="http://schemas.openxmlformats.org/presentationml/2006/main">
-  <p:cSld>
-    <p:spTree>
-      <p:nvGrpSpPr>
-        <p:cNvPr id="1" name=""/>
-        <p:cNvGrpSpPr/>
-        <p:nvPr/>
-      </p:nvGrpSpPr>
-      <p:grpSpPr>
-        <a:xfrm>
-          <a:off x="0" y="0"/>
-          <a:ext cx="0" cy="0"/>
-          <a:chOff x="0" y="0"/>
-          <a:chExt cx="0" cy="0"/>
-        </a:xfrm>
-      </p:grpSpPr>
-      <p:sp>
-        <p:nvSpPr>
-          <p:cNvPr id="3" name="标题 2"/>
-          <p:cNvSpPr>
-            <a:spLocks noGrp="1"/>
-          </p:cNvSpPr>
-          <p:nvPr>
-            <p:ph type="title"/>
-          </p:nvPr>
-        </p:nvSpPr>
-        <p:spPr/>
-        <p:txBody>
-          <a:bodyPr rtlCol="0"/>
-          <a:lstStyle/>
-          <a:p>
-            <a:pPr rtl="0"/>
-            <a:r>
-              <a:rPr lang="zh-CN" altLang="en-US" dirty="0">
-                <a:latin typeface="微软雅黑" panose="020B0503020204020204" pitchFamily="34" charset="-122"/>
-                <a:ea typeface="微软雅黑" panose="020B0503020204020204" pitchFamily="34" charset="-122"/>
-                <a:sym typeface="Arial" panose="020B0604020202020204" pitchFamily="34" charset="0"/>
-              </a:rPr>
-              <a:t>添加幻灯片标题 </a:t>
-            </a:r>
-            <a:r>
-              <a:rPr lang="en-US" altLang="zh-CN" dirty="0">
-                <a:latin typeface="微软雅黑" panose="020B0503020204020204" pitchFamily="34" charset="-122"/>
-                <a:ea typeface="微软雅黑" panose="020B0503020204020204" pitchFamily="34" charset="-122"/>
-                <a:sym typeface="Arial" panose="020B0604020202020204" pitchFamily="34" charset="0"/>
-              </a:rPr>
-              <a:t>- 5</a:t>
-            </a:r>
-            <a:endParaRPr lang="zh-CN" altLang="en-US" dirty="0">
-              <a:latin typeface="微软雅黑" panose="020B0503020204020204" pitchFamily="34" charset="-122"/>
-              <a:ea typeface="微软雅黑" panose="020B0503020204020204" pitchFamily="34" charset="-122"/>
-              <a:sym typeface="Arial" panose="020B0604020202020204" pitchFamily="34" charset="0"/>
-            </a:endParaRPr>
-          </a:p>
-        </p:txBody>
-      </p:sp>
-      <p:sp>
-        <p:nvSpPr>
-          <p:cNvPr id="5" name="图片占位符 4"/>
-          <p:cNvSpPr>
-            <a:spLocks noGrp="1"/>
-          </p:cNvSpPr>
-          <p:nvPr>
-            <p:ph type="pic" idx="1"/>
-          </p:nvPr>
-        </p:nvSpPr>
-        <p:spPr/>
-      </p:sp>
-      <p:sp>
-        <p:nvSpPr>
-          <p:cNvPr id="6" name="文本占位符 5"/>
-          <p:cNvSpPr>
-            <a:spLocks noGrp="1"/>
-          </p:cNvSpPr>
-          <p:nvPr>
-            <p:ph type="body" sz="half" idx="2"/>
-          </p:nvPr>
-        </p:nvSpPr>
-        <p:spPr/>
-        <p:txBody>
-          <a:bodyPr rtlCol="0"/>
-          <a:lstStyle/>
-          <a:p>
-            <a:pPr rtl="0"/>
-            <a:endParaRPr lang="zh-CN" altLang="en-US" dirty="0">
-              <a:latin typeface="微软雅黑" panose="020B0503020204020204" pitchFamily="34" charset="-122"/>
-              <a:ea typeface="微软雅黑" panose="020B0503020204020204" pitchFamily="34" charset="-122"/>
-              <a:sym typeface="Arial" panose="020B0604020202020204" pitchFamily="34" charset="0"/>
-            </a:endParaRPr>
-          </a:p>
-        </p:txBody>
-      </p:sp>
-    </p:spTree>
-    <p:extLst>
-      <p:ext uri="{BB962C8B-B14F-4D97-AF65-F5344CB8AC3E}">
-        <p14:creationId xmlns:p14="http://schemas.microsoft.com/office/powerpoint/2010/main" val="2794409471"/>
+        <p14:creationId xmlns:p14="http://schemas.microsoft.com/office/powerpoint/2010/main" val="3266743918"/>
       </p:ext>
     </p:extLst>
   </p:cSld>
@@ -22295,7 +16859,13 @@
       </p:grpSpPr>
       <p:sp>
         <p:nvSpPr>
-          <p:cNvPr id="2" name="标题 1"/>
+          <p:cNvPr id="2" name="标题 1">
+            <a:extLst>
+              <a:ext uri="{FF2B5EF4-FFF2-40B4-BE49-F238E27FC236}">
+                <a16:creationId xmlns:a16="http://schemas.microsoft.com/office/drawing/2014/main" id="{0367F918-F954-4B77-A98F-46EF46596ABB}"/>
+              </a:ext>
+            </a:extLst>
+          </p:cNvPr>
           <p:cNvSpPr>
             <a:spLocks noGrp="1"/>
           </p:cNvSpPr>
@@ -22305,50 +16875,120 @@
         </p:nvSpPr>
         <p:spPr/>
         <p:txBody>
-          <a:bodyPr rtlCol="0"/>
+          <a:bodyPr/>
           <a:lstStyle/>
           <a:p>
-            <a:pPr rtl="0"/>
             <a:r>
-              <a:rPr lang="zh-CN" altLang="en-US" dirty="0">
-                <a:latin typeface="Arial" panose="020B0604020202020204" pitchFamily="34" charset="0"/>
-                <a:ea typeface="微软雅黑" panose="020B0503020204020204" pitchFamily="34" charset="-122"/>
-                <a:sym typeface="Arial" panose="020B0604020202020204" pitchFamily="34" charset="0"/>
-              </a:rPr>
-              <a:t>标题和包含图表的内容布局</a:t>
+              <a:rPr lang="en-US" altLang="zh-CN" dirty="0"/>
+              <a:t>Solution – Directed Edges</a:t>
             </a:r>
+            <a:endParaRPr lang="zh-CN" altLang="en-US" dirty="0"/>
           </a:p>
         </p:txBody>
       </p:sp>
-      <p:graphicFrame>
-        <p:nvGraphicFramePr>
-          <p:cNvPr id="6" name="内容占位符 5" descr="簇状柱形图显示了 4 种类别的 3 个系列的值"/>
-          <p:cNvGraphicFramePr>
-            <a:graphicFrameLocks noGrp="1"/>
-          </p:cNvGraphicFramePr>
+      <p:sp>
+        <p:nvSpPr>
+          <p:cNvPr id="3" name="内容占位符 2">
+            <a:extLst>
+              <a:ext uri="{FF2B5EF4-FFF2-40B4-BE49-F238E27FC236}">
+                <a16:creationId xmlns:a16="http://schemas.microsoft.com/office/drawing/2014/main" id="{5AF770C3-E52C-44C4-A77A-CBF02C418CBB}"/>
+              </a:ext>
+            </a:extLst>
+          </p:cNvPr>
+          <p:cNvSpPr>
+            <a:spLocks noGrp="1"/>
+          </p:cNvSpPr>
           <p:nvPr>
             <p:ph idx="1"/>
-            <p:extLst>
-              <p:ext uri="{D42A27DB-BD31-4B8C-83A1-F6EECF244321}">
-                <p14:modId xmlns:p14="http://schemas.microsoft.com/office/powerpoint/2010/main" val="1443008268"/>
-              </p:ext>
-            </p:extLst>
           </p:nvPr>
-        </p:nvGraphicFramePr>
-        <p:xfrm>
-          <a:off x="1295400" y="1981200"/>
-          <a:ext cx="9601200" cy="3810000"/>
-        </p:xfrm>
-        <a:graphic>
-          <a:graphicData uri="http://schemas.openxmlformats.org/drawingml/2006/chart">
-            <c:chart xmlns:c="http://schemas.openxmlformats.org/drawingml/2006/chart" xmlns:r="http://schemas.openxmlformats.org/officeDocument/2006/relationships" r:id="rId3"/>
-          </a:graphicData>
-        </a:graphic>
-      </p:graphicFrame>
+        </p:nvSpPr>
+        <p:spPr/>
+        <p:txBody>
+          <a:bodyPr/>
+          <a:lstStyle/>
+          <a:p>
+            <a:r>
+              <a:rPr lang="en-US" altLang="zh-CN" dirty="0"/>
+              <a:t>After modified the map files and G-Tree builder, we can use directed edges to add penalty.</a:t>
+            </a:r>
+          </a:p>
+          <a:p>
+            <a:r>
+              <a:rPr lang="en-US" altLang="zh-CN" dirty="0"/>
+              <a:t>The bus shouldn’t go back, otherwise the penalty would be very large.</a:t>
+            </a:r>
+          </a:p>
+          <a:p>
+            <a:r>
+              <a:rPr lang="en-US" altLang="zh-CN" dirty="0"/>
+              <a:t>Define different edges and </a:t>
+            </a:r>
+            <a:r>
+              <a:rPr lang="en-US" altLang="zh-CN" dirty="0" err="1"/>
+              <a:t>rnet</a:t>
+            </a:r>
+            <a:r>
+              <a:rPr lang="en-US" altLang="zh-CN" dirty="0"/>
+              <a:t> to represent different bus lines.</a:t>
+            </a:r>
+          </a:p>
+          <a:p>
+            <a:r>
+              <a:rPr lang="en-US" altLang="zh-CN" dirty="0"/>
+              <a:t>The problem solved, and we got expected result!</a:t>
+            </a:r>
+          </a:p>
+          <a:p>
+            <a:r>
+              <a:rPr lang="en-US" altLang="zh-CN" dirty="0"/>
+              <a:t>This result is from </a:t>
+            </a:r>
+            <a:r>
+              <a:rPr lang="en-US" altLang="zh-CN" dirty="0" err="1"/>
+              <a:t>bilateral_arrangement</a:t>
+            </a:r>
+            <a:r>
+              <a:rPr lang="en-US" altLang="zh-CN" dirty="0"/>
+              <a:t> algorithm.</a:t>
+            </a:r>
+            <a:endParaRPr lang="zh-CN" altLang="en-US" dirty="0"/>
+          </a:p>
+        </p:txBody>
+      </p:sp>
+      <p:pic>
+        <p:nvPicPr>
+          <p:cNvPr id="4" name="图片 3">
+            <a:extLst>
+              <a:ext uri="{FF2B5EF4-FFF2-40B4-BE49-F238E27FC236}">
+                <a16:creationId xmlns:a16="http://schemas.microsoft.com/office/drawing/2014/main" id="{8004DAD3-458F-415F-B38E-132BFBC8EC49}"/>
+              </a:ext>
+            </a:extLst>
+          </p:cNvPr>
+          <p:cNvPicPr>
+            <a:picLocks noChangeAspect="1"/>
+          </p:cNvPicPr>
+          <p:nvPr/>
+        </p:nvPicPr>
+        <p:blipFill>
+          <a:blip r:embed="rId2"/>
+          <a:stretch>
+            <a:fillRect/>
+          </a:stretch>
+        </p:blipFill>
+        <p:spPr>
+          <a:xfrm>
+            <a:off x="8534195" y="3886200"/>
+            <a:ext cx="2362405" cy="1821338"/>
+          </a:xfrm>
+          <a:prstGeom prst="rect">
+            <a:avLst/>
+          </a:prstGeom>
+        </p:spPr>
+      </p:pic>
     </p:spTree>
     <p:extLst>
       <p:ext uri="{BB962C8B-B14F-4D97-AF65-F5344CB8AC3E}">
-        <p14:creationId xmlns:p14="http://schemas.microsoft.com/office/powerpoint/2010/main" val="1476019738"/>
+        <p14:creationId xmlns:p14="http://schemas.microsoft.com/office/powerpoint/2010/main" val="1858749566"/>
       </p:ext>
     </p:extLst>
   </p:cSld>
@@ -22389,7 +17029,13 @@
       </p:grpSpPr>
       <p:sp>
         <p:nvSpPr>
-          <p:cNvPr id="2" name="标题 1"/>
+          <p:cNvPr id="2" name="标题 1">
+            <a:extLst>
+              <a:ext uri="{FF2B5EF4-FFF2-40B4-BE49-F238E27FC236}">
+                <a16:creationId xmlns:a16="http://schemas.microsoft.com/office/drawing/2014/main" id="{5F89EF9D-B9E6-4159-818A-F17916DE32A5}"/>
+              </a:ext>
+            </a:extLst>
+          </p:cNvPr>
           <p:cNvSpPr>
             <a:spLocks noGrp="1"/>
           </p:cNvSpPr>
@@ -22399,465 +17045,98 @@
         </p:nvSpPr>
         <p:spPr/>
         <p:txBody>
-          <a:bodyPr rtlCol="0"/>
+          <a:bodyPr/>
           <a:lstStyle/>
           <a:p>
-            <a:pPr rtl="0"/>
             <a:r>
-              <a:rPr lang="zh-CN" altLang="en-US" dirty="0">
-                <a:latin typeface="微软雅黑" panose="020B0503020204020204" pitchFamily="34" charset="-122"/>
-                <a:ea typeface="微软雅黑" panose="020B0503020204020204" pitchFamily="34" charset="-122"/>
-                <a:sym typeface="Arial" panose="020B0604020202020204" pitchFamily="34" charset="0"/>
-              </a:rPr>
-              <a:t>包含表格的两栏内容布局</a:t>
+              <a:rPr lang="en-US" altLang="zh-CN" dirty="0"/>
+              <a:t>Solution – Directed Edges</a:t>
             </a:r>
+            <a:endParaRPr lang="zh-CN" altLang="en-US" dirty="0"/>
           </a:p>
         </p:txBody>
       </p:sp>
       <p:sp>
         <p:nvSpPr>
-          <p:cNvPr id="3" name="内容占位符 2"/>
+          <p:cNvPr id="3" name="内容占位符 2">
+            <a:extLst>
+              <a:ext uri="{FF2B5EF4-FFF2-40B4-BE49-F238E27FC236}">
+                <a16:creationId xmlns:a16="http://schemas.microsoft.com/office/drawing/2014/main" id="{1BF40005-B89F-4C41-8380-9D3DF05F3660}"/>
+              </a:ext>
+            </a:extLst>
+          </p:cNvPr>
           <p:cNvSpPr>
             <a:spLocks noGrp="1"/>
           </p:cNvSpPr>
           <p:nvPr>
-            <p:ph sz="half" idx="1"/>
+            <p:ph idx="1"/>
           </p:nvPr>
         </p:nvSpPr>
         <p:spPr/>
         <p:txBody>
-          <a:bodyPr rtlCol="0"/>
+          <a:bodyPr/>
           <a:lstStyle/>
           <a:p>
-            <a:pPr rtl="0"/>
             <a:r>
-              <a:rPr lang="zh-CN" altLang="en-US" dirty="0">
-                <a:latin typeface="微软雅黑" panose="020B0503020204020204" pitchFamily="34" charset="-122"/>
-                <a:ea typeface="微软雅黑" panose="020B0503020204020204" pitchFamily="34" charset="-122"/>
-                <a:sym typeface="Arial" panose="020B0604020202020204" pitchFamily="34" charset="0"/>
-              </a:rPr>
-              <a:t>此处是第一个项目要点</a:t>
+              <a:rPr lang="en-US" altLang="zh-CN" dirty="0"/>
+              <a:t>We then use this result to do analysis.</a:t>
             </a:r>
           </a:p>
           <a:p>
-            <a:pPr rtl="0"/>
             <a:r>
-              <a:rPr lang="zh-CN" altLang="en-US" dirty="0">
-                <a:latin typeface="微软雅黑" panose="020B0503020204020204" pitchFamily="34" charset="-122"/>
-                <a:ea typeface="微软雅黑" panose="020B0503020204020204" pitchFamily="34" charset="-122"/>
-                <a:sym typeface="Arial" panose="020B0604020202020204" pitchFamily="34" charset="0"/>
-              </a:rPr>
-              <a:t>此处是第二个项目要点</a:t>
+              <a:rPr lang="en-US" altLang="zh-CN" dirty="0"/>
+              <a:t>Start is the initialized time of bus.</a:t>
             </a:r>
           </a:p>
           <a:p>
-            <a:pPr rtl="0"/>
             <a:r>
-              <a:rPr lang="zh-CN" altLang="en-US" dirty="0">
-                <a:latin typeface="微软雅黑" panose="020B0503020204020204" pitchFamily="34" charset="-122"/>
-                <a:ea typeface="微软雅黑" panose="020B0503020204020204" pitchFamily="34" charset="-122"/>
-                <a:sym typeface="Arial" panose="020B0604020202020204" pitchFamily="34" charset="0"/>
-              </a:rPr>
-              <a:t>此处是第三个项目要点</a:t>
+              <a:rPr lang="en-US" altLang="zh-CN" dirty="0"/>
+              <a:t>Waited means the waiting time at station.</a:t>
             </a:r>
+          </a:p>
+          <a:p>
+            <a:r>
+              <a:rPr lang="en-US" altLang="zh-CN" dirty="0"/>
+              <a:t>Move means the vehicle goes to next stop.</a:t>
+            </a:r>
+            <a:endParaRPr lang="zh-CN" altLang="en-US" dirty="0"/>
           </a:p>
         </p:txBody>
       </p:sp>
-      <p:graphicFrame>
-        <p:nvGraphicFramePr>
-          <p:cNvPr id="5" name="内容占位符 4"/>
-          <p:cNvGraphicFramePr>
-            <a:graphicFrameLocks noGrp="1"/>
-          </p:cNvGraphicFramePr>
-          <p:nvPr>
-            <p:ph sz="half" idx="2"/>
-            <p:extLst>
-              <p:ext uri="{D42A27DB-BD31-4B8C-83A1-F6EECF244321}">
-                <p14:modId xmlns:p14="http://schemas.microsoft.com/office/powerpoint/2010/main" val="3884252003"/>
-              </p:ext>
-            </p:extLst>
-          </p:nvPr>
-        </p:nvGraphicFramePr>
-        <p:xfrm>
-          <a:off x="6324600" y="1981200"/>
-          <a:ext cx="4572000" cy="2141912"/>
-        </p:xfrm>
-        <a:graphic>
-          <a:graphicData uri="http://schemas.openxmlformats.org/drawingml/2006/table">
-            <a:tbl>
-              <a:tblPr firstRow="1" bandRow="1">
-                <a:tableStyleId>{BC89EF96-8CEA-46FF-86C4-4CE0E7609802}</a:tableStyleId>
-              </a:tblPr>
-              <a:tblGrid>
-                <a:gridCol w="1524000">
-                  <a:extLst>
-                    <a:ext uri="{9D8B030D-6E8A-4147-A177-3AD203B41FA5}">
-                      <a16:colId xmlns:a16="http://schemas.microsoft.com/office/drawing/2014/main" val="20000"/>
-                    </a:ext>
-                  </a:extLst>
-                </a:gridCol>
-                <a:gridCol w="1524000">
-                  <a:extLst>
-                    <a:ext uri="{9D8B030D-6E8A-4147-A177-3AD203B41FA5}">
-                      <a16:colId xmlns:a16="http://schemas.microsoft.com/office/drawing/2014/main" val="20001"/>
-                    </a:ext>
-                  </a:extLst>
-                </a:gridCol>
-                <a:gridCol w="1524000">
-                  <a:extLst>
-                    <a:ext uri="{9D8B030D-6E8A-4147-A177-3AD203B41FA5}">
-                      <a16:colId xmlns:a16="http://schemas.microsoft.com/office/drawing/2014/main" val="20002"/>
-                    </a:ext>
-                  </a:extLst>
-                </a:gridCol>
-              </a:tblGrid>
-              <a:tr h="535478">
-                <a:tc>
-                  <a:txBody>
-                    <a:bodyPr/>
-                    <a:lstStyle/>
-                    <a:p>
-                      <a:pPr rtl="0"/>
-                      <a:r>
-                        <a:rPr lang="zh-CN" altLang="en-US" dirty="0">
-                          <a:latin typeface="微软雅黑" panose="020B0503020204020204" pitchFamily="34" charset="-122"/>
-                          <a:ea typeface="微软雅黑" panose="020B0503020204020204" pitchFamily="34" charset="-122"/>
-                          <a:sym typeface="Arial" panose="020B0604020202020204" pitchFamily="34" charset="0"/>
-                        </a:rPr>
-                        <a:t>类</a:t>
-                      </a:r>
-                    </a:p>
-                  </a:txBody>
-                  <a:tcPr anchor="ctr"/>
-                </a:tc>
-                <a:tc>
-                  <a:txBody>
-                    <a:bodyPr/>
-                    <a:lstStyle/>
-                    <a:p>
-                      <a:pPr algn="ctr" rtl="0"/>
-                      <a:r>
-                        <a:rPr lang="zh-CN" altLang="en-US" dirty="0">
-                          <a:latin typeface="微软雅黑" panose="020B0503020204020204" pitchFamily="34" charset="-122"/>
-                          <a:ea typeface="微软雅黑" panose="020B0503020204020204" pitchFamily="34" charset="-122"/>
-                          <a:sym typeface="Arial" panose="020B0604020202020204" pitchFamily="34" charset="0"/>
-                        </a:rPr>
-                        <a:t>组 </a:t>
-                      </a:r>
-                      <a:r>
-                        <a:rPr lang="en-US" altLang="zh-CN" dirty="0">
-                          <a:latin typeface="微软雅黑" panose="020B0503020204020204" pitchFamily="34" charset="-122"/>
-                          <a:ea typeface="微软雅黑" panose="020B0503020204020204" pitchFamily="34" charset="-122"/>
-                          <a:sym typeface="Arial" panose="020B0604020202020204" pitchFamily="34" charset="0"/>
-                        </a:rPr>
-                        <a:t>1</a:t>
-                      </a:r>
-                      <a:endParaRPr lang="zh-CN" altLang="en-US" dirty="0">
-                        <a:latin typeface="微软雅黑" panose="020B0503020204020204" pitchFamily="34" charset="-122"/>
-                        <a:ea typeface="微软雅黑" panose="020B0503020204020204" pitchFamily="34" charset="-122"/>
-                        <a:sym typeface="Arial" panose="020B0604020202020204" pitchFamily="34" charset="0"/>
-                      </a:endParaRPr>
-                    </a:p>
-                  </a:txBody>
-                  <a:tcPr anchor="ctr"/>
-                </a:tc>
-                <a:tc>
-                  <a:txBody>
-                    <a:bodyPr/>
-                    <a:lstStyle/>
-                    <a:p>
-                      <a:pPr algn="ctr" rtl="0"/>
-                      <a:r>
-                        <a:rPr lang="zh-CN" altLang="en-US" dirty="0">
-                          <a:latin typeface="微软雅黑" panose="020B0503020204020204" pitchFamily="34" charset="-122"/>
-                          <a:ea typeface="微软雅黑" panose="020B0503020204020204" pitchFamily="34" charset="-122"/>
-                          <a:sym typeface="Arial" panose="020B0604020202020204" pitchFamily="34" charset="0"/>
-                        </a:rPr>
-                        <a:t>组 </a:t>
-                      </a:r>
-                      <a:r>
-                        <a:rPr lang="en-US" altLang="zh-CN" dirty="0">
-                          <a:latin typeface="微软雅黑" panose="020B0503020204020204" pitchFamily="34" charset="-122"/>
-                          <a:ea typeface="微软雅黑" panose="020B0503020204020204" pitchFamily="34" charset="-122"/>
-                          <a:sym typeface="Arial" panose="020B0604020202020204" pitchFamily="34" charset="0"/>
-                        </a:rPr>
-                        <a:t>2</a:t>
-                      </a:r>
-                      <a:endParaRPr lang="zh-CN" altLang="en-US" dirty="0">
-                        <a:latin typeface="微软雅黑" panose="020B0503020204020204" pitchFamily="34" charset="-122"/>
-                        <a:ea typeface="微软雅黑" panose="020B0503020204020204" pitchFamily="34" charset="-122"/>
-                        <a:sym typeface="Arial" panose="020B0604020202020204" pitchFamily="34" charset="0"/>
-                      </a:endParaRPr>
-                    </a:p>
-                  </a:txBody>
-                  <a:tcPr anchor="ctr"/>
-                </a:tc>
-                <a:extLst>
-                  <a:ext uri="{0D108BD9-81ED-4DB2-BD59-A6C34878D82A}">
-                    <a16:rowId xmlns:a16="http://schemas.microsoft.com/office/drawing/2014/main" val="10000"/>
-                  </a:ext>
-                </a:extLst>
-              </a:tr>
-              <a:tr h="535478">
-                <a:tc>
-                  <a:txBody>
-                    <a:bodyPr/>
-                    <a:lstStyle/>
-                    <a:p>
-                      <a:pPr rtl="0"/>
-                      <a:r>
-                        <a:rPr lang="zh-CN" altLang="en-US" dirty="0">
-                          <a:latin typeface="微软雅黑" panose="020B0503020204020204" pitchFamily="34" charset="-122"/>
-                          <a:ea typeface="微软雅黑" panose="020B0503020204020204" pitchFamily="34" charset="-122"/>
-                          <a:sym typeface="Arial" panose="020B0604020202020204" pitchFamily="34" charset="0"/>
-                        </a:rPr>
-                        <a:t>类 </a:t>
-                      </a:r>
-                      <a:r>
-                        <a:rPr lang="en-US" altLang="zh-CN" dirty="0">
-                          <a:latin typeface="微软雅黑" panose="020B0503020204020204" pitchFamily="34" charset="-122"/>
-                          <a:ea typeface="微软雅黑" panose="020B0503020204020204" pitchFamily="34" charset="-122"/>
-                          <a:sym typeface="Arial" panose="020B0604020202020204" pitchFamily="34" charset="0"/>
-                        </a:rPr>
-                        <a:t>1</a:t>
-                      </a:r>
-                      <a:endParaRPr lang="zh-CN" altLang="en-US" dirty="0">
-                        <a:latin typeface="微软雅黑" panose="020B0503020204020204" pitchFamily="34" charset="-122"/>
-                        <a:ea typeface="微软雅黑" panose="020B0503020204020204" pitchFamily="34" charset="-122"/>
-                        <a:sym typeface="Arial" panose="020B0604020202020204" pitchFamily="34" charset="0"/>
-                      </a:endParaRPr>
-                    </a:p>
-                  </a:txBody>
-                  <a:tcPr anchor="ctr"/>
-                </a:tc>
-                <a:tc>
-                  <a:txBody>
-                    <a:bodyPr/>
-                    <a:lstStyle/>
-                    <a:p>
-                      <a:pPr algn="ctr" rtl="0"/>
-                      <a:r>
-                        <a:rPr lang="en-US" altLang="zh-CN" dirty="0">
-                          <a:latin typeface="微软雅黑" panose="020B0503020204020204" pitchFamily="34" charset="-122"/>
-                          <a:ea typeface="微软雅黑" panose="020B0503020204020204" pitchFamily="34" charset="-122"/>
-                          <a:sym typeface="Arial" panose="020B0604020202020204" pitchFamily="34" charset="0"/>
-                        </a:rPr>
-                        <a:t>82</a:t>
-                      </a:r>
-                      <a:endParaRPr lang="zh-CN" altLang="en-US" dirty="0">
-                        <a:latin typeface="微软雅黑" panose="020B0503020204020204" pitchFamily="34" charset="-122"/>
-                        <a:ea typeface="微软雅黑" panose="020B0503020204020204" pitchFamily="34" charset="-122"/>
-                        <a:sym typeface="Arial" panose="020B0604020202020204" pitchFamily="34" charset="0"/>
-                      </a:endParaRPr>
-                    </a:p>
-                  </a:txBody>
-                  <a:tcPr anchor="ctr"/>
-                </a:tc>
-                <a:tc>
-                  <a:txBody>
-                    <a:bodyPr/>
-                    <a:lstStyle/>
-                    <a:p>
-                      <a:pPr algn="ctr" rtl="0"/>
-                      <a:r>
-                        <a:rPr lang="en-US" altLang="zh-CN" dirty="0">
-                          <a:latin typeface="微软雅黑" panose="020B0503020204020204" pitchFamily="34" charset="-122"/>
-                          <a:ea typeface="微软雅黑" panose="020B0503020204020204" pitchFamily="34" charset="-122"/>
-                          <a:sym typeface="Arial" panose="020B0604020202020204" pitchFamily="34" charset="0"/>
-                        </a:rPr>
-                        <a:t>95</a:t>
-                      </a:r>
-                      <a:endParaRPr lang="zh-CN" altLang="en-US" dirty="0">
-                        <a:latin typeface="微软雅黑" panose="020B0503020204020204" pitchFamily="34" charset="-122"/>
-                        <a:ea typeface="微软雅黑" panose="020B0503020204020204" pitchFamily="34" charset="-122"/>
-                        <a:sym typeface="Arial" panose="020B0604020202020204" pitchFamily="34" charset="0"/>
-                      </a:endParaRPr>
-                    </a:p>
-                  </a:txBody>
-                  <a:tcPr anchor="ctr"/>
-                </a:tc>
-                <a:extLst>
-                  <a:ext uri="{0D108BD9-81ED-4DB2-BD59-A6C34878D82A}">
-                    <a16:rowId xmlns:a16="http://schemas.microsoft.com/office/drawing/2014/main" val="10001"/>
-                  </a:ext>
-                </a:extLst>
-              </a:tr>
-              <a:tr h="535478">
-                <a:tc>
-                  <a:txBody>
-                    <a:bodyPr/>
-                    <a:lstStyle/>
-                    <a:p>
-                      <a:pPr rtl="0"/>
-                      <a:r>
-                        <a:rPr lang="zh-CN" altLang="en-US" dirty="0">
-                          <a:latin typeface="微软雅黑" panose="020B0503020204020204" pitchFamily="34" charset="-122"/>
-                          <a:ea typeface="微软雅黑" panose="020B0503020204020204" pitchFamily="34" charset="-122"/>
-                          <a:sym typeface="Arial" panose="020B0604020202020204" pitchFamily="34" charset="0"/>
-                        </a:rPr>
-                        <a:t>类 </a:t>
-                      </a:r>
-                      <a:r>
-                        <a:rPr lang="en-US" altLang="zh-CN" dirty="0">
-                          <a:latin typeface="微软雅黑" panose="020B0503020204020204" pitchFamily="34" charset="-122"/>
-                          <a:ea typeface="微软雅黑" panose="020B0503020204020204" pitchFamily="34" charset="-122"/>
-                          <a:sym typeface="Arial" panose="020B0604020202020204" pitchFamily="34" charset="0"/>
-                        </a:rPr>
-                        <a:t>2</a:t>
-                      </a:r>
-                      <a:endParaRPr lang="zh-CN" altLang="en-US" dirty="0">
-                        <a:latin typeface="微软雅黑" panose="020B0503020204020204" pitchFamily="34" charset="-122"/>
-                        <a:ea typeface="微软雅黑" panose="020B0503020204020204" pitchFamily="34" charset="-122"/>
-                        <a:sym typeface="Arial" panose="020B0604020202020204" pitchFamily="34" charset="0"/>
-                      </a:endParaRPr>
-                    </a:p>
-                  </a:txBody>
-                  <a:tcPr anchor="ctr"/>
-                </a:tc>
-                <a:tc>
-                  <a:txBody>
-                    <a:bodyPr/>
-                    <a:lstStyle/>
-                    <a:p>
-                      <a:pPr algn="ctr" rtl="0"/>
-                      <a:r>
-                        <a:rPr lang="en-US" altLang="zh-CN" dirty="0">
-                          <a:latin typeface="微软雅黑" panose="020B0503020204020204" pitchFamily="34" charset="-122"/>
-                          <a:ea typeface="微软雅黑" panose="020B0503020204020204" pitchFamily="34" charset="-122"/>
-                          <a:sym typeface="Arial" panose="020B0604020202020204" pitchFamily="34" charset="0"/>
-                        </a:rPr>
-                        <a:t>76</a:t>
-                      </a:r>
-                      <a:endParaRPr lang="zh-CN" altLang="en-US" dirty="0">
-                        <a:latin typeface="微软雅黑" panose="020B0503020204020204" pitchFamily="34" charset="-122"/>
-                        <a:ea typeface="微软雅黑" panose="020B0503020204020204" pitchFamily="34" charset="-122"/>
-                        <a:sym typeface="Arial" panose="020B0604020202020204" pitchFamily="34" charset="0"/>
-                      </a:endParaRPr>
-                    </a:p>
-                  </a:txBody>
-                  <a:tcPr anchor="ctr"/>
-                </a:tc>
-                <a:tc>
-                  <a:txBody>
-                    <a:bodyPr/>
-                    <a:lstStyle/>
-                    <a:p>
-                      <a:pPr algn="ctr" rtl="0"/>
-                      <a:r>
-                        <a:rPr lang="en-US" altLang="zh-CN" dirty="0">
-                          <a:latin typeface="微软雅黑" panose="020B0503020204020204" pitchFamily="34" charset="-122"/>
-                          <a:ea typeface="微软雅黑" panose="020B0503020204020204" pitchFamily="34" charset="-122"/>
-                          <a:sym typeface="Arial" panose="020B0604020202020204" pitchFamily="34" charset="0"/>
-                        </a:rPr>
-                        <a:t>88</a:t>
-                      </a:r>
-                      <a:endParaRPr lang="zh-CN" altLang="en-US" dirty="0">
-                        <a:latin typeface="微软雅黑" panose="020B0503020204020204" pitchFamily="34" charset="-122"/>
-                        <a:ea typeface="微软雅黑" panose="020B0503020204020204" pitchFamily="34" charset="-122"/>
-                        <a:sym typeface="Arial" panose="020B0604020202020204" pitchFamily="34" charset="0"/>
-                      </a:endParaRPr>
-                    </a:p>
-                  </a:txBody>
-                  <a:tcPr anchor="ctr"/>
-                </a:tc>
-                <a:extLst>
-                  <a:ext uri="{0D108BD9-81ED-4DB2-BD59-A6C34878D82A}">
-                    <a16:rowId xmlns:a16="http://schemas.microsoft.com/office/drawing/2014/main" val="10002"/>
-                  </a:ext>
-                </a:extLst>
-              </a:tr>
-              <a:tr h="535478">
-                <a:tc>
-                  <a:txBody>
-                    <a:bodyPr/>
-                    <a:lstStyle/>
-                    <a:p>
-                      <a:pPr rtl="0"/>
-                      <a:r>
-                        <a:rPr lang="zh-CN" altLang="en-US" dirty="0">
-                          <a:latin typeface="微软雅黑" panose="020B0503020204020204" pitchFamily="34" charset="-122"/>
-                          <a:ea typeface="微软雅黑" panose="020B0503020204020204" pitchFamily="34" charset="-122"/>
-                          <a:sym typeface="Arial" panose="020B0604020202020204" pitchFamily="34" charset="0"/>
-                        </a:rPr>
-                        <a:t>类 </a:t>
-                      </a:r>
-                      <a:r>
-                        <a:rPr lang="en-US" altLang="zh-CN" dirty="0">
-                          <a:latin typeface="微软雅黑" panose="020B0503020204020204" pitchFamily="34" charset="-122"/>
-                          <a:ea typeface="微软雅黑" panose="020B0503020204020204" pitchFamily="34" charset="-122"/>
-                          <a:sym typeface="Arial" panose="020B0604020202020204" pitchFamily="34" charset="0"/>
-                        </a:rPr>
-                        <a:t>3</a:t>
-                      </a:r>
-                      <a:endParaRPr lang="zh-CN" altLang="en-US" dirty="0">
-                        <a:latin typeface="微软雅黑" panose="020B0503020204020204" pitchFamily="34" charset="-122"/>
-                        <a:ea typeface="微软雅黑" panose="020B0503020204020204" pitchFamily="34" charset="-122"/>
-                        <a:sym typeface="Arial" panose="020B0604020202020204" pitchFamily="34" charset="0"/>
-                      </a:endParaRPr>
-                    </a:p>
-                  </a:txBody>
-                  <a:tcPr anchor="ctr"/>
-                </a:tc>
-                <a:tc>
-                  <a:txBody>
-                    <a:bodyPr/>
-                    <a:lstStyle/>
-                    <a:p>
-                      <a:pPr algn="ctr" rtl="0"/>
-                      <a:r>
-                        <a:rPr lang="en-US" altLang="zh-CN" dirty="0">
-                          <a:latin typeface="微软雅黑" panose="020B0503020204020204" pitchFamily="34" charset="-122"/>
-                          <a:ea typeface="微软雅黑" panose="020B0503020204020204" pitchFamily="34" charset="-122"/>
-                          <a:sym typeface="Arial" panose="020B0604020202020204" pitchFamily="34" charset="0"/>
-                        </a:rPr>
-                        <a:t>84</a:t>
-                      </a:r>
-                      <a:endParaRPr lang="zh-CN" altLang="en-US" dirty="0">
-                        <a:latin typeface="微软雅黑" panose="020B0503020204020204" pitchFamily="34" charset="-122"/>
-                        <a:ea typeface="微软雅黑" panose="020B0503020204020204" pitchFamily="34" charset="-122"/>
-                        <a:sym typeface="Arial" panose="020B0604020202020204" pitchFamily="34" charset="0"/>
-                      </a:endParaRPr>
-                    </a:p>
-                  </a:txBody>
-                  <a:tcPr anchor="ctr"/>
-                </a:tc>
-                <a:tc>
-                  <a:txBody>
-                    <a:bodyPr/>
-                    <a:lstStyle/>
-                    <a:p>
-                      <a:pPr algn="ctr" rtl="0"/>
-                      <a:r>
-                        <a:rPr lang="en-US" altLang="zh-CN" dirty="0">
-                          <a:latin typeface="微软雅黑" panose="020B0503020204020204" pitchFamily="34" charset="-122"/>
-                          <a:ea typeface="微软雅黑" panose="020B0503020204020204" pitchFamily="34" charset="-122"/>
-                          <a:sym typeface="Arial" panose="020B0604020202020204" pitchFamily="34" charset="0"/>
-                        </a:rPr>
-                        <a:t>90</a:t>
-                      </a:r>
-                      <a:endParaRPr lang="zh-CN" altLang="en-US" dirty="0">
-                        <a:latin typeface="微软雅黑" panose="020B0503020204020204" pitchFamily="34" charset="-122"/>
-                        <a:ea typeface="微软雅黑" panose="020B0503020204020204" pitchFamily="34" charset="-122"/>
-                        <a:sym typeface="Arial" panose="020B0604020202020204" pitchFamily="34" charset="0"/>
-                      </a:endParaRPr>
-                    </a:p>
-                  </a:txBody>
-                  <a:tcPr anchor="ctr"/>
-                </a:tc>
-                <a:extLst>
-                  <a:ext uri="{0D108BD9-81ED-4DB2-BD59-A6C34878D82A}">
-                    <a16:rowId xmlns:a16="http://schemas.microsoft.com/office/drawing/2014/main" val="10003"/>
-                  </a:ext>
-                </a:extLst>
-              </a:tr>
-            </a:tbl>
-          </a:graphicData>
-        </a:graphic>
-      </p:graphicFrame>
+      <p:pic>
+        <p:nvPicPr>
+          <p:cNvPr id="4" name="图片 3">
+            <a:extLst>
+              <a:ext uri="{FF2B5EF4-FFF2-40B4-BE49-F238E27FC236}">
+                <a16:creationId xmlns:a16="http://schemas.microsoft.com/office/drawing/2014/main" id="{9604C7A5-D0A6-4312-8051-603B2C5BF571}"/>
+              </a:ext>
+            </a:extLst>
+          </p:cNvPr>
+          <p:cNvPicPr>
+            <a:picLocks noChangeAspect="1"/>
+          </p:cNvPicPr>
+          <p:nvPr/>
+        </p:nvPicPr>
+        <p:blipFill>
+          <a:blip r:embed="rId2"/>
+          <a:stretch>
+            <a:fillRect/>
+          </a:stretch>
+        </p:blipFill>
+        <p:spPr>
+          <a:xfrm>
+            <a:off x="7078649" y="1981201"/>
+            <a:ext cx="3817951" cy="3490262"/>
+          </a:xfrm>
+          <a:prstGeom prst="rect">
+            <a:avLst/>
+          </a:prstGeom>
+        </p:spPr>
+      </p:pic>
     </p:spTree>
     <p:extLst>
       <p:ext uri="{BB962C8B-B14F-4D97-AF65-F5344CB8AC3E}">
-        <p14:creationId xmlns:p14="http://schemas.microsoft.com/office/powerpoint/2010/main" val="2475092730"/>
+        <p14:creationId xmlns:p14="http://schemas.microsoft.com/office/powerpoint/2010/main" val="80636433"/>
       </p:ext>
     </p:extLst>
   </p:cSld>
